--- a/FinalProjectPresentation—Larson+Grigoriadis.pptx
+++ b/FinalProjectPresentation—Larson+Grigoriadis.pptx
@@ -1,23 +1,23 @@
 
 <file path=ppt/presentation.xml><?xml version="1.0" encoding="utf-8"?>
-<p:presentation xmlns:a="http://schemas.openxmlformats.org/drawingml/2006/main" xmlns:r="http://schemas.openxmlformats.org/officeDocument/2006/relationships" xmlns:p="http://schemas.openxmlformats.org/presentationml/2006/main" xmlns:m="http://schemas.openxmlformats.org/officeDocument/2006/math" xmlns:a14="http://schemas.microsoft.com/office/drawing/2010/main">
+<p:presentation xmlns:a="http://schemas.openxmlformats.org/drawingml/2006/main" xmlns:r="http://schemas.openxmlformats.org/officeDocument/2006/relationships" xmlns:p="http://schemas.openxmlformats.org/presentationml/2006/main">
   <p:sldMasterIdLst>
-    <p:sldMasterId id="2147483648" r:id="rId5"/>
+    <p:sldMasterId id="2147483648" r:id="rId1"/>
   </p:sldMasterIdLst>
   <p:notesMasterIdLst>
-    <p:notesMasterId r:id="rId7"/>
+    <p:notesMasterId r:id="rId10"/>
   </p:notesMasterIdLst>
   <p:sldIdLst>
-    <p:sldId id="256" r:id="rId8"/>
-    <p:sldId id="257" r:id="rId9"/>
-    <p:sldId id="258" r:id="rId10"/>
-    <p:sldId id="259" r:id="rId11"/>
-    <p:sldId id="260" r:id="rId12"/>
-    <p:sldId id="261" r:id="rId13"/>
-    <p:sldId id="262" r:id="rId14"/>
-    <p:sldId id="263" r:id="rId15"/>
+    <p:sldId id="256" r:id="rId2"/>
+    <p:sldId id="257" r:id="rId3"/>
+    <p:sldId id="258" r:id="rId4"/>
+    <p:sldId id="259" r:id="rId5"/>
+    <p:sldId id="260" r:id="rId6"/>
+    <p:sldId id="261" r:id="rId7"/>
+    <p:sldId id="262" r:id="rId8"/>
+    <p:sldId id="263" r:id="rId9"/>
   </p:sldIdLst>
-  <p:sldSz cx="9144000" cy="6858000"/>
+  <p:sldSz cx="9144000" cy="6858000" type="screen4x3"/>
   <p:notesSz cx="6858000" cy="9144000"/>
   <p:defaultTextStyle>
     <a:defPPr marL="0" marR="0" indent="0" algn="l" defTabSz="914400" rtl="0" fontAlgn="auto" latinLnBrk="1" hangingPunct="0">
@@ -35,7 +35,7 @@
       <a:buFontTx/>
       <a:buNone/>
       <a:tabLst/>
-      <a:defRPr b="0" baseline="0" cap="none" i="0" spc="0" strike="noStrike" sz="1800" u="none" kumimoji="0" normalizeH="0">
+      <a:defRPr kumimoji="0" sz="1800" b="0" i="0" u="none" strike="noStrike" cap="none" spc="0" normalizeH="0" baseline="0">
         <a:ln>
           <a:noFill/>
         </a:ln>
@@ -61,7 +61,7 @@
       <a:buFontTx/>
       <a:buNone/>
       <a:tabLst/>
-      <a:defRPr b="0" baseline="0" cap="none" i="0" spc="0" strike="noStrike" sz="2400" u="none" kumimoji="0" normalizeH="0">
+      <a:defRPr kumimoji="0" sz="2400" b="0" i="0" u="none" strike="noStrike" cap="none" spc="0" normalizeH="0" baseline="0">
         <a:ln>
           <a:noFill/>
         </a:ln>
@@ -91,7 +91,7 @@
       <a:buFontTx/>
       <a:buNone/>
       <a:tabLst/>
-      <a:defRPr b="0" baseline="0" cap="none" i="0" spc="0" strike="noStrike" sz="2400" u="none" kumimoji="0" normalizeH="0">
+      <a:defRPr kumimoji="0" sz="2400" b="0" i="0" u="none" strike="noStrike" cap="none" spc="0" normalizeH="0" baseline="0">
         <a:ln>
           <a:noFill/>
         </a:ln>
@@ -121,7 +121,7 @@
       <a:buFontTx/>
       <a:buNone/>
       <a:tabLst/>
-      <a:defRPr b="0" baseline="0" cap="none" i="0" spc="0" strike="noStrike" sz="2400" u="none" kumimoji="0" normalizeH="0">
+      <a:defRPr kumimoji="0" sz="2400" b="0" i="0" u="none" strike="noStrike" cap="none" spc="0" normalizeH="0" baseline="0">
         <a:ln>
           <a:noFill/>
         </a:ln>
@@ -151,7 +151,7 @@
       <a:buFontTx/>
       <a:buNone/>
       <a:tabLst/>
-      <a:defRPr b="0" baseline="0" cap="none" i="0" spc="0" strike="noStrike" sz="2400" u="none" kumimoji="0" normalizeH="0">
+      <a:defRPr kumimoji="0" sz="2400" b="0" i="0" u="none" strike="noStrike" cap="none" spc="0" normalizeH="0" baseline="0">
         <a:ln>
           <a:noFill/>
         </a:ln>
@@ -181,7 +181,7 @@
       <a:buFontTx/>
       <a:buNone/>
       <a:tabLst/>
-      <a:defRPr b="0" baseline="0" cap="none" i="0" spc="0" strike="noStrike" sz="2400" u="none" kumimoji="0" normalizeH="0">
+      <a:defRPr kumimoji="0" sz="2400" b="0" i="0" u="none" strike="noStrike" cap="none" spc="0" normalizeH="0" baseline="0">
         <a:ln>
           <a:noFill/>
         </a:ln>
@@ -211,7 +211,7 @@
       <a:buFontTx/>
       <a:buNone/>
       <a:tabLst/>
-      <a:defRPr b="0" baseline="0" cap="none" i="0" spc="0" strike="noStrike" sz="2400" u="none" kumimoji="0" normalizeH="0">
+      <a:defRPr kumimoji="0" sz="2400" b="0" i="0" u="none" strike="noStrike" cap="none" spc="0" normalizeH="0" baseline="0">
         <a:ln>
           <a:noFill/>
         </a:ln>
@@ -241,7 +241,7 @@
       <a:buFontTx/>
       <a:buNone/>
       <a:tabLst/>
-      <a:defRPr b="0" baseline="0" cap="none" i="0" spc="0" strike="noStrike" sz="2400" u="none" kumimoji="0" normalizeH="0">
+      <a:defRPr kumimoji="0" sz="2400" b="0" i="0" u="none" strike="noStrike" cap="none" spc="0" normalizeH="0" baseline="0">
         <a:ln>
           <a:noFill/>
         </a:ln>
@@ -271,7 +271,7 @@
       <a:buFontTx/>
       <a:buNone/>
       <a:tabLst/>
-      <a:defRPr b="0" baseline="0" cap="none" i="0" spc="0" strike="noStrike" sz="2400" u="none" kumimoji="0" normalizeH="0">
+      <a:defRPr kumimoji="0" sz="2400" b="0" i="0" u="none" strike="noStrike" cap="none" spc="0" normalizeH="0" baseline="0">
         <a:ln>
           <a:noFill/>
         </a:ln>
@@ -301,7 +301,7 @@
       <a:buFontTx/>
       <a:buNone/>
       <a:tabLst/>
-      <a:defRPr b="0" baseline="0" cap="none" i="0" spc="0" strike="noStrike" sz="2400" u="none" kumimoji="0" normalizeH="0">
+      <a:defRPr kumimoji="0" sz="2400" b="0" i="0" u="none" strike="noStrike" cap="none" spc="0" normalizeH="0" baseline="0">
         <a:ln>
           <a:noFill/>
         </a:ln>
@@ -320,13 +320,14 @@
 </p:presentation>
 </file>
 
-<file path=ppt/commentAuthors.xml><?xml version="1.0" encoding="utf-8"?>
-<p:cmAuthorLst xmlns:a="http://schemas.openxmlformats.org/drawingml/2006/main" xmlns:r="http://schemas.openxmlformats.org/officeDocument/2006/relationships" xmlns:p="http://schemas.openxmlformats.org/presentationml/2006/main" xmlns:m="http://schemas.openxmlformats.org/officeDocument/2006/math" xmlns:a14="http://schemas.microsoft.com/office/drawing/2010/main"/>
-</file>
-
 <file path=ppt/notesMasters/notesMaster1.xml><?xml version="1.0" encoding="utf-8"?>
-<p:notesMaster xmlns:a="http://schemas.openxmlformats.org/drawingml/2006/main" xmlns:r="http://schemas.openxmlformats.org/officeDocument/2006/relationships" xmlns:p="http://schemas.openxmlformats.org/presentationml/2006/main" xmlns:m="http://schemas.openxmlformats.org/officeDocument/2006/math" xmlns:a14="http://schemas.microsoft.com/office/drawing/2010/main">
+<p:notesMaster xmlns:a="http://schemas.openxmlformats.org/drawingml/2006/main" xmlns:r="http://schemas.openxmlformats.org/officeDocument/2006/relationships" xmlns:p="http://schemas.openxmlformats.org/presentationml/2006/main">
   <p:cSld>
+    <p:bg>
+      <p:bgRef idx="1001">
+        <a:schemeClr val="bg1"/>
+      </p:bgRef>
+    </p:bg>
     <p:spTree>
       <p:nvGrpSpPr>
         <p:cNvPr id="1" name=""/>
@@ -344,7 +345,9 @@
       <p:sp>
         <p:nvSpPr>
           <p:cNvPr id="17" name="Shape 17"/>
-          <p:cNvSpPr/>
+          <p:cNvSpPr>
+            <a:spLocks noGrp="1" noRot="1" noChangeAspect="1"/>
+          </p:cNvSpPr>
           <p:nvPr>
             <p:ph type="sldImg"/>
           </p:nvPr>
@@ -362,14 +365,16 @@
           <a:bodyPr/>
           <a:lstStyle/>
           <a:p>
-            <a:pPr/>
+            <a:endParaRPr/>
           </a:p>
         </p:txBody>
       </p:sp>
       <p:sp>
         <p:nvSpPr>
           <p:cNvPr id="18" name="Shape 18"/>
-          <p:cNvSpPr/>
+          <p:cNvSpPr>
+            <a:spLocks noGrp="1"/>
+          </p:cNvSpPr>
           <p:nvPr>
             <p:ph type="body" sz="quarter" idx="1"/>
           </p:nvPr>
@@ -387,7 +392,7 @@
           <a:bodyPr/>
           <a:lstStyle/>
           <a:p>
-            <a:pPr/>
+            <a:endParaRPr/>
           </a:p>
         </p:txBody>
       </p:sp>
@@ -472,7 +477,7 @@
 </file>
 
 <file path=ppt/slideLayouts/slideLayout1.xml><?xml version="1.0" encoding="utf-8"?>
-<p:sldLayout xmlns:a="http://schemas.openxmlformats.org/drawingml/2006/main" xmlns:r="http://schemas.openxmlformats.org/officeDocument/2006/relationships" xmlns:p="http://schemas.openxmlformats.org/presentationml/2006/main" xmlns:m="http://schemas.openxmlformats.org/officeDocument/2006/math" xmlns:a14="http://schemas.microsoft.com/office/drawing/2010/main" type="tx" showMasterSp="1" showMasterPhAnim="1">
+<p:sldLayout xmlns:a="http://schemas.openxmlformats.org/drawingml/2006/main" xmlns:r="http://schemas.openxmlformats.org/officeDocument/2006/relationships" xmlns:p="http://schemas.openxmlformats.org/presentationml/2006/main" type="tx">
   <p:cSld name="Default">
     <p:spTree>
       <p:nvGrpSpPr>
@@ -491,7 +496,9 @@
       <p:sp>
         <p:nvSpPr>
           <p:cNvPr id="11" name="Slide Number"/>
-          <p:cNvSpPr txBox="1"/>
+          <p:cNvSpPr txBox="1">
+            <a:spLocks noGrp="1"/>
+          </p:cNvSpPr>
           <p:nvPr>
             <p:ph type="sldNum" sz="quarter" idx="2"/>
           </p:nvPr>
@@ -505,8 +512,10 @@
           <a:bodyPr/>
           <a:lstStyle/>
           <a:p>
-            <a:pPr/>
-            <a:fld id="{86CB4B4D-7CA3-9044-876B-883B54F8677D}" type="slidenum"/>
+            <a:fld id="{86CB4B4D-7CA3-9044-876B-883B54F8677D}" type="slidenum">
+              <a:t>‹#›</a:t>
+            </a:fld>
+            <a:endParaRPr/>
           </a:p>
         </p:txBody>
       </p:sp>
@@ -515,18 +524,19 @@
   <p:clrMapOvr>
     <a:masterClrMapping/>
   </p:clrMapOvr>
-  <p:transition xmlns:p14="http://schemas.microsoft.com/office/powerpoint/2010/main" spd="med" advClick="1"/>
+  <p:transition spd="med"/>
 </p:sldLayout>
 </file>
 
 <file path=ppt/slideMasters/slideMaster1.xml><?xml version="1.0" encoding="utf-8"?>
-<p:sldMaster xmlns:a="http://schemas.openxmlformats.org/drawingml/2006/main" xmlns:r="http://schemas.openxmlformats.org/officeDocument/2006/relationships" xmlns:p="http://schemas.openxmlformats.org/presentationml/2006/main" xmlns:m="http://schemas.openxmlformats.org/officeDocument/2006/math" xmlns:a14="http://schemas.microsoft.com/office/drawing/2010/main">
+<p:sldMaster xmlns:a="http://schemas.openxmlformats.org/drawingml/2006/main" xmlns:r="http://schemas.openxmlformats.org/officeDocument/2006/relationships" xmlns:p="http://schemas.openxmlformats.org/presentationml/2006/main">
   <p:cSld>
     <p:bg>
       <p:bgPr>
         <a:solidFill>
           <a:srgbClr val="FFFFFF"/>
         </a:solidFill>
+        <a:effectLst/>
       </p:bgPr>
     </p:bg>
     <p:spTree>
@@ -546,7 +556,9 @@
       <p:sp>
         <p:nvSpPr>
           <p:cNvPr id="2" name="Title Text"/>
-          <p:cNvSpPr txBox="1"/>
+          <p:cNvSpPr txBox="1">
+            <a:spLocks noGrp="1"/>
+          </p:cNvSpPr>
           <p:nvPr>
             <p:ph type="title"/>
           </p:nvPr>
@@ -564,7 +576,7 @@
           </a:ln>
           <a:extLst>
             <a:ext uri="{C572A759-6A51-4108-AA02-DFA0A04FC94B}">
-              <ma14:wrappingTextBoxFlag xmlns:ma14="http://schemas.microsoft.com/office/mac/drawingml/2011/main" val="1"/>
+              <ma14:wrappingTextBoxFlag xmlns:ma14="http://schemas.microsoft.com/office/mac/drawingml/2011/main" xmlns:a14="http://schemas.microsoft.com/office/drawing/2010/main" xmlns:m="http://schemas.openxmlformats.org/officeDocument/2006/math" xmlns="" val="1"/>
             </a:ext>
           </a:extLst>
         </p:spPr>
@@ -572,7 +584,6 @@
           <a:bodyPr lIns="45719" rIns="45719" anchor="ctr"/>
           <a:lstStyle/>
           <a:p>
-            <a:pPr/>
             <a:r>
               <a:t>Title Text</a:t>
             </a:r>
@@ -582,7 +593,9 @@
       <p:sp>
         <p:nvSpPr>
           <p:cNvPr id="3" name="Body Level One…"/>
-          <p:cNvSpPr txBox="1"/>
+          <p:cNvSpPr txBox="1">
+            <a:spLocks noGrp="1"/>
+          </p:cNvSpPr>
           <p:nvPr>
             <p:ph type="body" idx="1"/>
           </p:nvPr>
@@ -600,7 +613,7 @@
           </a:ln>
           <a:extLst>
             <a:ext uri="{C572A759-6A51-4108-AA02-DFA0A04FC94B}">
-              <ma14:wrappingTextBoxFlag xmlns:ma14="http://schemas.microsoft.com/office/mac/drawingml/2011/main" val="1"/>
+              <ma14:wrappingTextBoxFlag xmlns:ma14="http://schemas.microsoft.com/office/mac/drawingml/2011/main" xmlns:a14="http://schemas.microsoft.com/office/drawing/2010/main" xmlns:m="http://schemas.openxmlformats.org/officeDocument/2006/math" xmlns="" val="1"/>
             </a:ext>
           </a:extLst>
         </p:spPr>
@@ -608,7 +621,6 @@
           <a:bodyPr lIns="45719" rIns="45719"/>
           <a:lstStyle/>
           <a:p>
-            <a:pPr/>
             <a:r>
               <a:t>Body Level One</a:t>
             </a:r>
@@ -642,7 +654,9 @@
       <p:sp>
         <p:nvSpPr>
           <p:cNvPr id="4" name="Slide Number"/>
-          <p:cNvSpPr txBox="1"/>
+          <p:cNvSpPr txBox="1">
+            <a:spLocks noGrp="1"/>
+          </p:cNvSpPr>
           <p:nvPr>
             <p:ph type="sldNum" sz="quarter" idx="2"/>
           </p:nvPr>
@@ -669,8 +683,10 @@
             </a:lvl1pPr>
           </a:lstStyle>
           <a:p>
-            <a:pPr/>
-            <a:fld id="{86CB4B4D-7CA3-9044-876B-883B54F8677D}" type="slidenum"/>
+            <a:fld id="{86CB4B4D-7CA3-9044-876B-883B54F8677D}" type="slidenum">
+              <a:t>‹#›</a:t>
+            </a:fld>
+            <a:endParaRPr/>
           </a:p>
         </p:txBody>
       </p:sp>
@@ -678,9 +694,9 @@
   </p:cSld>
   <p:clrMap bg1="lt1" tx1="dk1" bg2="lt2" tx2="dk2" accent1="accent1" accent2="accent2" accent3="accent3" accent4="accent4" accent5="accent5" accent6="accent6" hlink="hlink" folHlink="folHlink"/>
   <p:sldLayoutIdLst>
-    <p:sldLayoutId id="2147483649" r:id="rId2"/>
+    <p:sldLayoutId id="2147483649" r:id="rId1"/>
   </p:sldLayoutIdLst>
-  <p:transition xmlns:p14="http://schemas.microsoft.com/office/powerpoint/2010/main" spd="med" advClick="1"/>
+  <p:transition spd="med"/>
   <p:txStyles>
     <p:titleStyle>
       <a:lvl1pPr marL="0" marR="0" indent="0" algn="ctr" defTabSz="914400" rtl="0" latinLnBrk="0">
@@ -698,7 +714,7 @@
         <a:buFontTx/>
         <a:buNone/>
         <a:tabLst/>
-        <a:defRPr b="1" baseline="0" cap="none" i="0" spc="0" strike="noStrike" sz="4400" u="none">
+        <a:defRPr sz="4400" b="1" i="0" u="none" strike="noStrike" cap="none" spc="0" baseline="0">
           <a:ln>
             <a:noFill/>
           </a:ln>
@@ -727,7 +743,7 @@
         <a:buFontTx/>
         <a:buNone/>
         <a:tabLst/>
-        <a:defRPr b="1" baseline="0" cap="none" i="0" spc="0" strike="noStrike" sz="4400" u="none">
+        <a:defRPr sz="4400" b="1" i="0" u="none" strike="noStrike" cap="none" spc="0" baseline="0">
           <a:ln>
             <a:noFill/>
           </a:ln>
@@ -756,7 +772,7 @@
         <a:buFontTx/>
         <a:buNone/>
         <a:tabLst/>
-        <a:defRPr b="1" baseline="0" cap="none" i="0" spc="0" strike="noStrike" sz="4400" u="none">
+        <a:defRPr sz="4400" b="1" i="0" u="none" strike="noStrike" cap="none" spc="0" baseline="0">
           <a:ln>
             <a:noFill/>
           </a:ln>
@@ -785,7 +801,7 @@
         <a:buFontTx/>
         <a:buNone/>
         <a:tabLst/>
-        <a:defRPr b="1" baseline="0" cap="none" i="0" spc="0" strike="noStrike" sz="4400" u="none">
+        <a:defRPr sz="4400" b="1" i="0" u="none" strike="noStrike" cap="none" spc="0" baseline="0">
           <a:ln>
             <a:noFill/>
           </a:ln>
@@ -814,7 +830,7 @@
         <a:buFontTx/>
         <a:buNone/>
         <a:tabLst/>
-        <a:defRPr b="1" baseline="0" cap="none" i="0" spc="0" strike="noStrike" sz="4400" u="none">
+        <a:defRPr sz="4400" b="1" i="0" u="none" strike="noStrike" cap="none" spc="0" baseline="0">
           <a:ln>
             <a:noFill/>
           </a:ln>
@@ -843,7 +859,7 @@
         <a:buFontTx/>
         <a:buNone/>
         <a:tabLst/>
-        <a:defRPr b="1" baseline="0" cap="none" i="0" spc="0" strike="noStrike" sz="4400" u="none">
+        <a:defRPr sz="4400" b="1" i="0" u="none" strike="noStrike" cap="none" spc="0" baseline="0">
           <a:ln>
             <a:noFill/>
           </a:ln>
@@ -872,7 +888,7 @@
         <a:buFontTx/>
         <a:buNone/>
         <a:tabLst/>
-        <a:defRPr b="1" baseline="0" cap="none" i="0" spc="0" strike="noStrike" sz="4400" u="none">
+        <a:defRPr sz="4400" b="1" i="0" u="none" strike="noStrike" cap="none" spc="0" baseline="0">
           <a:ln>
             <a:noFill/>
           </a:ln>
@@ -901,7 +917,7 @@
         <a:buFontTx/>
         <a:buNone/>
         <a:tabLst/>
-        <a:defRPr b="1" baseline="0" cap="none" i="0" spc="0" strike="noStrike" sz="4400" u="none">
+        <a:defRPr sz="4400" b="1" i="0" u="none" strike="noStrike" cap="none" spc="0" baseline="0">
           <a:ln>
             <a:noFill/>
           </a:ln>
@@ -930,7 +946,7 @@
         <a:buFontTx/>
         <a:buNone/>
         <a:tabLst/>
-        <a:defRPr b="1" baseline="0" cap="none" i="0" spc="0" strike="noStrike" sz="4400" u="none">
+        <a:defRPr sz="4400" b="1" i="0" u="none" strike="noStrike" cap="none" spc="0" baseline="0">
           <a:ln>
             <a:noFill/>
           </a:ln>
@@ -961,7 +977,7 @@
         <a:buFontTx/>
         <a:buChar char="»"/>
         <a:tabLst/>
-        <a:defRPr b="0" baseline="0" cap="none" i="0" spc="0" strike="noStrike" sz="3200" u="none">
+        <a:defRPr sz="3200" b="0" i="0" u="none" strike="noStrike" cap="none" spc="0" baseline="0">
           <a:ln>
             <a:noFill/>
           </a:ln>
@@ -990,7 +1006,7 @@
         <a:buFontTx/>
         <a:buChar char="–"/>
         <a:tabLst/>
-        <a:defRPr b="0" baseline="0" cap="none" i="0" spc="0" strike="noStrike" sz="3200" u="none">
+        <a:defRPr sz="3200" b="0" i="0" u="none" strike="noStrike" cap="none" spc="0" baseline="0">
           <a:ln>
             <a:noFill/>
           </a:ln>
@@ -1019,7 +1035,7 @@
         <a:buFontTx/>
         <a:buChar char="•"/>
         <a:tabLst/>
-        <a:defRPr b="0" baseline="0" cap="none" i="0" spc="0" strike="noStrike" sz="3200" u="none">
+        <a:defRPr sz="3200" b="0" i="0" u="none" strike="noStrike" cap="none" spc="0" baseline="0">
           <a:ln>
             <a:noFill/>
           </a:ln>
@@ -1048,7 +1064,7 @@
         <a:buFontTx/>
         <a:buChar char="–"/>
         <a:tabLst/>
-        <a:defRPr b="0" baseline="0" cap="none" i="0" spc="0" strike="noStrike" sz="3200" u="none">
+        <a:defRPr sz="3200" b="0" i="0" u="none" strike="noStrike" cap="none" spc="0" baseline="0">
           <a:ln>
             <a:noFill/>
           </a:ln>
@@ -1077,7 +1093,7 @@
         <a:buFontTx/>
         <a:buChar char="»"/>
         <a:tabLst/>
-        <a:defRPr b="0" baseline="0" cap="none" i="0" spc="0" strike="noStrike" sz="3200" u="none">
+        <a:defRPr sz="3200" b="0" i="0" u="none" strike="noStrike" cap="none" spc="0" baseline="0">
           <a:ln>
             <a:noFill/>
           </a:ln>
@@ -1106,7 +1122,7 @@
         <a:buFontTx/>
         <a:buChar char=""/>
         <a:tabLst/>
-        <a:defRPr b="0" baseline="0" cap="none" i="0" spc="0" strike="noStrike" sz="3200" u="none">
+        <a:defRPr sz="3200" b="0" i="0" u="none" strike="noStrike" cap="none" spc="0" baseline="0">
           <a:ln>
             <a:noFill/>
           </a:ln>
@@ -1135,7 +1151,7 @@
         <a:buFontTx/>
         <a:buChar char=""/>
         <a:tabLst/>
-        <a:defRPr b="0" baseline="0" cap="none" i="0" spc="0" strike="noStrike" sz="3200" u="none">
+        <a:defRPr sz="3200" b="0" i="0" u="none" strike="noStrike" cap="none" spc="0" baseline="0">
           <a:ln>
             <a:noFill/>
           </a:ln>
@@ -1164,7 +1180,7 @@
         <a:buFontTx/>
         <a:buChar char=""/>
         <a:tabLst/>
-        <a:defRPr b="0" baseline="0" cap="none" i="0" spc="0" strike="noStrike" sz="3200" u="none">
+        <a:defRPr sz="3200" b="0" i="0" u="none" strike="noStrike" cap="none" spc="0" baseline="0">
           <a:ln>
             <a:noFill/>
           </a:ln>
@@ -1193,7 +1209,7 @@
         <a:buFontTx/>
         <a:buChar char=""/>
         <a:tabLst/>
-        <a:defRPr b="0" baseline="0" cap="none" i="0" spc="0" strike="noStrike" sz="3200" u="none">
+        <a:defRPr sz="3200" b="0" i="0" u="none" strike="noStrike" cap="none" spc="0" baseline="0">
           <a:ln>
             <a:noFill/>
           </a:ln>
@@ -1224,7 +1240,7 @@
         <a:buFontTx/>
         <a:buNone/>
         <a:tabLst/>
-        <a:defRPr b="0" baseline="0" cap="none" i="0" spc="0" strike="noStrike" sz="1400" u="none">
+        <a:defRPr sz="1400" b="0" i="0" u="none" strike="noStrike" cap="none" spc="0" baseline="0">
           <a:ln>
             <a:noFill/>
           </a:ln>
@@ -1253,7 +1269,7 @@
         <a:buFontTx/>
         <a:buNone/>
         <a:tabLst/>
-        <a:defRPr b="0" baseline="0" cap="none" i="0" spc="0" strike="noStrike" sz="1400" u="none">
+        <a:defRPr sz="1400" b="0" i="0" u="none" strike="noStrike" cap="none" spc="0" baseline="0">
           <a:ln>
             <a:noFill/>
           </a:ln>
@@ -1282,7 +1298,7 @@
         <a:buFontTx/>
         <a:buNone/>
         <a:tabLst/>
-        <a:defRPr b="0" baseline="0" cap="none" i="0" spc="0" strike="noStrike" sz="1400" u="none">
+        <a:defRPr sz="1400" b="0" i="0" u="none" strike="noStrike" cap="none" spc="0" baseline="0">
           <a:ln>
             <a:noFill/>
           </a:ln>
@@ -1311,7 +1327,7 @@
         <a:buFontTx/>
         <a:buNone/>
         <a:tabLst/>
-        <a:defRPr b="0" baseline="0" cap="none" i="0" spc="0" strike="noStrike" sz="1400" u="none">
+        <a:defRPr sz="1400" b="0" i="0" u="none" strike="noStrike" cap="none" spc="0" baseline="0">
           <a:ln>
             <a:noFill/>
           </a:ln>
@@ -1340,7 +1356,7 @@
         <a:buFontTx/>
         <a:buNone/>
         <a:tabLst/>
-        <a:defRPr b="0" baseline="0" cap="none" i="0" spc="0" strike="noStrike" sz="1400" u="none">
+        <a:defRPr sz="1400" b="0" i="0" u="none" strike="noStrike" cap="none" spc="0" baseline="0">
           <a:ln>
             <a:noFill/>
           </a:ln>
@@ -1369,7 +1385,7 @@
         <a:buFontTx/>
         <a:buNone/>
         <a:tabLst/>
-        <a:defRPr b="0" baseline="0" cap="none" i="0" spc="0" strike="noStrike" sz="1400" u="none">
+        <a:defRPr sz="1400" b="0" i="0" u="none" strike="noStrike" cap="none" spc="0" baseline="0">
           <a:ln>
             <a:noFill/>
           </a:ln>
@@ -1398,7 +1414,7 @@
         <a:buFontTx/>
         <a:buNone/>
         <a:tabLst/>
-        <a:defRPr b="0" baseline="0" cap="none" i="0" spc="0" strike="noStrike" sz="1400" u="none">
+        <a:defRPr sz="1400" b="0" i="0" u="none" strike="noStrike" cap="none" spc="0" baseline="0">
           <a:ln>
             <a:noFill/>
           </a:ln>
@@ -1427,7 +1443,7 @@
         <a:buFontTx/>
         <a:buNone/>
         <a:tabLst/>
-        <a:defRPr b="0" baseline="0" cap="none" i="0" spc="0" strike="noStrike" sz="1400" u="none">
+        <a:defRPr sz="1400" b="0" i="0" u="none" strike="noStrike" cap="none" spc="0" baseline="0">
           <a:ln>
             <a:noFill/>
           </a:ln>
@@ -1456,7 +1472,7 @@
         <a:buFontTx/>
         <a:buNone/>
         <a:tabLst/>
-        <a:defRPr b="0" baseline="0" cap="none" i="0" spc="0" strike="noStrike" sz="1400" u="none">
+        <a:defRPr sz="1400" b="0" i="0" u="none" strike="noStrike" cap="none" spc="0" baseline="0">
           <a:ln>
             <a:noFill/>
           </a:ln>
@@ -1476,7 +1492,7 @@
 </file>
 
 <file path=ppt/slides/slide1.xml><?xml version="1.0" encoding="utf-8"?>
-<p:sld xmlns:a="http://schemas.openxmlformats.org/drawingml/2006/main" xmlns:r="http://schemas.openxmlformats.org/officeDocument/2006/relationships" xmlns:p="http://schemas.openxmlformats.org/presentationml/2006/main" xmlns:m="http://schemas.openxmlformats.org/officeDocument/2006/math" xmlns:a14="http://schemas.microsoft.com/office/drawing/2010/main" showMasterSp="1" showMasterPhAnim="1">
+<p:sld xmlns:a="http://schemas.openxmlformats.org/drawingml/2006/main" xmlns:r="http://schemas.openxmlformats.org/officeDocument/2006/relationships" xmlns:p="http://schemas.openxmlformats.org/presentationml/2006/main">
   <p:cSld>
     <p:spTree>
       <p:nvGrpSpPr>
@@ -1495,7 +1511,9 @@
       <p:sp>
         <p:nvSpPr>
           <p:cNvPr id="20" name="CSCI230 – Java GUI Final Project Report"/>
-          <p:cNvSpPr txBox="1"/>
+          <p:cNvSpPr txBox="1">
+            <a:spLocks noGrp="1"/>
+          </p:cNvSpPr>
           <p:nvPr>
             <p:ph type="title" idx="4294967295"/>
           </p:nvPr>
@@ -1511,7 +1529,7 @@
         </p:spPr>
         <p:txBody>
           <a:bodyPr>
-            <a:normAutofit fontScale="100000" lnSpcReduction="0"/>
+            <a:normAutofit/>
           </a:bodyPr>
           <a:lstStyle/>
           <a:p>
@@ -1527,13 +1545,16 @@
             </a:r>
             <a:br/>
             <a:br/>
+            <a:endParaRPr/>
           </a:p>
         </p:txBody>
       </p:sp>
       <p:sp>
         <p:nvSpPr>
           <p:cNvPr id="21" name="Very Cool Project #1"/>
-          <p:cNvSpPr txBox="1"/>
+          <p:cNvSpPr txBox="1">
+            <a:spLocks noGrp="1"/>
+          </p:cNvSpPr>
           <p:nvPr>
             <p:ph type="body" sz="half" idx="4294967295"/>
           </p:nvPr>
@@ -1549,7 +1570,7 @@
         </p:spPr>
         <p:txBody>
           <a:bodyPr>
-            <a:normAutofit fontScale="100000" lnSpcReduction="0"/>
+            <a:normAutofit/>
           </a:bodyPr>
           <a:lstStyle>
             <a:lvl1pPr marL="0" indent="0" algn="ctr">
@@ -1562,7 +1583,6 @@
             </a:lvl1pPr>
           </a:lstStyle>
           <a:p>
-            <a:pPr/>
             <a:r>
               <a:t>Very Cool Project #1</a:t>
             </a:r>
@@ -1574,12 +1594,12 @@
   <p:clrMapOvr>
     <a:masterClrMapping/>
   </p:clrMapOvr>
-  <p:transition xmlns:p14="http://schemas.microsoft.com/office/powerpoint/2010/main" spd="med" advClick="1"/>
+  <p:transition spd="med"/>
 </p:sld>
 </file>
 
 <file path=ppt/slides/slide2.xml><?xml version="1.0" encoding="utf-8"?>
-<p:sld xmlns:a="http://schemas.openxmlformats.org/drawingml/2006/main" xmlns:r="http://schemas.openxmlformats.org/officeDocument/2006/relationships" xmlns:p="http://schemas.openxmlformats.org/presentationml/2006/main" xmlns:m="http://schemas.openxmlformats.org/officeDocument/2006/math" xmlns:a14="http://schemas.microsoft.com/office/drawing/2010/main" showMasterSp="1" showMasterPhAnim="1">
+<p:sld xmlns:a="http://schemas.openxmlformats.org/drawingml/2006/main" xmlns:r="http://schemas.openxmlformats.org/officeDocument/2006/relationships" xmlns:p="http://schemas.openxmlformats.org/presentationml/2006/main">
   <p:cSld>
     <p:spTree>
       <p:nvGrpSpPr>
@@ -1598,7 +1618,9 @@
       <p:sp>
         <p:nvSpPr>
           <p:cNvPr id="23" name="Topics"/>
-          <p:cNvSpPr txBox="1"/>
+          <p:cNvSpPr txBox="1">
+            <a:spLocks noGrp="1"/>
+          </p:cNvSpPr>
           <p:nvPr>
             <p:ph type="title" idx="4294967295"/>
           </p:nvPr>
@@ -1614,7 +1636,7 @@
         </p:spPr>
         <p:txBody>
           <a:bodyPr>
-            <a:normAutofit fontScale="100000" lnSpcReduction="0"/>
+            <a:normAutofit/>
           </a:bodyPr>
           <a:lstStyle>
             <a:lvl1pPr>
@@ -1622,7 +1644,6 @@
             </a:lvl1pPr>
           </a:lstStyle>
           <a:p>
-            <a:pPr/>
             <a:r>
               <a:t>Topics</a:t>
             </a:r>
@@ -1632,7 +1653,9 @@
       <p:sp>
         <p:nvSpPr>
           <p:cNvPr id="24" name="Project Overview…"/>
-          <p:cNvSpPr txBox="1"/>
+          <p:cNvSpPr txBox="1">
+            <a:spLocks noGrp="1"/>
+          </p:cNvSpPr>
           <p:nvPr>
             <p:ph type="body" idx="4294967295"/>
           </p:nvPr>
@@ -1648,7 +1671,7 @@
         </p:spPr>
         <p:txBody>
           <a:bodyPr>
-            <a:normAutofit fontScale="100000" lnSpcReduction="0"/>
+            <a:normAutofit/>
           </a:bodyPr>
           <a:lstStyle/>
           <a:p>
@@ -1706,12 +1729,12 @@
   <p:clrMapOvr>
     <a:masterClrMapping/>
   </p:clrMapOvr>
-  <p:transition xmlns:p14="http://schemas.microsoft.com/office/powerpoint/2010/main" spd="med" advClick="1"/>
+  <p:transition spd="med"/>
 </p:sld>
 </file>
 
 <file path=ppt/slides/slide3.xml><?xml version="1.0" encoding="utf-8"?>
-<p:sld xmlns:a="http://schemas.openxmlformats.org/drawingml/2006/main" xmlns:r="http://schemas.openxmlformats.org/officeDocument/2006/relationships" xmlns:p="http://schemas.openxmlformats.org/presentationml/2006/main" xmlns:m="http://schemas.openxmlformats.org/officeDocument/2006/math" xmlns:a14="http://schemas.microsoft.com/office/drawing/2010/main" showMasterSp="1" showMasterPhAnim="1">
+<p:sld xmlns:a="http://schemas.openxmlformats.org/drawingml/2006/main" xmlns:r="http://schemas.openxmlformats.org/officeDocument/2006/relationships" xmlns:p="http://schemas.openxmlformats.org/presentationml/2006/main">
   <p:cSld>
     <p:spTree>
       <p:nvGrpSpPr>
@@ -1730,7 +1753,9 @@
       <p:sp>
         <p:nvSpPr>
           <p:cNvPr id="26" name="Project Overview"/>
-          <p:cNvSpPr txBox="1"/>
+          <p:cNvSpPr txBox="1">
+            <a:spLocks noGrp="1"/>
+          </p:cNvSpPr>
           <p:nvPr>
             <p:ph type="title" idx="4294967295"/>
           </p:nvPr>
@@ -1746,7 +1771,7 @@
         </p:spPr>
         <p:txBody>
           <a:bodyPr>
-            <a:normAutofit fontScale="100000" lnSpcReduction="0"/>
+            <a:normAutofit/>
           </a:bodyPr>
           <a:lstStyle>
             <a:lvl1pPr>
@@ -1754,7 +1779,6 @@
             </a:lvl1pPr>
           </a:lstStyle>
           <a:p>
-            <a:pPr/>
             <a:r>
               <a:t>Project Overview</a:t>
             </a:r>
@@ -1764,7 +1788,9 @@
       <p:sp>
         <p:nvSpPr>
           <p:cNvPr id="27" name="Project Name:…"/>
-          <p:cNvSpPr txBox="1"/>
+          <p:cNvSpPr txBox="1">
+            <a:spLocks noGrp="1"/>
+          </p:cNvSpPr>
           <p:nvPr>
             <p:ph type="body" idx="4294967295"/>
           </p:nvPr>
@@ -1780,7 +1806,7 @@
         </p:spPr>
         <p:txBody>
           <a:bodyPr>
-            <a:normAutofit fontScale="100000" lnSpcReduction="0"/>
+            <a:normAutofit/>
           </a:bodyPr>
           <a:lstStyle/>
           <a:p>
@@ -1788,17 +1814,19 @@
               <a:buChar char="•"/>
             </a:pPr>
             <a:r>
+              <a:rPr dirty="0"/>
               <a:t>Project Name: </a:t>
             </a:r>
           </a:p>
           <a:p>
-            <a:pPr lvl="1" marL="742950" indent="-285750">
+            <a:pPr marL="742950" lvl="1" indent="-285750">
               <a:spcBef>
                 <a:spcPts val="0"/>
               </a:spcBef>
               <a:defRPr sz="2400"/>
             </a:pPr>
             <a:r>
+              <a:rPr dirty="0"/>
               <a:t>Very Cool Project #1</a:t>
             </a:r>
           </a:p>
@@ -1807,29 +1835,45 @@
               <a:buChar char="•"/>
             </a:pPr>
             <a:r>
+              <a:rPr dirty="0"/>
               <a:t>Group Members and Responsibilities</a:t>
             </a:r>
           </a:p>
           <a:p>
-            <a:pPr lvl="1" marL="742950" indent="-285750">
+            <a:pPr marL="742950" lvl="1" indent="-285750">
               <a:spcBef>
                 <a:spcPts val="0"/>
               </a:spcBef>
               <a:defRPr sz="2400"/>
             </a:pPr>
             <a:r>
-              <a:t>Jacob Larson: Responsible for ….</a:t>
-            </a:r>
-          </a:p>
-          <a:p>
-            <a:pPr lvl="1" marL="742950" indent="-285750">
+              <a:rPr dirty="0"/>
+              <a:t>Jacob Larson: </a:t>
+            </a:r>
+            <a:r>
+              <a:rPr lang="en-US" dirty="0"/>
+              <a:t>Physics, Entity and Texture Classes</a:t>
+            </a:r>
+            <a:endParaRPr dirty="0"/>
+          </a:p>
+          <a:p>
+            <a:pPr marL="742950" lvl="1" indent="-285750">
               <a:spcBef>
                 <a:spcPts val="0"/>
               </a:spcBef>
               <a:defRPr sz="2400"/>
             </a:pPr>
             <a:r>
-              <a:t>Cameron Grigoriadis: Responsible for ….</a:t>
+              <a:rPr dirty="0"/>
+              <a:t>Cameron </a:t>
+            </a:r>
+            <a:r>
+              <a:rPr dirty="0" err="1"/>
+              <a:t>Grigoriadis</a:t>
+            </a:r>
+            <a:r>
+              <a:rPr dirty="0"/>
+              <a:t>: Responsible for ….</a:t>
             </a:r>
           </a:p>
           <a:p>
@@ -1837,17 +1881,19 @@
               <a:buChar char="•"/>
             </a:pPr>
             <a:r>
+              <a:rPr dirty="0"/>
               <a:t>Project Functionality Description:</a:t>
             </a:r>
           </a:p>
           <a:p>
-            <a:pPr lvl="1" marL="742950" indent="-285750">
+            <a:pPr marL="742950" lvl="1" indent="-285750">
               <a:spcBef>
                 <a:spcPts val="0"/>
               </a:spcBef>
               <a:defRPr sz="2800"/>
             </a:pPr>
             <a:r>
+              <a:rPr dirty="0"/>
               <a:t>This project is a game similar to the viral iOS game Flappy Bird. It features a character controlled by the player that must avoid obstacles to score points and not lose the game.</a:t>
             </a:r>
           </a:p>
@@ -1858,12 +1904,12 @@
   <p:clrMapOvr>
     <a:masterClrMapping/>
   </p:clrMapOvr>
-  <p:transition xmlns:p14="http://schemas.microsoft.com/office/powerpoint/2010/main" spd="med" advClick="1"/>
+  <p:transition spd="med"/>
 </p:sld>
 </file>
 
 <file path=ppt/slides/slide4.xml><?xml version="1.0" encoding="utf-8"?>
-<p:sld xmlns:a="http://schemas.openxmlformats.org/drawingml/2006/main" xmlns:r="http://schemas.openxmlformats.org/officeDocument/2006/relationships" xmlns:p="http://schemas.openxmlformats.org/presentationml/2006/main" xmlns:m="http://schemas.openxmlformats.org/officeDocument/2006/math" xmlns:a14="http://schemas.microsoft.com/office/drawing/2010/main" showMasterSp="1" showMasterPhAnim="1">
+<p:sld xmlns:a="http://schemas.openxmlformats.org/drawingml/2006/main" xmlns:r="http://schemas.openxmlformats.org/officeDocument/2006/relationships" xmlns:p="http://schemas.openxmlformats.org/presentationml/2006/main">
   <p:cSld>
     <p:spTree>
       <p:nvGrpSpPr>
@@ -1882,7 +1928,9 @@
       <p:sp>
         <p:nvSpPr>
           <p:cNvPr id="29" name="Main Window Screen Capture"/>
-          <p:cNvSpPr txBox="1"/>
+          <p:cNvSpPr txBox="1">
+            <a:spLocks noGrp="1"/>
+          </p:cNvSpPr>
           <p:nvPr>
             <p:ph type="title" idx="4294967295"/>
           </p:nvPr>
@@ -1898,7 +1946,7 @@
         </p:spPr>
         <p:txBody>
           <a:bodyPr>
-            <a:normAutofit fontScale="100000" lnSpcReduction="0"/>
+            <a:normAutofit/>
           </a:bodyPr>
           <a:lstStyle>
             <a:lvl1pPr>
@@ -1906,7 +1954,6 @@
             </a:lvl1pPr>
           </a:lstStyle>
           <a:p>
-            <a:pPr/>
             <a:r>
               <a:t>Main Window Screen Capture</a:t>
             </a:r>
@@ -1940,7 +1987,7 @@
           <a:bodyPr lIns="45719" rIns="45719"/>
           <a:lstStyle/>
           <a:p>
-            <a:pPr/>
+            <a:endParaRPr/>
           </a:p>
         </p:txBody>
       </p:sp>
@@ -1949,12 +1996,12 @@
   <p:clrMapOvr>
     <a:masterClrMapping/>
   </p:clrMapOvr>
-  <p:transition xmlns:p14="http://schemas.microsoft.com/office/powerpoint/2010/main" spd="med" advClick="1"/>
+  <p:transition spd="med"/>
 </p:sld>
 </file>
 
 <file path=ppt/slides/slide5.xml><?xml version="1.0" encoding="utf-8"?>
-<p:sld xmlns:a="http://schemas.openxmlformats.org/drawingml/2006/main" xmlns:r="http://schemas.openxmlformats.org/officeDocument/2006/relationships" xmlns:p="http://schemas.openxmlformats.org/presentationml/2006/main" xmlns:m="http://schemas.openxmlformats.org/officeDocument/2006/math" xmlns:a14="http://schemas.microsoft.com/office/drawing/2010/main" showMasterSp="1" showMasterPhAnim="1">
+<p:sld xmlns:a="http://schemas.openxmlformats.org/drawingml/2006/main" xmlns:r="http://schemas.openxmlformats.org/officeDocument/2006/relationships" xmlns:p="http://schemas.openxmlformats.org/presentationml/2006/main">
   <p:cSld>
     <p:spTree>
       <p:nvGrpSpPr>
@@ -2002,7 +2049,9 @@
       <p:sp>
         <p:nvSpPr>
           <p:cNvPr id="33" name="Software Architecture"/>
-          <p:cNvSpPr txBox="1"/>
+          <p:cNvSpPr txBox="1">
+            <a:spLocks noGrp="1"/>
+          </p:cNvSpPr>
           <p:nvPr>
             <p:ph type="title" idx="4294967295"/>
           </p:nvPr>
@@ -2018,7 +2067,7 @@
         </p:spPr>
         <p:txBody>
           <a:bodyPr>
-            <a:normAutofit fontScale="100000" lnSpcReduction="0"/>
+            <a:normAutofit/>
           </a:bodyPr>
           <a:lstStyle>
             <a:lvl1pPr>
@@ -2026,7 +2075,6 @@
             </a:lvl1pPr>
           </a:lstStyle>
           <a:p>
-            <a:pPr/>
             <a:r>
               <a:t>Software Architecture</a:t>
             </a:r>
@@ -2058,7 +2106,7 @@
           <a:bodyPr lIns="45719" rIns="45719"/>
           <a:lstStyle/>
           <a:p>
-            <a:pPr/>
+            <a:endParaRPr/>
           </a:p>
         </p:txBody>
       </p:sp>
@@ -2087,7 +2135,7 @@
           <a:bodyPr lIns="45719" rIns="45719"/>
           <a:lstStyle/>
           <a:p>
-            <a:pPr/>
+            <a:endParaRPr/>
           </a:p>
         </p:txBody>
       </p:sp>
@@ -2116,7 +2164,7 @@
           <a:bodyPr lIns="45719" rIns="45719"/>
           <a:lstStyle/>
           <a:p>
-            <a:pPr/>
+            <a:endParaRPr/>
           </a:p>
         </p:txBody>
       </p:sp>
@@ -2145,7 +2193,7 @@
           <a:bodyPr lIns="45719" rIns="45719"/>
           <a:lstStyle/>
           <a:p>
-            <a:pPr/>
+            <a:endParaRPr/>
           </a:p>
         </p:txBody>
       </p:sp>
@@ -2174,7 +2222,7 @@
           <a:bodyPr lIns="45719" rIns="45719"/>
           <a:lstStyle/>
           <a:p>
-            <a:pPr/>
+            <a:endParaRPr/>
           </a:p>
         </p:txBody>
       </p:sp>
@@ -2203,7 +2251,7 @@
           <a:bodyPr lIns="45719" rIns="45719"/>
           <a:lstStyle/>
           <a:p>
-            <a:pPr/>
+            <a:endParaRPr/>
           </a:p>
         </p:txBody>
       </p:sp>
@@ -2232,7 +2280,7 @@
           <a:bodyPr lIns="45719" rIns="45719"/>
           <a:lstStyle/>
           <a:p>
-            <a:pPr/>
+            <a:endParaRPr/>
           </a:p>
         </p:txBody>
       </p:sp>
@@ -2261,7 +2309,7 @@
           <a:bodyPr lIns="45719" rIns="45719"/>
           <a:lstStyle/>
           <a:p>
-            <a:pPr/>
+            <a:endParaRPr/>
           </a:p>
         </p:txBody>
       </p:sp>
@@ -2299,7 +2347,7 @@
             <a:miter lim="400000"/>
           </a:ln>
           <a:effectLst>
-            <a:outerShdw sx="100000" sy="100000" kx="0" ky="0" algn="b" rotWithShape="0" blurRad="38100" dist="20000" dir="5400000">
+            <a:outerShdw blurRad="38100" dist="20000" dir="5400000" rotWithShape="0">
               <a:srgbClr val="000000">
                 <a:alpha val="38000"/>
               </a:srgbClr>
@@ -2307,7 +2355,7 @@
           </a:effectLst>
           <a:extLst>
             <a:ext uri="{C572A759-6A51-4108-AA02-DFA0A04FC94B}">
-              <ma14:wrappingTextBoxFlag xmlns:ma14="http://schemas.microsoft.com/office/mac/drawingml/2011/main" val="1"/>
+              <ma14:wrappingTextBoxFlag xmlns:ma14="http://schemas.microsoft.com/office/mac/drawingml/2011/main" xmlns:a14="http://schemas.microsoft.com/office/drawing/2010/main" xmlns:m="http://schemas.openxmlformats.org/officeDocument/2006/math" xmlns="" val="1"/>
             </a:ext>
           </a:extLst>
         </p:spPr>
@@ -2315,7 +2363,7 @@
           <a:bodyPr lIns="45719" rIns="45719" anchor="ctr"/>
           <a:lstStyle>
             <a:lvl1pPr algn="ctr">
-              <a:defRPr b="1" sz="1800">
+              <a:defRPr sz="1800" b="1">
                 <a:solidFill>
                   <a:srgbClr val="FFFFFF"/>
                 </a:solidFill>
@@ -2327,7 +2375,6 @@
             </a:lvl1pPr>
           </a:lstStyle>
           <a:p>
-            <a:pPr/>
             <a:r>
               <a:t>CSCI230FinalProject</a:t>
             </a:r>
@@ -2368,7 +2415,7 @@
             <a:miter lim="400000"/>
           </a:ln>
           <a:effectLst>
-            <a:outerShdw sx="100000" sy="100000" kx="0" ky="0" algn="b" rotWithShape="0" blurRad="38100" dist="20000" dir="5400000">
+            <a:outerShdw blurRad="38100" dist="20000" dir="5400000" rotWithShape="0">
               <a:srgbClr val="000000">
                 <a:alpha val="38000"/>
               </a:srgbClr>
@@ -2376,7 +2423,7 @@
           </a:effectLst>
           <a:extLst>
             <a:ext uri="{C572A759-6A51-4108-AA02-DFA0A04FC94B}">
-              <ma14:wrappingTextBoxFlag xmlns:ma14="http://schemas.microsoft.com/office/mac/drawingml/2011/main" val="1"/>
+              <ma14:wrappingTextBoxFlag xmlns:ma14="http://schemas.microsoft.com/office/mac/drawingml/2011/main" xmlns:a14="http://schemas.microsoft.com/office/drawing/2010/main" xmlns:m="http://schemas.openxmlformats.org/officeDocument/2006/math" xmlns="" val="1"/>
             </a:ext>
           </a:extLst>
         </p:spPr>
@@ -2384,7 +2431,7 @@
           <a:bodyPr lIns="45719" rIns="45719" anchor="ctr"/>
           <a:lstStyle>
             <a:lvl1pPr algn="ctr">
-              <a:defRPr b="1" sz="1800">
+              <a:defRPr sz="1800" b="1">
                 <a:solidFill>
                   <a:srgbClr val="FFFFFF"/>
                 </a:solidFill>
@@ -2396,7 +2443,6 @@
             </a:lvl1pPr>
           </a:lstStyle>
           <a:p>
-            <a:pPr/>
             <a:r>
               <a:t>MainWindow</a:t>
             </a:r>
@@ -2422,7 +2468,7 @@
           </a:ln>
           <a:extLst>
             <a:ext uri="{C572A759-6A51-4108-AA02-DFA0A04FC94B}">
-              <ma14:wrappingTextBoxFlag xmlns:ma14="http://schemas.microsoft.com/office/mac/drawingml/2011/main" val="1"/>
+              <ma14:wrappingTextBoxFlag xmlns:ma14="http://schemas.microsoft.com/office/mac/drawingml/2011/main" xmlns:a14="http://schemas.microsoft.com/office/drawing/2010/main" xmlns:m="http://schemas.openxmlformats.org/officeDocument/2006/math" xmlns="" val="1"/>
             </a:ext>
           </a:extLst>
         </p:spPr>
@@ -2432,7 +2478,7 @@
           </a:bodyPr>
           <a:lstStyle>
             <a:lvl1pPr algn="r">
-              <a:defRPr b="1" sz="1800">
+              <a:defRPr sz="1800" b="1">
                 <a:solidFill>
                   <a:schemeClr val="accent5">
                     <a:satOff val="-6843"/>
@@ -2447,7 +2493,6 @@
             </a:lvl1pPr>
           </a:lstStyle>
           <a:p>
-            <a:pPr/>
             <a:r>
               <a:t>UI</a:t>
             </a:r>
@@ -2479,7 +2524,7 @@
           <a:bodyPr lIns="45719" rIns="45719"/>
           <a:lstStyle/>
           <a:p>
-            <a:pPr/>
+            <a:endParaRPr/>
           </a:p>
         </p:txBody>
       </p:sp>
@@ -2517,7 +2562,7 @@
             <a:miter lim="400000"/>
           </a:ln>
           <a:effectLst>
-            <a:outerShdw sx="100000" sy="100000" kx="0" ky="0" algn="b" rotWithShape="0" blurRad="38100" dist="20000" dir="5400000">
+            <a:outerShdw blurRad="38100" dist="20000" dir="5400000" rotWithShape="0">
               <a:srgbClr val="000000">
                 <a:alpha val="38000"/>
               </a:srgbClr>
@@ -2525,7 +2570,7 @@
           </a:effectLst>
           <a:extLst>
             <a:ext uri="{C572A759-6A51-4108-AA02-DFA0A04FC94B}">
-              <ma14:wrappingTextBoxFlag xmlns:ma14="http://schemas.microsoft.com/office/mac/drawingml/2011/main" val="1"/>
+              <ma14:wrappingTextBoxFlag xmlns:ma14="http://schemas.microsoft.com/office/mac/drawingml/2011/main" xmlns:a14="http://schemas.microsoft.com/office/drawing/2010/main" xmlns:m="http://schemas.openxmlformats.org/officeDocument/2006/math" xmlns="" val="1"/>
             </a:ext>
           </a:extLst>
         </p:spPr>
@@ -2533,7 +2578,7 @@
           <a:bodyPr lIns="45719" rIns="45719" anchor="ctr"/>
           <a:lstStyle>
             <a:lvl1pPr algn="ctr">
-              <a:defRPr b="1" sz="1800">
+              <a:defRPr sz="1800" b="1">
                 <a:solidFill>
                   <a:srgbClr val="FFFFFF"/>
                 </a:solidFill>
@@ -2545,7 +2590,6 @@
             </a:lvl1pPr>
           </a:lstStyle>
           <a:p>
-            <a:pPr/>
             <a:r>
               <a:t>OverlayPanel</a:t>
             </a:r>
@@ -2586,7 +2630,7 @@
             <a:miter lim="400000"/>
           </a:ln>
           <a:effectLst>
-            <a:outerShdw sx="100000" sy="100000" kx="0" ky="0" algn="b" rotWithShape="0" blurRad="38100" dist="20000" dir="5400000">
+            <a:outerShdw blurRad="38100" dist="20000" dir="5400000" rotWithShape="0">
               <a:srgbClr val="000000">
                 <a:alpha val="38000"/>
               </a:srgbClr>
@@ -2594,7 +2638,7 @@
           </a:effectLst>
           <a:extLst>
             <a:ext uri="{C572A759-6A51-4108-AA02-DFA0A04FC94B}">
-              <ma14:wrappingTextBoxFlag xmlns:ma14="http://schemas.microsoft.com/office/mac/drawingml/2011/main" val="1"/>
+              <ma14:wrappingTextBoxFlag xmlns:ma14="http://schemas.microsoft.com/office/mac/drawingml/2011/main" xmlns:a14="http://schemas.microsoft.com/office/drawing/2010/main" xmlns:m="http://schemas.openxmlformats.org/officeDocument/2006/math" xmlns="" val="1"/>
             </a:ext>
           </a:extLst>
         </p:spPr>
@@ -2602,7 +2646,7 @@
           <a:bodyPr lIns="45719" rIns="45719" anchor="ctr"/>
           <a:lstStyle>
             <a:lvl1pPr algn="ctr">
-              <a:defRPr b="1" sz="1800">
+              <a:defRPr sz="1800" b="1">
                 <a:solidFill>
                   <a:srgbClr val="FFFFFF"/>
                 </a:solidFill>
@@ -2614,7 +2658,6 @@
             </a:lvl1pPr>
           </a:lstStyle>
           <a:p>
-            <a:pPr/>
             <a:r>
               <a:t>GameUIFonts</a:t>
             </a:r>
@@ -2655,7 +2698,7 @@
             <a:miter lim="400000"/>
           </a:ln>
           <a:effectLst>
-            <a:outerShdw sx="100000" sy="100000" kx="0" ky="0" algn="b" rotWithShape="0" blurRad="38100" dist="20000" dir="5400000">
+            <a:outerShdw blurRad="38100" dist="20000" dir="5400000" rotWithShape="0">
               <a:srgbClr val="000000">
                 <a:alpha val="38000"/>
               </a:srgbClr>
@@ -2663,7 +2706,7 @@
           </a:effectLst>
           <a:extLst>
             <a:ext uri="{C572A759-6A51-4108-AA02-DFA0A04FC94B}">
-              <ma14:wrappingTextBoxFlag xmlns:ma14="http://schemas.microsoft.com/office/mac/drawingml/2011/main" val="1"/>
+              <ma14:wrappingTextBoxFlag xmlns:ma14="http://schemas.microsoft.com/office/mac/drawingml/2011/main" xmlns:a14="http://schemas.microsoft.com/office/drawing/2010/main" xmlns:m="http://schemas.openxmlformats.org/officeDocument/2006/math" xmlns="" val="1"/>
             </a:ext>
           </a:extLst>
         </p:spPr>
@@ -2671,7 +2714,7 @@
           <a:bodyPr lIns="45719" rIns="45719" anchor="ctr"/>
           <a:lstStyle>
             <a:lvl1pPr algn="ctr">
-              <a:defRPr b="1" sz="1800">
+              <a:defRPr sz="1800" b="1">
                 <a:solidFill>
                   <a:srgbClr val="FFFFFF"/>
                 </a:solidFill>
@@ -2683,7 +2726,6 @@
             </a:lvl1pPr>
           </a:lstStyle>
           <a:p>
-            <a:pPr/>
             <a:r>
               <a:t>ScrollingBackdrop</a:t>
             </a:r>
@@ -2724,7 +2766,7 @@
             <a:miter lim="400000"/>
           </a:ln>
           <a:effectLst>
-            <a:outerShdw sx="100000" sy="100000" kx="0" ky="0" algn="b" rotWithShape="0" blurRad="38100" dist="20000" dir="5400000">
+            <a:outerShdw blurRad="38100" dist="20000" dir="5400000" rotWithShape="0">
               <a:srgbClr val="000000">
                 <a:alpha val="38000"/>
               </a:srgbClr>
@@ -2732,7 +2774,7 @@
           </a:effectLst>
           <a:extLst>
             <a:ext uri="{C572A759-6A51-4108-AA02-DFA0A04FC94B}">
-              <ma14:wrappingTextBoxFlag xmlns:ma14="http://schemas.microsoft.com/office/mac/drawingml/2011/main" val="1"/>
+              <ma14:wrappingTextBoxFlag xmlns:ma14="http://schemas.microsoft.com/office/mac/drawingml/2011/main" xmlns:a14="http://schemas.microsoft.com/office/drawing/2010/main" xmlns:m="http://schemas.openxmlformats.org/officeDocument/2006/math" xmlns="" val="1"/>
             </a:ext>
           </a:extLst>
         </p:spPr>
@@ -2740,7 +2782,7 @@
           <a:bodyPr lIns="45719" rIns="45719" anchor="ctr"/>
           <a:lstStyle>
             <a:lvl1pPr algn="ctr">
-              <a:defRPr b="1" sz="1800">
+              <a:defRPr sz="1800" b="1">
                 <a:solidFill>
                   <a:srgbClr val="FFFFFF"/>
                 </a:solidFill>
@@ -2752,7 +2794,6 @@
             </a:lvl1pPr>
           </a:lstStyle>
           <a:p>
-            <a:pPr/>
             <a:r>
               <a:t>Texture</a:t>
             </a:r>
@@ -2778,7 +2819,7 @@
           </a:ln>
           <a:extLst>
             <a:ext uri="{C572A759-6A51-4108-AA02-DFA0A04FC94B}">
-              <ma14:wrappingTextBoxFlag xmlns:ma14="http://schemas.microsoft.com/office/mac/drawingml/2011/main" val="1"/>
+              <ma14:wrappingTextBoxFlag xmlns:ma14="http://schemas.microsoft.com/office/mac/drawingml/2011/main" xmlns:a14="http://schemas.microsoft.com/office/drawing/2010/main" xmlns:m="http://schemas.openxmlformats.org/officeDocument/2006/math" xmlns="" val="1"/>
             </a:ext>
           </a:extLst>
         </p:spPr>
@@ -2788,7 +2829,7 @@
           </a:bodyPr>
           <a:lstStyle>
             <a:lvl1pPr algn="r">
-              <a:defRPr b="1" sz="1800">
+              <a:defRPr sz="1800" b="1">
                 <a:solidFill>
                   <a:schemeClr val="accent5">
                     <a:satOff val="-6843"/>
@@ -2803,7 +2844,6 @@
             </a:lvl1pPr>
           </a:lstStyle>
           <a:p>
-            <a:pPr/>
             <a:r>
               <a:t>Game Model</a:t>
             </a:r>
@@ -2844,7 +2884,7 @@
             <a:miter lim="400000"/>
           </a:ln>
           <a:effectLst>
-            <a:outerShdw sx="100000" sy="100000" kx="0" ky="0" algn="b" rotWithShape="0" blurRad="38100" dist="20000" dir="5400000">
+            <a:outerShdw blurRad="38100" dist="20000" dir="5400000" rotWithShape="0">
               <a:srgbClr val="000000">
                 <a:alpha val="38000"/>
               </a:srgbClr>
@@ -2852,7 +2892,7 @@
           </a:effectLst>
           <a:extLst>
             <a:ext uri="{C572A759-6A51-4108-AA02-DFA0A04FC94B}">
-              <ma14:wrappingTextBoxFlag xmlns:ma14="http://schemas.microsoft.com/office/mac/drawingml/2011/main" val="1"/>
+              <ma14:wrappingTextBoxFlag xmlns:ma14="http://schemas.microsoft.com/office/mac/drawingml/2011/main" xmlns:a14="http://schemas.microsoft.com/office/drawing/2010/main" xmlns:m="http://schemas.openxmlformats.org/officeDocument/2006/math" xmlns="" val="1"/>
             </a:ext>
           </a:extLst>
         </p:spPr>
@@ -2860,7 +2900,7 @@
           <a:bodyPr lIns="45719" rIns="45719" anchor="ctr"/>
           <a:lstStyle>
             <a:lvl1pPr algn="ctr">
-              <a:defRPr b="1" sz="1800">
+              <a:defRPr sz="1800" b="1">
                 <a:solidFill>
                   <a:srgbClr val="FFFFFF"/>
                 </a:solidFill>
@@ -2872,7 +2912,6 @@
             </a:lvl1pPr>
           </a:lstStyle>
           <a:p>
-            <a:pPr/>
             <a:r>
               <a:t>Character</a:t>
             </a:r>
@@ -2913,7 +2952,7 @@
             <a:miter lim="400000"/>
           </a:ln>
           <a:effectLst>
-            <a:outerShdw sx="100000" sy="100000" kx="0" ky="0" algn="b" rotWithShape="0" blurRad="38100" dist="20000" dir="5400000">
+            <a:outerShdw blurRad="38100" dist="20000" dir="5400000" rotWithShape="0">
               <a:srgbClr val="000000">
                 <a:alpha val="38000"/>
               </a:srgbClr>
@@ -2921,7 +2960,7 @@
           </a:effectLst>
           <a:extLst>
             <a:ext uri="{C572A759-6A51-4108-AA02-DFA0A04FC94B}">
-              <ma14:wrappingTextBoxFlag xmlns:ma14="http://schemas.microsoft.com/office/mac/drawingml/2011/main" val="1"/>
+              <ma14:wrappingTextBoxFlag xmlns:ma14="http://schemas.microsoft.com/office/mac/drawingml/2011/main" xmlns:a14="http://schemas.microsoft.com/office/drawing/2010/main" xmlns:m="http://schemas.openxmlformats.org/officeDocument/2006/math" xmlns="" val="1"/>
             </a:ext>
           </a:extLst>
         </p:spPr>
@@ -2929,7 +2968,7 @@
           <a:bodyPr lIns="45719" rIns="45719" anchor="ctr"/>
           <a:lstStyle>
             <a:lvl1pPr algn="ctr">
-              <a:defRPr b="1" sz="1800">
+              <a:defRPr sz="1800" b="1">
                 <a:solidFill>
                   <a:srgbClr val="FFFFFF"/>
                 </a:solidFill>
@@ -2941,7 +2980,6 @@
             </a:lvl1pPr>
           </a:lstStyle>
           <a:p>
-            <a:pPr/>
             <a:r>
               <a:t>Entity</a:t>
             </a:r>
@@ -2982,7 +3020,7 @@
             <a:miter lim="400000"/>
           </a:ln>
           <a:effectLst>
-            <a:outerShdw sx="100000" sy="100000" kx="0" ky="0" algn="b" rotWithShape="0" blurRad="38100" dist="20000" dir="5400000">
+            <a:outerShdw blurRad="38100" dist="20000" dir="5400000" rotWithShape="0">
               <a:srgbClr val="000000">
                 <a:alpha val="38000"/>
               </a:srgbClr>
@@ -2990,7 +3028,7 @@
           </a:effectLst>
           <a:extLst>
             <a:ext uri="{C572A759-6A51-4108-AA02-DFA0A04FC94B}">
-              <ma14:wrappingTextBoxFlag xmlns:ma14="http://schemas.microsoft.com/office/mac/drawingml/2011/main" val="1"/>
+              <ma14:wrappingTextBoxFlag xmlns:ma14="http://schemas.microsoft.com/office/mac/drawingml/2011/main" xmlns:a14="http://schemas.microsoft.com/office/drawing/2010/main" xmlns:m="http://schemas.openxmlformats.org/officeDocument/2006/math" xmlns="" val="1"/>
             </a:ext>
           </a:extLst>
         </p:spPr>
@@ -2998,7 +3036,7 @@
           <a:bodyPr lIns="45719" rIns="45719" anchor="ctr"/>
           <a:lstStyle>
             <a:lvl1pPr algn="ctr">
-              <a:defRPr b="1" sz="1800">
+              <a:defRPr sz="1800" b="1">
                 <a:solidFill>
                   <a:srgbClr val="FFFFFF"/>
                 </a:solidFill>
@@ -3010,7 +3048,6 @@
             </a:lvl1pPr>
           </a:lstStyle>
           <a:p>
-            <a:pPr/>
             <a:r>
               <a:t>Game</a:t>
             </a:r>
@@ -3036,7 +3073,7 @@
           </a:ln>
           <a:extLst>
             <a:ext uri="{C572A759-6A51-4108-AA02-DFA0A04FC94B}">
-              <ma14:wrappingTextBoxFlag xmlns:ma14="http://schemas.microsoft.com/office/mac/drawingml/2011/main" val="1"/>
+              <ma14:wrappingTextBoxFlag xmlns:ma14="http://schemas.microsoft.com/office/mac/drawingml/2011/main" xmlns:a14="http://schemas.microsoft.com/office/drawing/2010/main" xmlns:m="http://schemas.openxmlformats.org/officeDocument/2006/math" xmlns="" val="1"/>
             </a:ext>
           </a:extLst>
         </p:spPr>
@@ -3046,7 +3083,7 @@
           </a:bodyPr>
           <a:lstStyle>
             <a:lvl1pPr algn="r">
-              <a:defRPr b="1" sz="1200">
+              <a:defRPr sz="1200" b="1">
                 <a:solidFill>
                   <a:schemeClr val="accent1">
                     <a:lumOff val="-8000"/>
@@ -3060,7 +3097,6 @@
             </a:lvl1pPr>
           </a:lstStyle>
           <a:p>
-            <a:pPr/>
             <a:r>
               <a:t>extends</a:t>
             </a:r>
@@ -3086,7 +3122,7 @@
           </a:ln>
           <a:extLst>
             <a:ext uri="{C572A759-6A51-4108-AA02-DFA0A04FC94B}">
-              <ma14:wrappingTextBoxFlag xmlns:ma14="http://schemas.microsoft.com/office/mac/drawingml/2011/main" val="1"/>
+              <ma14:wrappingTextBoxFlag xmlns:ma14="http://schemas.microsoft.com/office/mac/drawingml/2011/main" xmlns:a14="http://schemas.microsoft.com/office/drawing/2010/main" xmlns:m="http://schemas.openxmlformats.org/officeDocument/2006/math" xmlns="" val="1"/>
             </a:ext>
           </a:extLst>
         </p:spPr>
@@ -3096,7 +3132,7 @@
           </a:bodyPr>
           <a:lstStyle>
             <a:lvl1pPr algn="r">
-              <a:defRPr b="1" sz="1200">
+              <a:defRPr sz="1200" b="1">
                 <a:solidFill>
                   <a:schemeClr val="accent1">
                     <a:lumOff val="-8000"/>
@@ -3110,7 +3146,6 @@
             </a:lvl1pPr>
           </a:lstStyle>
           <a:p>
-            <a:pPr/>
             <a:r>
               <a:t>has</a:t>
             </a:r>
@@ -3136,7 +3171,7 @@
           </a:ln>
           <a:extLst>
             <a:ext uri="{C572A759-6A51-4108-AA02-DFA0A04FC94B}">
-              <ma14:wrappingTextBoxFlag xmlns:ma14="http://schemas.microsoft.com/office/mac/drawingml/2011/main" val="1"/>
+              <ma14:wrappingTextBoxFlag xmlns:ma14="http://schemas.microsoft.com/office/mac/drawingml/2011/main" xmlns:a14="http://schemas.microsoft.com/office/drawing/2010/main" xmlns:m="http://schemas.openxmlformats.org/officeDocument/2006/math" xmlns="" val="1"/>
             </a:ext>
           </a:extLst>
         </p:spPr>
@@ -3146,7 +3181,7 @@
           </a:bodyPr>
           <a:lstStyle>
             <a:lvl1pPr algn="r">
-              <a:defRPr b="1" sz="1200">
+              <a:defRPr sz="1200" b="1">
                 <a:solidFill>
                   <a:schemeClr val="accent1">
                     <a:lumOff val="-8000"/>
@@ -3160,7 +3195,6 @@
             </a:lvl1pPr>
           </a:lstStyle>
           <a:p>
-            <a:pPr/>
             <a:r>
               <a:t>has</a:t>
             </a:r>
@@ -3186,7 +3220,7 @@
           </a:ln>
           <a:extLst>
             <a:ext uri="{C572A759-6A51-4108-AA02-DFA0A04FC94B}">
-              <ma14:wrappingTextBoxFlag xmlns:ma14="http://schemas.microsoft.com/office/mac/drawingml/2011/main" val="1"/>
+              <ma14:wrappingTextBoxFlag xmlns:ma14="http://schemas.microsoft.com/office/mac/drawingml/2011/main" xmlns:a14="http://schemas.microsoft.com/office/drawing/2010/main" xmlns:m="http://schemas.openxmlformats.org/officeDocument/2006/math" xmlns="" val="1"/>
             </a:ext>
           </a:extLst>
         </p:spPr>
@@ -3196,7 +3230,7 @@
           </a:bodyPr>
           <a:lstStyle>
             <a:lvl1pPr algn="r">
-              <a:defRPr b="1" sz="1200">
+              <a:defRPr sz="1200" b="1">
                 <a:solidFill>
                   <a:schemeClr val="accent1">
                     <a:lumOff val="-8000"/>
@@ -3210,7 +3244,6 @@
             </a:lvl1pPr>
           </a:lstStyle>
           <a:p>
-            <a:pPr/>
             <a:r>
               <a:t>has</a:t>
             </a:r>
@@ -3236,7 +3269,7 @@
           </a:ln>
           <a:extLst>
             <a:ext uri="{C572A759-6A51-4108-AA02-DFA0A04FC94B}">
-              <ma14:wrappingTextBoxFlag xmlns:ma14="http://schemas.microsoft.com/office/mac/drawingml/2011/main" val="1"/>
+              <ma14:wrappingTextBoxFlag xmlns:ma14="http://schemas.microsoft.com/office/mac/drawingml/2011/main" xmlns:a14="http://schemas.microsoft.com/office/drawing/2010/main" xmlns:m="http://schemas.openxmlformats.org/officeDocument/2006/math" xmlns="" val="1"/>
             </a:ext>
           </a:extLst>
         </p:spPr>
@@ -3246,7 +3279,7 @@
           </a:bodyPr>
           <a:lstStyle>
             <a:lvl1pPr algn="r">
-              <a:defRPr b="1" sz="1200">
+              <a:defRPr sz="1200" b="1">
                 <a:solidFill>
                   <a:schemeClr val="accent1">
                     <a:lumOff val="-8000"/>
@@ -3260,7 +3293,6 @@
             </a:lvl1pPr>
           </a:lstStyle>
           <a:p>
-            <a:pPr/>
             <a:r>
               <a:t>has</a:t>
             </a:r>
@@ -3286,7 +3318,7 @@
           </a:ln>
           <a:extLst>
             <a:ext uri="{C572A759-6A51-4108-AA02-DFA0A04FC94B}">
-              <ma14:wrappingTextBoxFlag xmlns:ma14="http://schemas.microsoft.com/office/mac/drawingml/2011/main" val="1"/>
+              <ma14:wrappingTextBoxFlag xmlns:ma14="http://schemas.microsoft.com/office/mac/drawingml/2011/main" xmlns:a14="http://schemas.microsoft.com/office/drawing/2010/main" xmlns:m="http://schemas.openxmlformats.org/officeDocument/2006/math" xmlns="" val="1"/>
             </a:ext>
           </a:extLst>
         </p:spPr>
@@ -3296,7 +3328,7 @@
           </a:bodyPr>
           <a:lstStyle>
             <a:lvl1pPr algn="r">
-              <a:defRPr b="1" sz="1200">
+              <a:defRPr sz="1200" b="1">
                 <a:solidFill>
                   <a:schemeClr val="accent1">
                     <a:lumOff val="-8000"/>
@@ -3310,7 +3342,6 @@
             </a:lvl1pPr>
           </a:lstStyle>
           <a:p>
-            <a:pPr/>
             <a:r>
               <a:t>has</a:t>
             </a:r>
@@ -3336,7 +3367,7 @@
           </a:ln>
           <a:extLst>
             <a:ext uri="{C572A759-6A51-4108-AA02-DFA0A04FC94B}">
-              <ma14:wrappingTextBoxFlag xmlns:ma14="http://schemas.microsoft.com/office/mac/drawingml/2011/main" val="1"/>
+              <ma14:wrappingTextBoxFlag xmlns:ma14="http://schemas.microsoft.com/office/mac/drawingml/2011/main" xmlns:a14="http://schemas.microsoft.com/office/drawing/2010/main" xmlns:m="http://schemas.openxmlformats.org/officeDocument/2006/math" xmlns="" val="1"/>
             </a:ext>
           </a:extLst>
         </p:spPr>
@@ -3346,7 +3377,7 @@
           </a:bodyPr>
           <a:lstStyle>
             <a:lvl1pPr algn="r">
-              <a:defRPr b="1" sz="1200">
+              <a:defRPr sz="1200" b="1">
                 <a:solidFill>
                   <a:schemeClr val="accent1">
                     <a:lumOff val="-8000"/>
@@ -3360,7 +3391,6 @@
             </a:lvl1pPr>
           </a:lstStyle>
           <a:p>
-            <a:pPr/>
             <a:r>
               <a:t>has</a:t>
             </a:r>
@@ -3386,7 +3416,7 @@
           </a:ln>
           <a:extLst>
             <a:ext uri="{C572A759-6A51-4108-AA02-DFA0A04FC94B}">
-              <ma14:wrappingTextBoxFlag xmlns:ma14="http://schemas.microsoft.com/office/mac/drawingml/2011/main" val="1"/>
+              <ma14:wrappingTextBoxFlag xmlns:ma14="http://schemas.microsoft.com/office/mac/drawingml/2011/main" xmlns:a14="http://schemas.microsoft.com/office/drawing/2010/main" xmlns:m="http://schemas.openxmlformats.org/officeDocument/2006/math" xmlns="" val="1"/>
             </a:ext>
           </a:extLst>
         </p:spPr>
@@ -3396,7 +3426,7 @@
           </a:bodyPr>
           <a:lstStyle>
             <a:lvl1pPr algn="r">
-              <a:defRPr b="1" sz="1200">
+              <a:defRPr sz="1200" b="1">
                 <a:solidFill>
                   <a:schemeClr val="accent1">
                     <a:lumOff val="-8000"/>
@@ -3410,7 +3440,6 @@
             </a:lvl1pPr>
           </a:lstStyle>
           <a:p>
-            <a:pPr/>
             <a:r>
               <a:t>uses</a:t>
             </a:r>
@@ -3436,7 +3465,7 @@
           </a:ln>
           <a:extLst>
             <a:ext uri="{C572A759-6A51-4108-AA02-DFA0A04FC94B}">
-              <ma14:wrappingTextBoxFlag xmlns:ma14="http://schemas.microsoft.com/office/mac/drawingml/2011/main" val="1"/>
+              <ma14:wrappingTextBoxFlag xmlns:ma14="http://schemas.microsoft.com/office/mac/drawingml/2011/main" xmlns:a14="http://schemas.microsoft.com/office/drawing/2010/main" xmlns:m="http://schemas.openxmlformats.org/officeDocument/2006/math" xmlns="" val="1"/>
             </a:ext>
           </a:extLst>
         </p:spPr>
@@ -3446,7 +3475,7 @@
           </a:bodyPr>
           <a:lstStyle>
             <a:lvl1pPr>
-              <a:defRPr b="1" sz="1200">
+              <a:defRPr sz="1200" b="1">
                 <a:solidFill>
                   <a:schemeClr val="accent1">
                     <a:lumOff val="-8000"/>
@@ -3460,7 +3489,6 @@
             </a:lvl1pPr>
           </a:lstStyle>
           <a:p>
-            <a:pPr/>
             <a:r>
               <a:t>creates, shows</a:t>
             </a:r>
@@ -3472,12 +3500,12 @@
   <p:clrMapOvr>
     <a:masterClrMapping/>
   </p:clrMapOvr>
-  <p:transition xmlns:p14="http://schemas.microsoft.com/office/powerpoint/2010/main" spd="med" advClick="1"/>
+  <p:transition spd="med"/>
 </p:sld>
 </file>
 
 <file path=ppt/slides/slide6.xml><?xml version="1.0" encoding="utf-8"?>
-<p:sld xmlns:a="http://schemas.openxmlformats.org/drawingml/2006/main" xmlns:r="http://schemas.openxmlformats.org/officeDocument/2006/relationships" xmlns:p="http://schemas.openxmlformats.org/presentationml/2006/main" xmlns:m="http://schemas.openxmlformats.org/officeDocument/2006/math" xmlns:a14="http://schemas.microsoft.com/office/drawing/2010/main" showMasterSp="1" showMasterPhAnim="1">
+<p:sld xmlns:a="http://schemas.openxmlformats.org/drawingml/2006/main" xmlns:r="http://schemas.openxmlformats.org/officeDocument/2006/relationships" xmlns:p="http://schemas.openxmlformats.org/presentationml/2006/main">
   <p:cSld>
     <p:spTree>
       <p:nvGrpSpPr>
@@ -3496,7 +3524,9 @@
       <p:sp>
         <p:nvSpPr>
           <p:cNvPr id="64" name="Software Stack"/>
-          <p:cNvSpPr txBox="1"/>
+          <p:cNvSpPr txBox="1">
+            <a:spLocks noGrp="1"/>
+          </p:cNvSpPr>
           <p:nvPr>
             <p:ph type="title" idx="4294967295"/>
           </p:nvPr>
@@ -3512,7 +3542,7 @@
         </p:spPr>
         <p:txBody>
           <a:bodyPr>
-            <a:normAutofit fontScale="100000" lnSpcReduction="0"/>
+            <a:normAutofit/>
           </a:bodyPr>
           <a:lstStyle>
             <a:lvl1pPr>
@@ -3520,7 +3550,6 @@
             </a:lvl1pPr>
           </a:lstStyle>
           <a:p>
-            <a:pPr/>
             <a:r>
               <a:t>Software Stack</a:t>
             </a:r>
@@ -3530,7 +3559,9 @@
       <p:sp>
         <p:nvSpPr>
           <p:cNvPr id="65" name="The software language (Java etc. )tools, libraries, databases… used in the project…"/>
-          <p:cNvSpPr txBox="1"/>
+          <p:cNvSpPr txBox="1">
+            <a:spLocks noGrp="1"/>
+          </p:cNvSpPr>
           <p:nvPr>
             <p:ph type="body" idx="4294967295"/>
           </p:nvPr>
@@ -3546,7 +3577,7 @@
         </p:spPr>
         <p:txBody>
           <a:bodyPr>
-            <a:normAutofit fontScale="100000" lnSpcReduction="0"/>
+            <a:normAutofit/>
           </a:bodyPr>
           <a:lstStyle/>
           <a:p>
@@ -3554,16 +3585,42 @@
               <a:buChar char="•"/>
             </a:pPr>
             <a:r>
-              <a:t>The software language (Java etc. )tools, libraries, databases… used in the project </a:t>
-            </a:r>
+              <a:rPr lang="en-US" dirty="0"/>
+              <a:t>Developed with Java using mostly AWT with some Swing components</a:t>
+            </a:r>
+            <a:endParaRPr dirty="0"/>
           </a:p>
           <a:p>
             <a:pPr>
               <a:buChar char="•"/>
             </a:pPr>
             <a:r>
-              <a:t>Developed primarily on Windows and some on macOS. Most testing done using Windows 10 (what OS did Jacob use?).</a:t>
-            </a:r>
+              <a:rPr dirty="0"/>
+              <a:t>Developed primarily on Windows</a:t>
+            </a:r>
+            <a:r>
+              <a:rPr lang="en-US" dirty="0"/>
+              <a:t> 7</a:t>
+            </a:r>
+            <a:r>
+              <a:rPr dirty="0"/>
+              <a:t> and some on macOS</a:t>
+            </a:r>
+            <a:endParaRPr lang="en-US" dirty="0"/>
+          </a:p>
+          <a:p>
+            <a:pPr>
+              <a:buChar char="•"/>
+            </a:pPr>
+            <a:r>
+              <a:rPr dirty="0"/>
+              <a:t>Most testing done using Windows </a:t>
+            </a:r>
+            <a:r>
+              <a:rPr lang="en-US" dirty="0"/>
+              <a:t>7</a:t>
+            </a:r>
+            <a:endParaRPr dirty="0"/>
           </a:p>
         </p:txBody>
       </p:sp>
@@ -3572,12 +3629,12 @@
   <p:clrMapOvr>
     <a:masterClrMapping/>
   </p:clrMapOvr>
-  <p:transition xmlns:p14="http://schemas.microsoft.com/office/powerpoint/2010/main" spd="med" advClick="1"/>
+  <p:transition spd="med"/>
 </p:sld>
 </file>
 
 <file path=ppt/slides/slide7.xml><?xml version="1.0" encoding="utf-8"?>
-<p:sld xmlns:a="http://schemas.openxmlformats.org/drawingml/2006/main" xmlns:r="http://schemas.openxmlformats.org/officeDocument/2006/relationships" xmlns:p="http://schemas.openxmlformats.org/presentationml/2006/main" xmlns:m="http://schemas.openxmlformats.org/officeDocument/2006/math" xmlns:a14="http://schemas.microsoft.com/office/drawing/2010/main" showMasterSp="1" showMasterPhAnim="1">
+<p:sld xmlns:a="http://schemas.openxmlformats.org/drawingml/2006/main" xmlns:r="http://schemas.openxmlformats.org/officeDocument/2006/relationships" xmlns:p="http://schemas.openxmlformats.org/presentationml/2006/main">
   <p:cSld>
     <p:spTree>
       <p:nvGrpSpPr>
@@ -3596,7 +3653,9 @@
       <p:sp>
         <p:nvSpPr>
           <p:cNvPr id="67" name="Project Development Experiences"/>
-          <p:cNvSpPr txBox="1"/>
+          <p:cNvSpPr txBox="1">
+            <a:spLocks noGrp="1"/>
+          </p:cNvSpPr>
           <p:nvPr>
             <p:ph type="title" idx="4294967295"/>
           </p:nvPr>
@@ -3612,7 +3671,7 @@
         </p:spPr>
         <p:txBody>
           <a:bodyPr>
-            <a:normAutofit fontScale="100000" lnSpcReduction="0"/>
+            <a:normAutofit/>
           </a:bodyPr>
           <a:lstStyle>
             <a:lvl1pPr defTabSz="850391">
@@ -3620,7 +3679,6 @@
             </a:lvl1pPr>
           </a:lstStyle>
           <a:p>
-            <a:pPr/>
             <a:r>
               <a:t>Project Development Experiences</a:t>
             </a:r>
@@ -3630,7 +3688,9 @@
       <p:sp>
         <p:nvSpPr>
           <p:cNvPr id="68" name="The size of the source code…"/>
-          <p:cNvSpPr txBox="1"/>
+          <p:cNvSpPr txBox="1">
+            <a:spLocks noGrp="1"/>
+          </p:cNvSpPr>
           <p:nvPr>
             <p:ph type="body" idx="4294967295"/>
           </p:nvPr>
@@ -3646,7 +3706,7 @@
         </p:spPr>
         <p:txBody>
           <a:bodyPr>
-            <a:normAutofit fontScale="100000" lnSpcReduction="0"/>
+            <a:normAutofit fontScale="25000" lnSpcReduction="20000"/>
           </a:bodyPr>
           <a:lstStyle/>
           <a:p>
@@ -3654,40 +3714,179 @@
               <a:buChar char="•"/>
             </a:pPr>
             <a:r>
+              <a:rPr dirty="0"/>
               <a:t>The size of the source code</a:t>
             </a:r>
+            <a:endParaRPr lang="en-US" dirty="0"/>
+          </a:p>
+          <a:p>
+            <a:pPr lvl="1">
+              <a:buChar char="•"/>
+            </a:pPr>
+            <a:r>
+              <a:rPr lang="en-US" dirty="0"/>
+              <a:t>We’re sitting at just under 800 lines of code right now.</a:t>
+            </a:r>
+          </a:p>
+          <a:p>
+            <a:pPr lvl="1">
+              <a:buChar char="•"/>
+            </a:pPr>
+            <a:r>
+              <a:rPr lang="en-US" dirty="0"/>
+              <a:t>I’d say once we’re completely done it’ll be around 900</a:t>
+            </a:r>
+            <a:endParaRPr dirty="0"/>
           </a:p>
           <a:p>
             <a:pPr>
               <a:buChar char="•"/>
             </a:pPr>
             <a:r>
+              <a:rPr lang="en-US" dirty="0"/>
               <a:t>Time you’ve spent</a:t>
             </a:r>
+          </a:p>
+          <a:p>
+            <a:pPr lvl="1">
+              <a:buChar char="•"/>
+            </a:pPr>
+            <a:r>
+              <a:rPr lang="en-US" dirty="0"/>
+              <a:t>Jacob</a:t>
+            </a:r>
+          </a:p>
+          <a:p>
+            <a:pPr lvl="2"/>
+            <a:r>
+              <a:rPr lang="en-US" dirty="0"/>
+              <a:t>Estimate: ~20 hours by the end</a:t>
+            </a:r>
+            <a:endParaRPr dirty="0"/>
           </a:p>
           <a:p>
             <a:pPr>
               <a:buChar char="•"/>
             </a:pPr>
             <a:r>
+              <a:rPr lang="en-US" dirty="0"/>
               <a:t>The things, knowledge… you learning</a:t>
             </a:r>
+          </a:p>
+          <a:p>
+            <a:pPr lvl="1">
+              <a:buChar char="•"/>
+            </a:pPr>
+            <a:r>
+              <a:rPr lang="en-US" dirty="0"/>
+              <a:t>Jacob</a:t>
+            </a:r>
+          </a:p>
+          <a:p>
+            <a:pPr lvl="2"/>
+            <a:r>
+              <a:rPr lang="en-US" dirty="0"/>
+              <a:t>Using null layouts</a:t>
+            </a:r>
+          </a:p>
+          <a:p>
+            <a:pPr lvl="2"/>
+            <a:r>
+              <a:rPr lang="en-US" dirty="0"/>
+              <a:t>Git and project collaboration</a:t>
+            </a:r>
+            <a:endParaRPr dirty="0"/>
           </a:p>
           <a:p>
             <a:pPr>
               <a:buChar char="•"/>
             </a:pPr>
             <a:r>
+              <a:rPr lang="en-US" dirty="0"/>
               <a:t>What went well and what went wrong</a:t>
             </a:r>
+          </a:p>
+          <a:p>
+            <a:pPr lvl="1">
+              <a:buChar char="•"/>
+            </a:pPr>
+            <a:r>
+              <a:rPr lang="en-US" dirty="0"/>
+              <a:t>Jacob</a:t>
+            </a:r>
+          </a:p>
+          <a:p>
+            <a:pPr lvl="2"/>
+            <a:r>
+              <a:rPr lang="en-US" dirty="0"/>
+              <a:t>Had trouble getting things to align correctly before I realized that I was aligning things within a nested </a:t>
+            </a:r>
+            <a:r>
+              <a:rPr lang="en-US" dirty="0" err="1"/>
+              <a:t>JPanel</a:t>
+            </a:r>
+            <a:r>
+              <a:rPr lang="en-US" dirty="0"/>
+              <a:t> instead of aligning the </a:t>
+            </a:r>
+            <a:r>
+              <a:rPr lang="en-US" dirty="0" err="1"/>
+              <a:t>JPanel</a:t>
+            </a:r>
+            <a:r>
+              <a:rPr lang="en-US" dirty="0"/>
+              <a:t> itself</a:t>
+            </a:r>
+          </a:p>
+          <a:p>
+            <a:pPr lvl="2"/>
+            <a:r>
+              <a:rPr lang="en-US" dirty="0"/>
+              <a:t>Physics went well, as I had done a similar project a few years ago</a:t>
+            </a:r>
+          </a:p>
+          <a:p>
+            <a:pPr lvl="2"/>
+            <a:r>
+              <a:rPr lang="en-US" dirty="0"/>
+              <a:t>Texture class was a modified version of something I developed earlier in this class so that was a breeze</a:t>
+            </a:r>
+            <a:endParaRPr dirty="0"/>
           </a:p>
           <a:p>
             <a:pPr>
               <a:buChar char="•"/>
             </a:pPr>
             <a:r>
-              <a:t>What will you do differently if you have a chance to this project agagin… </a:t>
-            </a:r>
+              <a:rPr dirty="0"/>
+              <a:t>What will you do differently if you have a chance to this project </a:t>
+            </a:r>
+            <a:r>
+              <a:rPr dirty="0" err="1"/>
+              <a:t>agagin</a:t>
+            </a:r>
+            <a:r>
+              <a:rPr dirty="0"/>
+              <a:t>… </a:t>
+            </a:r>
+            <a:endParaRPr lang="en-US" dirty="0"/>
+          </a:p>
+          <a:p>
+            <a:pPr lvl="1">
+              <a:buChar char="•"/>
+            </a:pPr>
+            <a:r>
+              <a:rPr lang="en-US" dirty="0"/>
+              <a:t>Jacob</a:t>
+            </a:r>
+          </a:p>
+          <a:p>
+            <a:pPr lvl="2"/>
+            <a:r>
+              <a:rPr lang="en-US" dirty="0"/>
+              <a:t>Not use Java for a game?  It makes it fast and easy but always feels limiting</a:t>
+            </a:r>
+            <a:endParaRPr dirty="0"/>
           </a:p>
         </p:txBody>
       </p:sp>
@@ -3696,12 +3895,12 @@
   <p:clrMapOvr>
     <a:masterClrMapping/>
   </p:clrMapOvr>
-  <p:transition xmlns:p14="http://schemas.microsoft.com/office/powerpoint/2010/main" spd="med" advClick="1"/>
+  <p:transition spd="med"/>
 </p:sld>
 </file>
 
 <file path=ppt/slides/slide8.xml><?xml version="1.0" encoding="utf-8"?>
-<p:sld xmlns:a="http://schemas.openxmlformats.org/drawingml/2006/main" xmlns:r="http://schemas.openxmlformats.org/officeDocument/2006/relationships" xmlns:p="http://schemas.openxmlformats.org/presentationml/2006/main" xmlns:m="http://schemas.openxmlformats.org/officeDocument/2006/math" xmlns:a14="http://schemas.microsoft.com/office/drawing/2010/main" showMasterSp="1" showMasterPhAnim="1">
+<p:sld xmlns:a="http://schemas.openxmlformats.org/drawingml/2006/main" xmlns:r="http://schemas.openxmlformats.org/officeDocument/2006/relationships" xmlns:p="http://schemas.openxmlformats.org/presentationml/2006/main">
   <p:cSld>
     <p:spTree>
       <p:nvGrpSpPr>
@@ -3720,7 +3919,9 @@
       <p:sp>
         <p:nvSpPr>
           <p:cNvPr id="70" name="Additional Screen Captures"/>
-          <p:cNvSpPr txBox="1"/>
+          <p:cNvSpPr txBox="1">
+            <a:spLocks noGrp="1"/>
+          </p:cNvSpPr>
           <p:nvPr>
             <p:ph type="title" idx="4294967295"/>
           </p:nvPr>
@@ -3736,7 +3937,7 @@
         </p:spPr>
         <p:txBody>
           <a:bodyPr>
-            <a:normAutofit fontScale="100000" lnSpcReduction="0"/>
+            <a:normAutofit/>
           </a:bodyPr>
           <a:lstStyle>
             <a:lvl1pPr>
@@ -3744,7 +3945,6 @@
             </a:lvl1pPr>
           </a:lstStyle>
           <a:p>
-            <a:pPr/>
             <a:r>
               <a:t>Additional Screen Captures</a:t>
             </a:r>
@@ -3754,7 +3954,9 @@
       <p:sp>
         <p:nvSpPr>
           <p:cNvPr id="71" name="Include at least one additional screen capture. If you have more than one, please use additional pages."/>
-          <p:cNvSpPr txBox="1"/>
+          <p:cNvSpPr txBox="1">
+            <a:spLocks noGrp="1"/>
+          </p:cNvSpPr>
           <p:nvPr>
             <p:ph type="body" idx="4294967295"/>
           </p:nvPr>
@@ -3770,7 +3972,7 @@
         </p:spPr>
         <p:txBody>
           <a:bodyPr>
-            <a:normAutofit fontScale="100000" lnSpcReduction="0"/>
+            <a:normAutofit/>
           </a:bodyPr>
           <a:lstStyle>
             <a:lvl1pPr>
@@ -3782,7 +3984,6 @@
             </a:lvl1pPr>
           </a:lstStyle>
           <a:p>
-            <a:pPr/>
             <a:r>
               <a:t>Include at least one additional screen capture. If you have more than one, please use additional pages.</a:t>
             </a:r>
@@ -3794,12 +3995,12 @@
   <p:clrMapOvr>
     <a:masterClrMapping/>
   </p:clrMapOvr>
-  <p:transition xmlns:p14="http://schemas.microsoft.com/office/powerpoint/2010/main" spd="med" advClick="1"/>
+  <p:transition spd="med"/>
 </p:sld>
 </file>
 
 <file path=ppt/theme/theme1.xml><?xml version="1.0" encoding="utf-8"?>
-<a:theme xmlns:a="http://schemas.openxmlformats.org/drawingml/2006/main" xmlns:r="http://schemas.openxmlformats.org/officeDocument/2006/relationships" name="Default Design">
+<a:theme xmlns:a="http://schemas.openxmlformats.org/drawingml/2006/main" name="Default Design">
   <a:themeElements>
     <a:clrScheme name="Default Design">
       <a:dk1>
@@ -3931,7 +4132,7 @@
         </a:effectStyle>
         <a:effectStyle>
           <a:effectLst>
-            <a:outerShdw sx="100000" sy="100000" kx="0" ky="0" algn="b" rotWithShape="0" blurRad="38100" dist="20000" dir="5400000">
+            <a:outerShdw blurRad="38100" dist="20000" dir="5400000" rotWithShape="0">
               <a:srgbClr val="000000">
                 <a:alpha val="38000"/>
               </a:srgbClr>
@@ -4007,7 +4208,7 @@
         <a:effectLst/>
         <a:sp3d/>
       </a:spPr>
-      <a:bodyPr rot="0" spcFirstLastPara="1" vertOverflow="overflow" horzOverflow="overflow" vert="horz" wrap="square" lIns="45719" tIns="45719" rIns="45719" bIns="45719" numCol="1" spcCol="38100" rtlCol="0" anchor="t" upright="0">
+      <a:bodyPr rot="0" spcFirstLastPara="1" vertOverflow="overflow" horzOverflow="overflow" vert="horz" wrap="square" lIns="45719" tIns="45719" rIns="45719" bIns="45719" numCol="1" spcCol="38100" rtlCol="0" anchor="t">
         <a:spAutoFit/>
       </a:bodyPr>
       <a:lstStyle>
@@ -4026,7 +4227,7 @@
           <a:buFontTx/>
           <a:buNone/>
           <a:tabLst/>
-          <a:defRPr b="0" baseline="0" cap="none" i="0" spc="0" strike="noStrike" sz="2400" u="none" kumimoji="0" normalizeH="0">
+          <a:defRPr kumimoji="0" sz="2400" b="0" i="0" u="none" strike="noStrike" cap="none" spc="0" normalizeH="0" baseline="0">
             <a:ln>
               <a:noFill/>
             </a:ln>
@@ -4056,7 +4257,7 @@
           <a:buFontTx/>
           <a:buNone/>
           <a:tabLst/>
-          <a:defRPr b="0" baseline="0" cap="none" i="0" spc="0" strike="noStrike" sz="1800" u="none" kumimoji="0" normalizeH="0">
+          <a:defRPr kumimoji="0" sz="1800" b="0" i="0" u="none" strike="noStrike" cap="none" spc="0" normalizeH="0" baseline="0">
             <a:ln>
               <a:noFill/>
             </a:ln>
@@ -4082,7 +4283,7 @@
           <a:buFontTx/>
           <a:buNone/>
           <a:tabLst/>
-          <a:defRPr b="0" baseline="0" cap="none" i="0" spc="0" strike="noStrike" sz="1800" u="none" kumimoji="0" normalizeH="0">
+          <a:defRPr kumimoji="0" sz="1800" b="0" i="0" u="none" strike="noStrike" cap="none" spc="0" normalizeH="0" baseline="0">
             <a:ln>
               <a:noFill/>
             </a:ln>
@@ -4108,7 +4309,7 @@
           <a:buFontTx/>
           <a:buNone/>
           <a:tabLst/>
-          <a:defRPr b="0" baseline="0" cap="none" i="0" spc="0" strike="noStrike" sz="1800" u="none" kumimoji="0" normalizeH="0">
+          <a:defRPr kumimoji="0" sz="1800" b="0" i="0" u="none" strike="noStrike" cap="none" spc="0" normalizeH="0" baseline="0">
             <a:ln>
               <a:noFill/>
             </a:ln>
@@ -4134,7 +4335,7 @@
           <a:buFontTx/>
           <a:buNone/>
           <a:tabLst/>
-          <a:defRPr b="0" baseline="0" cap="none" i="0" spc="0" strike="noStrike" sz="1800" u="none" kumimoji="0" normalizeH="0">
+          <a:defRPr kumimoji="0" sz="1800" b="0" i="0" u="none" strike="noStrike" cap="none" spc="0" normalizeH="0" baseline="0">
             <a:ln>
               <a:noFill/>
             </a:ln>
@@ -4160,7 +4361,7 @@
           <a:buFontTx/>
           <a:buNone/>
           <a:tabLst/>
-          <a:defRPr b="0" baseline="0" cap="none" i="0" spc="0" strike="noStrike" sz="1800" u="none" kumimoji="0" normalizeH="0">
+          <a:defRPr kumimoji="0" sz="1800" b="0" i="0" u="none" strike="noStrike" cap="none" spc="0" normalizeH="0" baseline="0">
             <a:ln>
               <a:noFill/>
             </a:ln>
@@ -4186,7 +4387,7 @@
           <a:buFontTx/>
           <a:buNone/>
           <a:tabLst/>
-          <a:defRPr b="0" baseline="0" cap="none" i="0" spc="0" strike="noStrike" sz="1800" u="none" kumimoji="0" normalizeH="0">
+          <a:defRPr kumimoji="0" sz="1800" b="0" i="0" u="none" strike="noStrike" cap="none" spc="0" normalizeH="0" baseline="0">
             <a:ln>
               <a:noFill/>
             </a:ln>
@@ -4212,7 +4413,7 @@
           <a:buFontTx/>
           <a:buNone/>
           <a:tabLst/>
-          <a:defRPr b="0" baseline="0" cap="none" i="0" spc="0" strike="noStrike" sz="1800" u="none" kumimoji="0" normalizeH="0">
+          <a:defRPr kumimoji="0" sz="1800" b="0" i="0" u="none" strike="noStrike" cap="none" spc="0" normalizeH="0" baseline="0">
             <a:ln>
               <a:noFill/>
             </a:ln>
@@ -4238,7 +4439,7 @@
           <a:buFontTx/>
           <a:buNone/>
           <a:tabLst/>
-          <a:defRPr b="0" baseline="0" cap="none" i="0" spc="0" strike="noStrike" sz="1800" u="none" kumimoji="0" normalizeH="0">
+          <a:defRPr kumimoji="0" sz="1800" b="0" i="0" u="none" strike="noStrike" cap="none" spc="0" normalizeH="0" baseline="0">
             <a:ln>
               <a:noFill/>
             </a:ln>
@@ -4264,7 +4465,7 @@
           <a:buFontTx/>
           <a:buNone/>
           <a:tabLst/>
-          <a:defRPr b="0" baseline="0" cap="none" i="0" spc="0" strike="noStrike" sz="1800" u="none" kumimoji="0" normalizeH="0">
+          <a:defRPr kumimoji="0" sz="1800" b="0" i="0" u="none" strike="noStrike" cap="none" spc="0" normalizeH="0" baseline="0">
             <a:ln>
               <a:noFill/>
             </a:ln>
@@ -4277,9 +4478,15 @@
         </a:lvl9pPr>
       </a:lstStyle>
       <a:style>
-        <a:lnRef idx="0"/>
-        <a:fillRef idx="0"/>
-        <a:effectRef idx="0"/>
+        <a:lnRef idx="0">
+          <a:scrgbClr r="0" g="0" b="0"/>
+        </a:lnRef>
+        <a:fillRef idx="0">
+          <a:scrgbClr r="0" g="0" b="0"/>
+        </a:fillRef>
+        <a:effectRef idx="0">
+          <a:scrgbClr r="0" g="0" b="0"/>
+        </a:effectRef>
         <a:fontRef idx="none"/>
       </a:style>
     </a:spDef>
@@ -4294,7 +4501,7 @@
           <a:round/>
         </a:ln>
         <a:effectLst>
-          <a:outerShdw sx="100000" sy="100000" kx="0" ky="0" algn="b" rotWithShape="0" blurRad="38100" dist="20000" dir="5400000">
+          <a:outerShdw blurRad="38100" dist="20000" dir="5400000" rotWithShape="0">
             <a:srgbClr val="000000">
               <a:alpha val="38000"/>
             </a:srgbClr>
@@ -4302,7 +4509,7 @@
         </a:effectLst>
         <a:sp3d/>
       </a:spPr>
-      <a:bodyPr rot="0" spcFirstLastPara="1" vertOverflow="overflow" horzOverflow="overflow" vert="horz" wrap="square" lIns="91439" tIns="45719" rIns="91439" bIns="45719" numCol="1" spcCol="38100" rtlCol="0" anchor="t" upright="0">
+      <a:bodyPr rot="0" spcFirstLastPara="1" vertOverflow="overflow" horzOverflow="overflow" vert="horz" wrap="square" lIns="91439" tIns="45719" rIns="91439" bIns="45719" numCol="1" spcCol="38100" rtlCol="0" anchor="t">
         <a:noAutofit/>
       </a:bodyPr>
       <a:lstStyle>
@@ -4321,7 +4528,7 @@
           <a:buFontTx/>
           <a:buNone/>
           <a:tabLst/>
-          <a:defRPr b="0" baseline="0" cap="none" i="0" spc="0" strike="noStrike" sz="1800" u="none" kumimoji="0" normalizeH="0">
+          <a:defRPr kumimoji="0" sz="1800" b="0" i="0" u="none" strike="noStrike" cap="none" spc="0" normalizeH="0" baseline="0">
             <a:ln>
               <a:noFill/>
             </a:ln>
@@ -4347,7 +4554,7 @@
           <a:buFontTx/>
           <a:buNone/>
           <a:tabLst/>
-          <a:defRPr b="0" baseline="0" cap="none" i="0" spc="0" strike="noStrike" sz="1800" u="none" kumimoji="0" normalizeH="0">
+          <a:defRPr kumimoji="0" sz="1800" b="0" i="0" u="none" strike="noStrike" cap="none" spc="0" normalizeH="0" baseline="0">
             <a:ln>
               <a:noFill/>
             </a:ln>
@@ -4373,7 +4580,7 @@
           <a:buFontTx/>
           <a:buNone/>
           <a:tabLst/>
-          <a:defRPr b="0" baseline="0" cap="none" i="0" spc="0" strike="noStrike" sz="1800" u="none" kumimoji="0" normalizeH="0">
+          <a:defRPr kumimoji="0" sz="1800" b="0" i="0" u="none" strike="noStrike" cap="none" spc="0" normalizeH="0" baseline="0">
             <a:ln>
               <a:noFill/>
             </a:ln>
@@ -4399,7 +4606,7 @@
           <a:buFontTx/>
           <a:buNone/>
           <a:tabLst/>
-          <a:defRPr b="0" baseline="0" cap="none" i="0" spc="0" strike="noStrike" sz="1800" u="none" kumimoji="0" normalizeH="0">
+          <a:defRPr kumimoji="0" sz="1800" b="0" i="0" u="none" strike="noStrike" cap="none" spc="0" normalizeH="0" baseline="0">
             <a:ln>
               <a:noFill/>
             </a:ln>
@@ -4425,7 +4632,7 @@
           <a:buFontTx/>
           <a:buNone/>
           <a:tabLst/>
-          <a:defRPr b="0" baseline="0" cap="none" i="0" spc="0" strike="noStrike" sz="1800" u="none" kumimoji="0" normalizeH="0">
+          <a:defRPr kumimoji="0" sz="1800" b="0" i="0" u="none" strike="noStrike" cap="none" spc="0" normalizeH="0" baseline="0">
             <a:ln>
               <a:noFill/>
             </a:ln>
@@ -4451,7 +4658,7 @@
           <a:buFontTx/>
           <a:buNone/>
           <a:tabLst/>
-          <a:defRPr b="0" baseline="0" cap="none" i="0" spc="0" strike="noStrike" sz="1800" u="none" kumimoji="0" normalizeH="0">
+          <a:defRPr kumimoji="0" sz="1800" b="0" i="0" u="none" strike="noStrike" cap="none" spc="0" normalizeH="0" baseline="0">
             <a:ln>
               <a:noFill/>
             </a:ln>
@@ -4477,7 +4684,7 @@
           <a:buFontTx/>
           <a:buNone/>
           <a:tabLst/>
-          <a:defRPr b="0" baseline="0" cap="none" i="0" spc="0" strike="noStrike" sz="1800" u="none" kumimoji="0" normalizeH="0">
+          <a:defRPr kumimoji="0" sz="1800" b="0" i="0" u="none" strike="noStrike" cap="none" spc="0" normalizeH="0" baseline="0">
             <a:ln>
               <a:noFill/>
             </a:ln>
@@ -4503,7 +4710,7 @@
           <a:buFontTx/>
           <a:buNone/>
           <a:tabLst/>
-          <a:defRPr b="0" baseline="0" cap="none" i="0" spc="0" strike="noStrike" sz="1800" u="none" kumimoji="0" normalizeH="0">
+          <a:defRPr kumimoji="0" sz="1800" b="0" i="0" u="none" strike="noStrike" cap="none" spc="0" normalizeH="0" baseline="0">
             <a:ln>
               <a:noFill/>
             </a:ln>
@@ -4529,7 +4736,7 @@
           <a:buFontTx/>
           <a:buNone/>
           <a:tabLst/>
-          <a:defRPr b="0" baseline="0" cap="none" i="0" spc="0" strike="noStrike" sz="1800" u="none" kumimoji="0" normalizeH="0">
+          <a:defRPr kumimoji="0" sz="1800" b="0" i="0" u="none" strike="noStrike" cap="none" spc="0" normalizeH="0" baseline="0">
             <a:ln>
               <a:noFill/>
             </a:ln>
@@ -4555,7 +4762,7 @@
           <a:buFontTx/>
           <a:buNone/>
           <a:tabLst/>
-          <a:defRPr b="0" baseline="0" cap="none" i="0" spc="0" strike="noStrike" sz="1800" u="none" kumimoji="0" normalizeH="0">
+          <a:defRPr kumimoji="0" sz="1800" b="0" i="0" u="none" strike="noStrike" cap="none" spc="0" normalizeH="0" baseline="0">
             <a:ln>
               <a:noFill/>
             </a:ln>
@@ -4568,9 +4775,15 @@
         </a:lvl9pPr>
       </a:lstStyle>
       <a:style>
-        <a:lnRef idx="0"/>
-        <a:fillRef idx="0"/>
-        <a:effectRef idx="0"/>
+        <a:lnRef idx="0">
+          <a:scrgbClr r="0" g="0" b="0"/>
+        </a:lnRef>
+        <a:fillRef idx="0">
+          <a:scrgbClr r="0" g="0" b="0"/>
+        </a:fillRef>
+        <a:effectRef idx="0">
+          <a:scrgbClr r="0" g="0" b="0"/>
+        </a:effectRef>
         <a:fontRef idx="none"/>
       </a:style>
     </a:lnDef>
@@ -4584,7 +4797,7 @@
         <a:effectLst/>
         <a:sp3d/>
       </a:spPr>
-      <a:bodyPr rot="0" spcFirstLastPara="1" vertOverflow="overflow" horzOverflow="overflow" vert="horz" wrap="square" lIns="45719" tIns="45719" rIns="45719" bIns="45719" numCol="1" spcCol="38100" rtlCol="0" anchor="t" upright="0">
+      <a:bodyPr rot="0" spcFirstLastPara="1" vertOverflow="overflow" horzOverflow="overflow" vert="horz" wrap="square" lIns="45719" tIns="45719" rIns="45719" bIns="45719" numCol="1" spcCol="38100" rtlCol="0" anchor="t">
         <a:spAutoFit/>
       </a:bodyPr>
       <a:lstStyle>
@@ -4603,7 +4816,7 @@
           <a:buFontTx/>
           <a:buNone/>
           <a:tabLst/>
-          <a:defRPr b="0" baseline="0" cap="none" i="0" spc="0" strike="noStrike" sz="2400" u="none" kumimoji="0" normalizeH="0">
+          <a:defRPr kumimoji="0" sz="2400" b="0" i="0" u="none" strike="noStrike" cap="none" spc="0" normalizeH="0" baseline="0">
             <a:ln>
               <a:noFill/>
             </a:ln>
@@ -4633,7 +4846,7 @@
           <a:buFontTx/>
           <a:buNone/>
           <a:tabLst/>
-          <a:defRPr b="0" baseline="0" cap="none" i="0" spc="0" strike="noStrike" sz="1800" u="none" kumimoji="0" normalizeH="0">
+          <a:defRPr kumimoji="0" sz="1800" b="0" i="0" u="none" strike="noStrike" cap="none" spc="0" normalizeH="0" baseline="0">
             <a:ln>
               <a:noFill/>
             </a:ln>
@@ -4659,7 +4872,7 @@
           <a:buFontTx/>
           <a:buNone/>
           <a:tabLst/>
-          <a:defRPr b="0" baseline="0" cap="none" i="0" spc="0" strike="noStrike" sz="1800" u="none" kumimoji="0" normalizeH="0">
+          <a:defRPr kumimoji="0" sz="1800" b="0" i="0" u="none" strike="noStrike" cap="none" spc="0" normalizeH="0" baseline="0">
             <a:ln>
               <a:noFill/>
             </a:ln>
@@ -4685,7 +4898,7 @@
           <a:buFontTx/>
           <a:buNone/>
           <a:tabLst/>
-          <a:defRPr b="0" baseline="0" cap="none" i="0" spc="0" strike="noStrike" sz="1800" u="none" kumimoji="0" normalizeH="0">
+          <a:defRPr kumimoji="0" sz="1800" b="0" i="0" u="none" strike="noStrike" cap="none" spc="0" normalizeH="0" baseline="0">
             <a:ln>
               <a:noFill/>
             </a:ln>
@@ -4711,7 +4924,7 @@
           <a:buFontTx/>
           <a:buNone/>
           <a:tabLst/>
-          <a:defRPr b="0" baseline="0" cap="none" i="0" spc="0" strike="noStrike" sz="1800" u="none" kumimoji="0" normalizeH="0">
+          <a:defRPr kumimoji="0" sz="1800" b="0" i="0" u="none" strike="noStrike" cap="none" spc="0" normalizeH="0" baseline="0">
             <a:ln>
               <a:noFill/>
             </a:ln>
@@ -4737,7 +4950,7 @@
           <a:buFontTx/>
           <a:buNone/>
           <a:tabLst/>
-          <a:defRPr b="0" baseline="0" cap="none" i="0" spc="0" strike="noStrike" sz="1800" u="none" kumimoji="0" normalizeH="0">
+          <a:defRPr kumimoji="0" sz="1800" b="0" i="0" u="none" strike="noStrike" cap="none" spc="0" normalizeH="0" baseline="0">
             <a:ln>
               <a:noFill/>
             </a:ln>
@@ -4763,7 +4976,7 @@
           <a:buFontTx/>
           <a:buNone/>
           <a:tabLst/>
-          <a:defRPr b="0" baseline="0" cap="none" i="0" spc="0" strike="noStrike" sz="1800" u="none" kumimoji="0" normalizeH="0">
+          <a:defRPr kumimoji="0" sz="1800" b="0" i="0" u="none" strike="noStrike" cap="none" spc="0" normalizeH="0" baseline="0">
             <a:ln>
               <a:noFill/>
             </a:ln>
@@ -4789,7 +5002,7 @@
           <a:buFontTx/>
           <a:buNone/>
           <a:tabLst/>
-          <a:defRPr b="0" baseline="0" cap="none" i="0" spc="0" strike="noStrike" sz="1800" u="none" kumimoji="0" normalizeH="0">
+          <a:defRPr kumimoji="0" sz="1800" b="0" i="0" u="none" strike="noStrike" cap="none" spc="0" normalizeH="0" baseline="0">
             <a:ln>
               <a:noFill/>
             </a:ln>
@@ -4815,7 +5028,7 @@
           <a:buFontTx/>
           <a:buNone/>
           <a:tabLst/>
-          <a:defRPr b="0" baseline="0" cap="none" i="0" spc="0" strike="noStrike" sz="1800" u="none" kumimoji="0" normalizeH="0">
+          <a:defRPr kumimoji="0" sz="1800" b="0" i="0" u="none" strike="noStrike" cap="none" spc="0" normalizeH="0" baseline="0">
             <a:ln>
               <a:noFill/>
             </a:ln>
@@ -4841,7 +5054,7 @@
           <a:buFontTx/>
           <a:buNone/>
           <a:tabLst/>
-          <a:defRPr b="0" baseline="0" cap="none" i="0" spc="0" strike="noStrike" sz="1800" u="none" kumimoji="0" normalizeH="0">
+          <a:defRPr kumimoji="0" sz="1800" b="0" i="0" u="none" strike="noStrike" cap="none" spc="0" normalizeH="0" baseline="0">
             <a:ln>
               <a:noFill/>
             </a:ln>
@@ -4854,18 +5067,25 @@
         </a:lvl9pPr>
       </a:lstStyle>
       <a:style>
-        <a:lnRef idx="0"/>
-        <a:fillRef idx="0"/>
-        <a:effectRef idx="0"/>
+        <a:lnRef idx="0">
+          <a:scrgbClr r="0" g="0" b="0"/>
+        </a:lnRef>
+        <a:fillRef idx="0">
+          <a:scrgbClr r="0" g="0" b="0"/>
+        </a:fillRef>
+        <a:effectRef idx="0">
+          <a:scrgbClr r="0" g="0" b="0"/>
+        </a:effectRef>
         <a:fontRef idx="none"/>
       </a:style>
     </a:txDef>
   </a:objectDefaults>
+  <a:extraClrSchemeLst/>
 </a:theme>
 </file>
 
 <file path=ppt/theme/theme2.xml><?xml version="1.0" encoding="utf-8"?>
-<a:theme xmlns:a="http://schemas.openxmlformats.org/drawingml/2006/main" xmlns:r="http://schemas.openxmlformats.org/officeDocument/2006/relationships" name="Default Design">
+<a:theme xmlns:a="http://schemas.openxmlformats.org/drawingml/2006/main" name="Default Design">
   <a:themeElements>
     <a:clrScheme name="Default Design">
       <a:dk1>
@@ -4997,7 +5217,7 @@
         </a:effectStyle>
         <a:effectStyle>
           <a:effectLst>
-            <a:outerShdw sx="100000" sy="100000" kx="0" ky="0" algn="b" rotWithShape="0" blurRad="38100" dist="20000" dir="5400000">
+            <a:outerShdw blurRad="38100" dist="20000" dir="5400000" rotWithShape="0">
               <a:srgbClr val="000000">
                 <a:alpha val="38000"/>
               </a:srgbClr>
@@ -5073,7 +5293,7 @@
         <a:effectLst/>
         <a:sp3d/>
       </a:spPr>
-      <a:bodyPr rot="0" spcFirstLastPara="1" vertOverflow="overflow" horzOverflow="overflow" vert="horz" wrap="square" lIns="45719" tIns="45719" rIns="45719" bIns="45719" numCol="1" spcCol="38100" rtlCol="0" anchor="t" upright="0">
+      <a:bodyPr rot="0" spcFirstLastPara="1" vertOverflow="overflow" horzOverflow="overflow" vert="horz" wrap="square" lIns="45719" tIns="45719" rIns="45719" bIns="45719" numCol="1" spcCol="38100" rtlCol="0" anchor="t">
         <a:spAutoFit/>
       </a:bodyPr>
       <a:lstStyle>
@@ -5092,7 +5312,7 @@
           <a:buFontTx/>
           <a:buNone/>
           <a:tabLst/>
-          <a:defRPr b="0" baseline="0" cap="none" i="0" spc="0" strike="noStrike" sz="2400" u="none" kumimoji="0" normalizeH="0">
+          <a:defRPr kumimoji="0" sz="2400" b="0" i="0" u="none" strike="noStrike" cap="none" spc="0" normalizeH="0" baseline="0">
             <a:ln>
               <a:noFill/>
             </a:ln>
@@ -5122,7 +5342,7 @@
           <a:buFontTx/>
           <a:buNone/>
           <a:tabLst/>
-          <a:defRPr b="0" baseline="0" cap="none" i="0" spc="0" strike="noStrike" sz="1800" u="none" kumimoji="0" normalizeH="0">
+          <a:defRPr kumimoji="0" sz="1800" b="0" i="0" u="none" strike="noStrike" cap="none" spc="0" normalizeH="0" baseline="0">
             <a:ln>
               <a:noFill/>
             </a:ln>
@@ -5148,7 +5368,7 @@
           <a:buFontTx/>
           <a:buNone/>
           <a:tabLst/>
-          <a:defRPr b="0" baseline="0" cap="none" i="0" spc="0" strike="noStrike" sz="1800" u="none" kumimoji="0" normalizeH="0">
+          <a:defRPr kumimoji="0" sz="1800" b="0" i="0" u="none" strike="noStrike" cap="none" spc="0" normalizeH="0" baseline="0">
             <a:ln>
               <a:noFill/>
             </a:ln>
@@ -5174,7 +5394,7 @@
           <a:buFontTx/>
           <a:buNone/>
           <a:tabLst/>
-          <a:defRPr b="0" baseline="0" cap="none" i="0" spc="0" strike="noStrike" sz="1800" u="none" kumimoji="0" normalizeH="0">
+          <a:defRPr kumimoji="0" sz="1800" b="0" i="0" u="none" strike="noStrike" cap="none" spc="0" normalizeH="0" baseline="0">
             <a:ln>
               <a:noFill/>
             </a:ln>
@@ -5200,7 +5420,7 @@
           <a:buFontTx/>
           <a:buNone/>
           <a:tabLst/>
-          <a:defRPr b="0" baseline="0" cap="none" i="0" spc="0" strike="noStrike" sz="1800" u="none" kumimoji="0" normalizeH="0">
+          <a:defRPr kumimoji="0" sz="1800" b="0" i="0" u="none" strike="noStrike" cap="none" spc="0" normalizeH="0" baseline="0">
             <a:ln>
               <a:noFill/>
             </a:ln>
@@ -5226,7 +5446,7 @@
           <a:buFontTx/>
           <a:buNone/>
           <a:tabLst/>
-          <a:defRPr b="0" baseline="0" cap="none" i="0" spc="0" strike="noStrike" sz="1800" u="none" kumimoji="0" normalizeH="0">
+          <a:defRPr kumimoji="0" sz="1800" b="0" i="0" u="none" strike="noStrike" cap="none" spc="0" normalizeH="0" baseline="0">
             <a:ln>
               <a:noFill/>
             </a:ln>
@@ -5252,7 +5472,7 @@
           <a:buFontTx/>
           <a:buNone/>
           <a:tabLst/>
-          <a:defRPr b="0" baseline="0" cap="none" i="0" spc="0" strike="noStrike" sz="1800" u="none" kumimoji="0" normalizeH="0">
+          <a:defRPr kumimoji="0" sz="1800" b="0" i="0" u="none" strike="noStrike" cap="none" spc="0" normalizeH="0" baseline="0">
             <a:ln>
               <a:noFill/>
             </a:ln>
@@ -5278,7 +5498,7 @@
           <a:buFontTx/>
           <a:buNone/>
           <a:tabLst/>
-          <a:defRPr b="0" baseline="0" cap="none" i="0" spc="0" strike="noStrike" sz="1800" u="none" kumimoji="0" normalizeH="0">
+          <a:defRPr kumimoji="0" sz="1800" b="0" i="0" u="none" strike="noStrike" cap="none" spc="0" normalizeH="0" baseline="0">
             <a:ln>
               <a:noFill/>
             </a:ln>
@@ -5304,7 +5524,7 @@
           <a:buFontTx/>
           <a:buNone/>
           <a:tabLst/>
-          <a:defRPr b="0" baseline="0" cap="none" i="0" spc="0" strike="noStrike" sz="1800" u="none" kumimoji="0" normalizeH="0">
+          <a:defRPr kumimoji="0" sz="1800" b="0" i="0" u="none" strike="noStrike" cap="none" spc="0" normalizeH="0" baseline="0">
             <a:ln>
               <a:noFill/>
             </a:ln>
@@ -5330,7 +5550,7 @@
           <a:buFontTx/>
           <a:buNone/>
           <a:tabLst/>
-          <a:defRPr b="0" baseline="0" cap="none" i="0" spc="0" strike="noStrike" sz="1800" u="none" kumimoji="0" normalizeH="0">
+          <a:defRPr kumimoji="0" sz="1800" b="0" i="0" u="none" strike="noStrike" cap="none" spc="0" normalizeH="0" baseline="0">
             <a:ln>
               <a:noFill/>
             </a:ln>
@@ -5343,9 +5563,15 @@
         </a:lvl9pPr>
       </a:lstStyle>
       <a:style>
-        <a:lnRef idx="0"/>
-        <a:fillRef idx="0"/>
-        <a:effectRef idx="0"/>
+        <a:lnRef idx="0">
+          <a:scrgbClr r="0" g="0" b="0"/>
+        </a:lnRef>
+        <a:fillRef idx="0">
+          <a:scrgbClr r="0" g="0" b="0"/>
+        </a:fillRef>
+        <a:effectRef idx="0">
+          <a:scrgbClr r="0" g="0" b="0"/>
+        </a:effectRef>
         <a:fontRef idx="none"/>
       </a:style>
     </a:spDef>
@@ -5360,7 +5586,7 @@
           <a:round/>
         </a:ln>
         <a:effectLst>
-          <a:outerShdw sx="100000" sy="100000" kx="0" ky="0" algn="b" rotWithShape="0" blurRad="38100" dist="20000" dir="5400000">
+          <a:outerShdw blurRad="38100" dist="20000" dir="5400000" rotWithShape="0">
             <a:srgbClr val="000000">
               <a:alpha val="38000"/>
             </a:srgbClr>
@@ -5368,7 +5594,7 @@
         </a:effectLst>
         <a:sp3d/>
       </a:spPr>
-      <a:bodyPr rot="0" spcFirstLastPara="1" vertOverflow="overflow" horzOverflow="overflow" vert="horz" wrap="square" lIns="91439" tIns="45719" rIns="91439" bIns="45719" numCol="1" spcCol="38100" rtlCol="0" anchor="t" upright="0">
+      <a:bodyPr rot="0" spcFirstLastPara="1" vertOverflow="overflow" horzOverflow="overflow" vert="horz" wrap="square" lIns="91439" tIns="45719" rIns="91439" bIns="45719" numCol="1" spcCol="38100" rtlCol="0" anchor="t">
         <a:noAutofit/>
       </a:bodyPr>
       <a:lstStyle>
@@ -5387,7 +5613,7 @@
           <a:buFontTx/>
           <a:buNone/>
           <a:tabLst/>
-          <a:defRPr b="0" baseline="0" cap="none" i="0" spc="0" strike="noStrike" sz="1800" u="none" kumimoji="0" normalizeH="0">
+          <a:defRPr kumimoji="0" sz="1800" b="0" i="0" u="none" strike="noStrike" cap="none" spc="0" normalizeH="0" baseline="0">
             <a:ln>
               <a:noFill/>
             </a:ln>
@@ -5413,7 +5639,7 @@
           <a:buFontTx/>
           <a:buNone/>
           <a:tabLst/>
-          <a:defRPr b="0" baseline="0" cap="none" i="0" spc="0" strike="noStrike" sz="1800" u="none" kumimoji="0" normalizeH="0">
+          <a:defRPr kumimoji="0" sz="1800" b="0" i="0" u="none" strike="noStrike" cap="none" spc="0" normalizeH="0" baseline="0">
             <a:ln>
               <a:noFill/>
             </a:ln>
@@ -5439,7 +5665,7 @@
           <a:buFontTx/>
           <a:buNone/>
           <a:tabLst/>
-          <a:defRPr b="0" baseline="0" cap="none" i="0" spc="0" strike="noStrike" sz="1800" u="none" kumimoji="0" normalizeH="0">
+          <a:defRPr kumimoji="0" sz="1800" b="0" i="0" u="none" strike="noStrike" cap="none" spc="0" normalizeH="0" baseline="0">
             <a:ln>
               <a:noFill/>
             </a:ln>
@@ -5465,7 +5691,7 @@
           <a:buFontTx/>
           <a:buNone/>
           <a:tabLst/>
-          <a:defRPr b="0" baseline="0" cap="none" i="0" spc="0" strike="noStrike" sz="1800" u="none" kumimoji="0" normalizeH="0">
+          <a:defRPr kumimoji="0" sz="1800" b="0" i="0" u="none" strike="noStrike" cap="none" spc="0" normalizeH="0" baseline="0">
             <a:ln>
               <a:noFill/>
             </a:ln>
@@ -5491,7 +5717,7 @@
           <a:buFontTx/>
           <a:buNone/>
           <a:tabLst/>
-          <a:defRPr b="0" baseline="0" cap="none" i="0" spc="0" strike="noStrike" sz="1800" u="none" kumimoji="0" normalizeH="0">
+          <a:defRPr kumimoji="0" sz="1800" b="0" i="0" u="none" strike="noStrike" cap="none" spc="0" normalizeH="0" baseline="0">
             <a:ln>
               <a:noFill/>
             </a:ln>
@@ -5517,7 +5743,7 @@
           <a:buFontTx/>
           <a:buNone/>
           <a:tabLst/>
-          <a:defRPr b="0" baseline="0" cap="none" i="0" spc="0" strike="noStrike" sz="1800" u="none" kumimoji="0" normalizeH="0">
+          <a:defRPr kumimoji="0" sz="1800" b="0" i="0" u="none" strike="noStrike" cap="none" spc="0" normalizeH="0" baseline="0">
             <a:ln>
               <a:noFill/>
             </a:ln>
@@ -5543,7 +5769,7 @@
           <a:buFontTx/>
           <a:buNone/>
           <a:tabLst/>
-          <a:defRPr b="0" baseline="0" cap="none" i="0" spc="0" strike="noStrike" sz="1800" u="none" kumimoji="0" normalizeH="0">
+          <a:defRPr kumimoji="0" sz="1800" b="0" i="0" u="none" strike="noStrike" cap="none" spc="0" normalizeH="0" baseline="0">
             <a:ln>
               <a:noFill/>
             </a:ln>
@@ -5569,7 +5795,7 @@
           <a:buFontTx/>
           <a:buNone/>
           <a:tabLst/>
-          <a:defRPr b="0" baseline="0" cap="none" i="0" spc="0" strike="noStrike" sz="1800" u="none" kumimoji="0" normalizeH="0">
+          <a:defRPr kumimoji="0" sz="1800" b="0" i="0" u="none" strike="noStrike" cap="none" spc="0" normalizeH="0" baseline="0">
             <a:ln>
               <a:noFill/>
             </a:ln>
@@ -5595,7 +5821,7 @@
           <a:buFontTx/>
           <a:buNone/>
           <a:tabLst/>
-          <a:defRPr b="0" baseline="0" cap="none" i="0" spc="0" strike="noStrike" sz="1800" u="none" kumimoji="0" normalizeH="0">
+          <a:defRPr kumimoji="0" sz="1800" b="0" i="0" u="none" strike="noStrike" cap="none" spc="0" normalizeH="0" baseline="0">
             <a:ln>
               <a:noFill/>
             </a:ln>
@@ -5621,7 +5847,7 @@
           <a:buFontTx/>
           <a:buNone/>
           <a:tabLst/>
-          <a:defRPr b="0" baseline="0" cap="none" i="0" spc="0" strike="noStrike" sz="1800" u="none" kumimoji="0" normalizeH="0">
+          <a:defRPr kumimoji="0" sz="1800" b="0" i="0" u="none" strike="noStrike" cap="none" spc="0" normalizeH="0" baseline="0">
             <a:ln>
               <a:noFill/>
             </a:ln>
@@ -5634,9 +5860,15 @@
         </a:lvl9pPr>
       </a:lstStyle>
       <a:style>
-        <a:lnRef idx="0"/>
-        <a:fillRef idx="0"/>
-        <a:effectRef idx="0"/>
+        <a:lnRef idx="0">
+          <a:scrgbClr r="0" g="0" b="0"/>
+        </a:lnRef>
+        <a:fillRef idx="0">
+          <a:scrgbClr r="0" g="0" b="0"/>
+        </a:fillRef>
+        <a:effectRef idx="0">
+          <a:scrgbClr r="0" g="0" b="0"/>
+        </a:effectRef>
         <a:fontRef idx="none"/>
       </a:style>
     </a:lnDef>
@@ -5650,7 +5882,7 @@
         <a:effectLst/>
         <a:sp3d/>
       </a:spPr>
-      <a:bodyPr rot="0" spcFirstLastPara="1" vertOverflow="overflow" horzOverflow="overflow" vert="horz" wrap="square" lIns="45719" tIns="45719" rIns="45719" bIns="45719" numCol="1" spcCol="38100" rtlCol="0" anchor="t" upright="0">
+      <a:bodyPr rot="0" spcFirstLastPara="1" vertOverflow="overflow" horzOverflow="overflow" vert="horz" wrap="square" lIns="45719" tIns="45719" rIns="45719" bIns="45719" numCol="1" spcCol="38100" rtlCol="0" anchor="t">
         <a:spAutoFit/>
       </a:bodyPr>
       <a:lstStyle>
@@ -5669,7 +5901,7 @@
           <a:buFontTx/>
           <a:buNone/>
           <a:tabLst/>
-          <a:defRPr b="0" baseline="0" cap="none" i="0" spc="0" strike="noStrike" sz="2400" u="none" kumimoji="0" normalizeH="0">
+          <a:defRPr kumimoji="0" sz="2400" b="0" i="0" u="none" strike="noStrike" cap="none" spc="0" normalizeH="0" baseline="0">
             <a:ln>
               <a:noFill/>
             </a:ln>
@@ -5699,7 +5931,7 @@
           <a:buFontTx/>
           <a:buNone/>
           <a:tabLst/>
-          <a:defRPr b="0" baseline="0" cap="none" i="0" spc="0" strike="noStrike" sz="1800" u="none" kumimoji="0" normalizeH="0">
+          <a:defRPr kumimoji="0" sz="1800" b="0" i="0" u="none" strike="noStrike" cap="none" spc="0" normalizeH="0" baseline="0">
             <a:ln>
               <a:noFill/>
             </a:ln>
@@ -5725,7 +5957,7 @@
           <a:buFontTx/>
           <a:buNone/>
           <a:tabLst/>
-          <a:defRPr b="0" baseline="0" cap="none" i="0" spc="0" strike="noStrike" sz="1800" u="none" kumimoji="0" normalizeH="0">
+          <a:defRPr kumimoji="0" sz="1800" b="0" i="0" u="none" strike="noStrike" cap="none" spc="0" normalizeH="0" baseline="0">
             <a:ln>
               <a:noFill/>
             </a:ln>
@@ -5751,7 +5983,7 @@
           <a:buFontTx/>
           <a:buNone/>
           <a:tabLst/>
-          <a:defRPr b="0" baseline="0" cap="none" i="0" spc="0" strike="noStrike" sz="1800" u="none" kumimoji="0" normalizeH="0">
+          <a:defRPr kumimoji="0" sz="1800" b="0" i="0" u="none" strike="noStrike" cap="none" spc="0" normalizeH="0" baseline="0">
             <a:ln>
               <a:noFill/>
             </a:ln>
@@ -5777,7 +6009,7 @@
           <a:buFontTx/>
           <a:buNone/>
           <a:tabLst/>
-          <a:defRPr b="0" baseline="0" cap="none" i="0" spc="0" strike="noStrike" sz="1800" u="none" kumimoji="0" normalizeH="0">
+          <a:defRPr kumimoji="0" sz="1800" b="0" i="0" u="none" strike="noStrike" cap="none" spc="0" normalizeH="0" baseline="0">
             <a:ln>
               <a:noFill/>
             </a:ln>
@@ -5803,7 +6035,7 @@
           <a:buFontTx/>
           <a:buNone/>
           <a:tabLst/>
-          <a:defRPr b="0" baseline="0" cap="none" i="0" spc="0" strike="noStrike" sz="1800" u="none" kumimoji="0" normalizeH="0">
+          <a:defRPr kumimoji="0" sz="1800" b="0" i="0" u="none" strike="noStrike" cap="none" spc="0" normalizeH="0" baseline="0">
             <a:ln>
               <a:noFill/>
             </a:ln>
@@ -5829,7 +6061,7 @@
           <a:buFontTx/>
           <a:buNone/>
           <a:tabLst/>
-          <a:defRPr b="0" baseline="0" cap="none" i="0" spc="0" strike="noStrike" sz="1800" u="none" kumimoji="0" normalizeH="0">
+          <a:defRPr kumimoji="0" sz="1800" b="0" i="0" u="none" strike="noStrike" cap="none" spc="0" normalizeH="0" baseline="0">
             <a:ln>
               <a:noFill/>
             </a:ln>
@@ -5855,7 +6087,7 @@
           <a:buFontTx/>
           <a:buNone/>
           <a:tabLst/>
-          <a:defRPr b="0" baseline="0" cap="none" i="0" spc="0" strike="noStrike" sz="1800" u="none" kumimoji="0" normalizeH="0">
+          <a:defRPr kumimoji="0" sz="1800" b="0" i="0" u="none" strike="noStrike" cap="none" spc="0" normalizeH="0" baseline="0">
             <a:ln>
               <a:noFill/>
             </a:ln>
@@ -5881,7 +6113,7 @@
           <a:buFontTx/>
           <a:buNone/>
           <a:tabLst/>
-          <a:defRPr b="0" baseline="0" cap="none" i="0" spc="0" strike="noStrike" sz="1800" u="none" kumimoji="0" normalizeH="0">
+          <a:defRPr kumimoji="0" sz="1800" b="0" i="0" u="none" strike="noStrike" cap="none" spc="0" normalizeH="0" baseline="0">
             <a:ln>
               <a:noFill/>
             </a:ln>
@@ -5907,7 +6139,7 @@
           <a:buFontTx/>
           <a:buNone/>
           <a:tabLst/>
-          <a:defRPr b="0" baseline="0" cap="none" i="0" spc="0" strike="noStrike" sz="1800" u="none" kumimoji="0" normalizeH="0">
+          <a:defRPr kumimoji="0" sz="1800" b="0" i="0" u="none" strike="noStrike" cap="none" spc="0" normalizeH="0" baseline="0">
             <a:ln>
               <a:noFill/>
             </a:ln>
@@ -5920,12 +6152,19 @@
         </a:lvl9pPr>
       </a:lstStyle>
       <a:style>
-        <a:lnRef idx="0"/>
-        <a:fillRef idx="0"/>
-        <a:effectRef idx="0"/>
+        <a:lnRef idx="0">
+          <a:scrgbClr r="0" g="0" b="0"/>
+        </a:lnRef>
+        <a:fillRef idx="0">
+          <a:scrgbClr r="0" g="0" b="0"/>
+        </a:fillRef>
+        <a:effectRef idx="0">
+          <a:scrgbClr r="0" g="0" b="0"/>
+        </a:effectRef>
         <a:fontRef idx="none"/>
       </a:style>
     </a:txDef>
   </a:objectDefaults>
+  <a:extraClrSchemeLst/>
 </a:theme>
 </file>
--- a/FinalProjectPresentation—Larson+Grigoriadis.pptx
+++ b/FinalProjectPresentation—Larson+Grigoriadis.pptx
@@ -1,23 +1,25 @@
 
 <file path=ppt/presentation.xml><?xml version="1.0" encoding="utf-8"?>
-<p:presentation xmlns:a="http://schemas.openxmlformats.org/drawingml/2006/main" xmlns:r="http://schemas.openxmlformats.org/officeDocument/2006/relationships" xmlns:p="http://schemas.openxmlformats.org/presentationml/2006/main">
+<p:presentation xmlns:a="http://schemas.openxmlformats.org/drawingml/2006/main" xmlns:r="http://schemas.openxmlformats.org/officeDocument/2006/relationships" xmlns:p="http://schemas.openxmlformats.org/presentationml/2006/main" xmlns:m="http://schemas.openxmlformats.org/officeDocument/2006/math" xmlns:a14="http://schemas.microsoft.com/office/drawing/2010/main">
   <p:sldMasterIdLst>
-    <p:sldMasterId id="2147483648" r:id="rId1"/>
+    <p:sldMasterId id="2147483648" r:id="rId5"/>
   </p:sldMasterIdLst>
   <p:notesMasterIdLst>
-    <p:notesMasterId r:id="rId10"/>
+    <p:notesMasterId r:id="rId7"/>
   </p:notesMasterIdLst>
   <p:sldIdLst>
-    <p:sldId id="256" r:id="rId2"/>
-    <p:sldId id="257" r:id="rId3"/>
-    <p:sldId id="258" r:id="rId4"/>
-    <p:sldId id="259" r:id="rId5"/>
-    <p:sldId id="260" r:id="rId6"/>
-    <p:sldId id="261" r:id="rId7"/>
-    <p:sldId id="262" r:id="rId8"/>
-    <p:sldId id="263" r:id="rId9"/>
+    <p:sldId id="256" r:id="rId8"/>
+    <p:sldId id="257" r:id="rId9"/>
+    <p:sldId id="258" r:id="rId10"/>
+    <p:sldId id="259" r:id="rId11"/>
+    <p:sldId id="260" r:id="rId12"/>
+    <p:sldId id="261" r:id="rId13"/>
+    <p:sldId id="262" r:id="rId14"/>
+    <p:sldId id="263" r:id="rId15"/>
+    <p:sldId id="264" r:id="rId16"/>
+    <p:sldId id="265" r:id="rId17"/>
   </p:sldIdLst>
-  <p:sldSz cx="9144000" cy="6858000" type="screen4x3"/>
+  <p:sldSz cx="9144000" cy="6858000"/>
   <p:notesSz cx="6858000" cy="9144000"/>
   <p:defaultTextStyle>
     <a:defPPr marL="0" marR="0" indent="0" algn="l" defTabSz="914400" rtl="0" fontAlgn="auto" latinLnBrk="1" hangingPunct="0">
@@ -35,7 +37,7 @@
       <a:buFontTx/>
       <a:buNone/>
       <a:tabLst/>
-      <a:defRPr kumimoji="0" sz="1800" b="0" i="0" u="none" strike="noStrike" cap="none" spc="0" normalizeH="0" baseline="0">
+      <a:defRPr b="0" baseline="0" cap="none" i="0" spc="0" strike="noStrike" sz="1800" u="none" kumimoji="0" normalizeH="0">
         <a:ln>
           <a:noFill/>
         </a:ln>
@@ -61,7 +63,7 @@
       <a:buFontTx/>
       <a:buNone/>
       <a:tabLst/>
-      <a:defRPr kumimoji="0" sz="2400" b="0" i="0" u="none" strike="noStrike" cap="none" spc="0" normalizeH="0" baseline="0">
+      <a:defRPr b="0" baseline="0" cap="none" i="0" spc="0" strike="noStrike" sz="2400" u="none" kumimoji="0" normalizeH="0">
         <a:ln>
           <a:noFill/>
         </a:ln>
@@ -70,13 +72,13 @@
         </a:solidFill>
         <a:effectLst/>
         <a:uFillTx/>
-        <a:latin typeface="Times New Roman"/>
-        <a:ea typeface="Times New Roman"/>
-        <a:cs typeface="Times New Roman"/>
-        <a:sym typeface="Times New Roman"/>
+        <a:latin typeface="+mn-lt"/>
+        <a:ea typeface="+mn-ea"/>
+        <a:cs typeface="+mn-cs"/>
+        <a:sym typeface="Helvetica Neue"/>
       </a:defRPr>
     </a:lvl1pPr>
-    <a:lvl2pPr marL="0" marR="0" indent="457200" algn="l" defTabSz="914400" rtl="0" fontAlgn="auto" latinLnBrk="0" hangingPunct="0">
+    <a:lvl2pPr marL="0" marR="0" indent="0" algn="l" defTabSz="914400" rtl="0" fontAlgn="auto" latinLnBrk="0" hangingPunct="0">
       <a:lnSpc>
         <a:spcPct val="100000"/>
       </a:lnSpc>
@@ -91,7 +93,7 @@
       <a:buFontTx/>
       <a:buNone/>
       <a:tabLst/>
-      <a:defRPr kumimoji="0" sz="2400" b="0" i="0" u="none" strike="noStrike" cap="none" spc="0" normalizeH="0" baseline="0">
+      <a:defRPr b="0" baseline="0" cap="none" i="0" spc="0" strike="noStrike" sz="2400" u="none" kumimoji="0" normalizeH="0">
         <a:ln>
           <a:noFill/>
         </a:ln>
@@ -100,13 +102,13 @@
         </a:solidFill>
         <a:effectLst/>
         <a:uFillTx/>
-        <a:latin typeface="Times New Roman"/>
-        <a:ea typeface="Times New Roman"/>
-        <a:cs typeface="Times New Roman"/>
-        <a:sym typeface="Times New Roman"/>
+        <a:latin typeface="+mn-lt"/>
+        <a:ea typeface="+mn-ea"/>
+        <a:cs typeface="+mn-cs"/>
+        <a:sym typeface="Helvetica Neue"/>
       </a:defRPr>
     </a:lvl2pPr>
-    <a:lvl3pPr marL="0" marR="0" indent="914400" algn="l" defTabSz="914400" rtl="0" fontAlgn="auto" latinLnBrk="0" hangingPunct="0">
+    <a:lvl3pPr marL="0" marR="0" indent="0" algn="l" defTabSz="914400" rtl="0" fontAlgn="auto" latinLnBrk="0" hangingPunct="0">
       <a:lnSpc>
         <a:spcPct val="100000"/>
       </a:lnSpc>
@@ -121,7 +123,7 @@
       <a:buFontTx/>
       <a:buNone/>
       <a:tabLst/>
-      <a:defRPr kumimoji="0" sz="2400" b="0" i="0" u="none" strike="noStrike" cap="none" spc="0" normalizeH="0" baseline="0">
+      <a:defRPr b="0" baseline="0" cap="none" i="0" spc="0" strike="noStrike" sz="2400" u="none" kumimoji="0" normalizeH="0">
         <a:ln>
           <a:noFill/>
         </a:ln>
@@ -130,13 +132,13 @@
         </a:solidFill>
         <a:effectLst/>
         <a:uFillTx/>
-        <a:latin typeface="Times New Roman"/>
-        <a:ea typeface="Times New Roman"/>
-        <a:cs typeface="Times New Roman"/>
-        <a:sym typeface="Times New Roman"/>
+        <a:latin typeface="+mn-lt"/>
+        <a:ea typeface="+mn-ea"/>
+        <a:cs typeface="+mn-cs"/>
+        <a:sym typeface="Helvetica Neue"/>
       </a:defRPr>
     </a:lvl3pPr>
-    <a:lvl4pPr marL="0" marR="0" indent="1371600" algn="l" defTabSz="914400" rtl="0" fontAlgn="auto" latinLnBrk="0" hangingPunct="0">
+    <a:lvl4pPr marL="0" marR="0" indent="0" algn="l" defTabSz="914400" rtl="0" fontAlgn="auto" latinLnBrk="0" hangingPunct="0">
       <a:lnSpc>
         <a:spcPct val="100000"/>
       </a:lnSpc>
@@ -151,7 +153,7 @@
       <a:buFontTx/>
       <a:buNone/>
       <a:tabLst/>
-      <a:defRPr kumimoji="0" sz="2400" b="0" i="0" u="none" strike="noStrike" cap="none" spc="0" normalizeH="0" baseline="0">
+      <a:defRPr b="0" baseline="0" cap="none" i="0" spc="0" strike="noStrike" sz="2400" u="none" kumimoji="0" normalizeH="0">
         <a:ln>
           <a:noFill/>
         </a:ln>
@@ -160,13 +162,13 @@
         </a:solidFill>
         <a:effectLst/>
         <a:uFillTx/>
-        <a:latin typeface="Times New Roman"/>
-        <a:ea typeface="Times New Roman"/>
-        <a:cs typeface="Times New Roman"/>
-        <a:sym typeface="Times New Roman"/>
+        <a:latin typeface="+mn-lt"/>
+        <a:ea typeface="+mn-ea"/>
+        <a:cs typeface="+mn-cs"/>
+        <a:sym typeface="Helvetica Neue"/>
       </a:defRPr>
     </a:lvl4pPr>
-    <a:lvl5pPr marL="0" marR="0" indent="1828800" algn="l" defTabSz="914400" rtl="0" fontAlgn="auto" latinLnBrk="0" hangingPunct="0">
+    <a:lvl5pPr marL="0" marR="0" indent="0" algn="l" defTabSz="914400" rtl="0" fontAlgn="auto" latinLnBrk="0" hangingPunct="0">
       <a:lnSpc>
         <a:spcPct val="100000"/>
       </a:lnSpc>
@@ -181,7 +183,7 @@
       <a:buFontTx/>
       <a:buNone/>
       <a:tabLst/>
-      <a:defRPr kumimoji="0" sz="2400" b="0" i="0" u="none" strike="noStrike" cap="none" spc="0" normalizeH="0" baseline="0">
+      <a:defRPr b="0" baseline="0" cap="none" i="0" spc="0" strike="noStrike" sz="2400" u="none" kumimoji="0" normalizeH="0">
         <a:ln>
           <a:noFill/>
         </a:ln>
@@ -190,10 +192,10 @@
         </a:solidFill>
         <a:effectLst/>
         <a:uFillTx/>
-        <a:latin typeface="Times New Roman"/>
-        <a:ea typeface="Times New Roman"/>
-        <a:cs typeface="Times New Roman"/>
-        <a:sym typeface="Times New Roman"/>
+        <a:latin typeface="+mn-lt"/>
+        <a:ea typeface="+mn-ea"/>
+        <a:cs typeface="+mn-cs"/>
+        <a:sym typeface="Helvetica Neue"/>
       </a:defRPr>
     </a:lvl5pPr>
     <a:lvl6pPr marL="0" marR="0" indent="0" algn="l" defTabSz="914400" rtl="0" fontAlgn="auto" latinLnBrk="0" hangingPunct="0">
@@ -211,7 +213,7 @@
       <a:buFontTx/>
       <a:buNone/>
       <a:tabLst/>
-      <a:defRPr kumimoji="0" sz="2400" b="0" i="0" u="none" strike="noStrike" cap="none" spc="0" normalizeH="0" baseline="0">
+      <a:defRPr b="0" baseline="0" cap="none" i="0" spc="0" strike="noStrike" sz="2400" u="none" kumimoji="0" normalizeH="0">
         <a:ln>
           <a:noFill/>
         </a:ln>
@@ -220,10 +222,10 @@
         </a:solidFill>
         <a:effectLst/>
         <a:uFillTx/>
-        <a:latin typeface="Times New Roman"/>
-        <a:ea typeface="Times New Roman"/>
-        <a:cs typeface="Times New Roman"/>
-        <a:sym typeface="Times New Roman"/>
+        <a:latin typeface="+mn-lt"/>
+        <a:ea typeface="+mn-ea"/>
+        <a:cs typeface="+mn-cs"/>
+        <a:sym typeface="Helvetica Neue"/>
       </a:defRPr>
     </a:lvl6pPr>
     <a:lvl7pPr marL="0" marR="0" indent="0" algn="l" defTabSz="914400" rtl="0" fontAlgn="auto" latinLnBrk="0" hangingPunct="0">
@@ -241,7 +243,7 @@
       <a:buFontTx/>
       <a:buNone/>
       <a:tabLst/>
-      <a:defRPr kumimoji="0" sz="2400" b="0" i="0" u="none" strike="noStrike" cap="none" spc="0" normalizeH="0" baseline="0">
+      <a:defRPr b="0" baseline="0" cap="none" i="0" spc="0" strike="noStrike" sz="2400" u="none" kumimoji="0" normalizeH="0">
         <a:ln>
           <a:noFill/>
         </a:ln>
@@ -250,10 +252,10 @@
         </a:solidFill>
         <a:effectLst/>
         <a:uFillTx/>
-        <a:latin typeface="Times New Roman"/>
-        <a:ea typeface="Times New Roman"/>
-        <a:cs typeface="Times New Roman"/>
-        <a:sym typeface="Times New Roman"/>
+        <a:latin typeface="+mn-lt"/>
+        <a:ea typeface="+mn-ea"/>
+        <a:cs typeface="+mn-cs"/>
+        <a:sym typeface="Helvetica Neue"/>
       </a:defRPr>
     </a:lvl7pPr>
     <a:lvl8pPr marL="0" marR="0" indent="0" algn="l" defTabSz="914400" rtl="0" fontAlgn="auto" latinLnBrk="0" hangingPunct="0">
@@ -271,7 +273,7 @@
       <a:buFontTx/>
       <a:buNone/>
       <a:tabLst/>
-      <a:defRPr kumimoji="0" sz="2400" b="0" i="0" u="none" strike="noStrike" cap="none" spc="0" normalizeH="0" baseline="0">
+      <a:defRPr b="0" baseline="0" cap="none" i="0" spc="0" strike="noStrike" sz="2400" u="none" kumimoji="0" normalizeH="0">
         <a:ln>
           <a:noFill/>
         </a:ln>
@@ -280,10 +282,10 @@
         </a:solidFill>
         <a:effectLst/>
         <a:uFillTx/>
-        <a:latin typeface="Times New Roman"/>
-        <a:ea typeface="Times New Roman"/>
-        <a:cs typeface="Times New Roman"/>
-        <a:sym typeface="Times New Roman"/>
+        <a:latin typeface="+mn-lt"/>
+        <a:ea typeface="+mn-ea"/>
+        <a:cs typeface="+mn-cs"/>
+        <a:sym typeface="Helvetica Neue"/>
       </a:defRPr>
     </a:lvl8pPr>
     <a:lvl9pPr marL="0" marR="0" indent="0" algn="l" defTabSz="914400" rtl="0" fontAlgn="auto" latinLnBrk="0" hangingPunct="0">
@@ -301,7 +303,7 @@
       <a:buFontTx/>
       <a:buNone/>
       <a:tabLst/>
-      <a:defRPr kumimoji="0" sz="2400" b="0" i="0" u="none" strike="noStrike" cap="none" spc="0" normalizeH="0" baseline="0">
+      <a:defRPr b="0" baseline="0" cap="none" i="0" spc="0" strike="noStrike" sz="2400" u="none" kumimoji="0" normalizeH="0">
         <a:ln>
           <a:noFill/>
         </a:ln>
@@ -310,24 +312,23 @@
         </a:solidFill>
         <a:effectLst/>
         <a:uFillTx/>
-        <a:latin typeface="Times New Roman"/>
-        <a:ea typeface="Times New Roman"/>
-        <a:cs typeface="Times New Roman"/>
-        <a:sym typeface="Times New Roman"/>
+        <a:latin typeface="+mn-lt"/>
+        <a:ea typeface="+mn-ea"/>
+        <a:cs typeface="+mn-cs"/>
+        <a:sym typeface="Helvetica Neue"/>
       </a:defRPr>
     </a:lvl9pPr>
   </p:defaultTextStyle>
 </p:presentation>
 </file>
 
+<file path=ppt/commentAuthors.xml><?xml version="1.0" encoding="utf-8"?>
+<p:cmAuthorLst xmlns:a="http://schemas.openxmlformats.org/drawingml/2006/main" xmlns:r="http://schemas.openxmlformats.org/officeDocument/2006/relationships" xmlns:p="http://schemas.openxmlformats.org/presentationml/2006/main" xmlns:m="http://schemas.openxmlformats.org/officeDocument/2006/math" xmlns:a14="http://schemas.microsoft.com/office/drawing/2010/main"/>
+</file>
+
 <file path=ppt/notesMasters/notesMaster1.xml><?xml version="1.0" encoding="utf-8"?>
-<p:notesMaster xmlns:a="http://schemas.openxmlformats.org/drawingml/2006/main" xmlns:r="http://schemas.openxmlformats.org/officeDocument/2006/relationships" xmlns:p="http://schemas.openxmlformats.org/presentationml/2006/main">
+<p:notesMaster xmlns:a="http://schemas.openxmlformats.org/drawingml/2006/main" xmlns:r="http://schemas.openxmlformats.org/officeDocument/2006/relationships" xmlns:p="http://schemas.openxmlformats.org/presentationml/2006/main" xmlns:m="http://schemas.openxmlformats.org/officeDocument/2006/math" xmlns:a14="http://schemas.microsoft.com/office/drawing/2010/main">
   <p:cSld>
-    <p:bg>
-      <p:bgRef idx="1001">
-        <a:schemeClr val="bg1"/>
-      </p:bgRef>
-    </p:bg>
     <p:spTree>
       <p:nvGrpSpPr>
         <p:cNvPr id="1" name=""/>
@@ -345,9 +346,7 @@
       <p:sp>
         <p:nvSpPr>
           <p:cNvPr id="17" name="Shape 17"/>
-          <p:cNvSpPr>
-            <a:spLocks noGrp="1" noRot="1" noChangeAspect="1"/>
-          </p:cNvSpPr>
+          <p:cNvSpPr/>
           <p:nvPr>
             <p:ph type="sldImg"/>
           </p:nvPr>
@@ -365,16 +364,14 @@
           <a:bodyPr/>
           <a:lstStyle/>
           <a:p>
-            <a:endParaRPr/>
+            <a:pPr/>
           </a:p>
         </p:txBody>
       </p:sp>
       <p:sp>
         <p:nvSpPr>
           <p:cNvPr id="18" name="Shape 18"/>
-          <p:cNvSpPr>
-            <a:spLocks noGrp="1"/>
-          </p:cNvSpPr>
+          <p:cNvSpPr/>
           <p:nvPr>
             <p:ph type="body" sz="quarter" idx="1"/>
           </p:nvPr>
@@ -392,7 +389,7 @@
           <a:bodyPr/>
           <a:lstStyle/>
           <a:p>
-            <a:endParaRPr/>
+            <a:pPr/>
           </a:p>
         </p:txBody>
       </p:sp>
@@ -477,7 +474,7 @@
 </file>
 
 <file path=ppt/slideLayouts/slideLayout1.xml><?xml version="1.0" encoding="utf-8"?>
-<p:sldLayout xmlns:a="http://schemas.openxmlformats.org/drawingml/2006/main" xmlns:r="http://schemas.openxmlformats.org/officeDocument/2006/relationships" xmlns:p="http://schemas.openxmlformats.org/presentationml/2006/main" type="tx">
+<p:sldLayout xmlns:a="http://schemas.openxmlformats.org/drawingml/2006/main" xmlns:r="http://schemas.openxmlformats.org/officeDocument/2006/relationships" xmlns:p="http://schemas.openxmlformats.org/presentationml/2006/main" xmlns:m="http://schemas.openxmlformats.org/officeDocument/2006/math" xmlns:a14="http://schemas.microsoft.com/office/drawing/2010/main" type="tx" showMasterSp="1" showMasterPhAnim="1">
   <p:cSld name="Default">
     <p:spTree>
       <p:nvGrpSpPr>
@@ -496,9 +493,7 @@
       <p:sp>
         <p:nvSpPr>
           <p:cNvPr id="11" name="Slide Number"/>
-          <p:cNvSpPr txBox="1">
-            <a:spLocks noGrp="1"/>
-          </p:cNvSpPr>
+          <p:cNvSpPr txBox="1"/>
           <p:nvPr>
             <p:ph type="sldNum" sz="quarter" idx="2"/>
           </p:nvPr>
@@ -512,10 +507,8 @@
           <a:bodyPr/>
           <a:lstStyle/>
           <a:p>
-            <a:fld id="{86CB4B4D-7CA3-9044-876B-883B54F8677D}" type="slidenum">
-              <a:t>‹#›</a:t>
-            </a:fld>
-            <a:endParaRPr/>
+            <a:pPr/>
+            <a:fld id="{86CB4B4D-7CA3-9044-876B-883B54F8677D}" type="slidenum"/>
           </a:p>
         </p:txBody>
       </p:sp>
@@ -524,19 +517,18 @@
   <p:clrMapOvr>
     <a:masterClrMapping/>
   </p:clrMapOvr>
-  <p:transition spd="med"/>
+  <p:transition xmlns:p14="http://schemas.microsoft.com/office/powerpoint/2010/main" spd="med" advClick="1"/>
 </p:sldLayout>
 </file>
 
 <file path=ppt/slideMasters/slideMaster1.xml><?xml version="1.0" encoding="utf-8"?>
-<p:sldMaster xmlns:a="http://schemas.openxmlformats.org/drawingml/2006/main" xmlns:r="http://schemas.openxmlformats.org/officeDocument/2006/relationships" xmlns:p="http://schemas.openxmlformats.org/presentationml/2006/main">
+<p:sldMaster xmlns:a="http://schemas.openxmlformats.org/drawingml/2006/main" xmlns:r="http://schemas.openxmlformats.org/officeDocument/2006/relationships" xmlns:p="http://schemas.openxmlformats.org/presentationml/2006/main" xmlns:m="http://schemas.openxmlformats.org/officeDocument/2006/math" xmlns:a14="http://schemas.microsoft.com/office/drawing/2010/main">
   <p:cSld>
     <p:bg>
       <p:bgPr>
         <a:solidFill>
           <a:srgbClr val="FFFFFF"/>
         </a:solidFill>
-        <a:effectLst/>
       </p:bgPr>
     </p:bg>
     <p:spTree>
@@ -556,17 +548,15 @@
       <p:sp>
         <p:nvSpPr>
           <p:cNvPr id="2" name="Title Text"/>
-          <p:cNvSpPr txBox="1">
-            <a:spLocks noGrp="1"/>
-          </p:cNvSpPr>
+          <p:cNvSpPr txBox="1"/>
           <p:nvPr>
             <p:ph type="title"/>
           </p:nvPr>
         </p:nvSpPr>
         <p:spPr>
           <a:xfrm>
-            <a:off x="457200" y="92074"/>
-            <a:ext cx="8229600" cy="1508126"/>
+            <a:off x="1370012" y="769937"/>
+            <a:ext cx="7315201" cy="1668463"/>
           </a:xfrm>
           <a:prstGeom prst="rect">
             <a:avLst/>
@@ -576,14 +566,15 @@
           </a:ln>
           <a:extLst>
             <a:ext uri="{C572A759-6A51-4108-AA02-DFA0A04FC94B}">
-              <ma14:wrappingTextBoxFlag xmlns:ma14="http://schemas.microsoft.com/office/mac/drawingml/2011/main" xmlns:a14="http://schemas.microsoft.com/office/drawing/2010/main" xmlns:m="http://schemas.openxmlformats.org/officeDocument/2006/math" xmlns="" val="1"/>
+              <ma14:wrappingTextBoxFlag xmlns:ma14="http://schemas.microsoft.com/office/mac/drawingml/2011/main" val="1"/>
             </a:ext>
           </a:extLst>
         </p:spPr>
         <p:txBody>
-          <a:bodyPr lIns="45719" rIns="45719" anchor="ctr"/>
+          <a:bodyPr lIns="45718" tIns="45718" rIns="45718" bIns="45718" anchor="ctr"/>
           <a:lstStyle/>
           <a:p>
+            <a:pPr/>
             <a:r>
               <a:t>Title Text</a:t>
             </a:r>
@@ -593,17 +584,15 @@
       <p:sp>
         <p:nvSpPr>
           <p:cNvPr id="3" name="Body Level One…"/>
-          <p:cNvSpPr txBox="1">
-            <a:spLocks noGrp="1"/>
-          </p:cNvSpPr>
+          <p:cNvSpPr txBox="1"/>
           <p:nvPr>
             <p:ph type="body" idx="1"/>
           </p:nvPr>
         </p:nvSpPr>
         <p:spPr>
           <a:xfrm>
-            <a:off x="457200" y="1600200"/>
-            <a:ext cx="8229600" cy="5257800"/>
+            <a:off x="5103812" y="2438400"/>
+            <a:ext cx="3581401" cy="4419600"/>
           </a:xfrm>
           <a:prstGeom prst="rect">
             <a:avLst/>
@@ -613,14 +602,15 @@
           </a:ln>
           <a:extLst>
             <a:ext uri="{C572A759-6A51-4108-AA02-DFA0A04FC94B}">
-              <ma14:wrappingTextBoxFlag xmlns:ma14="http://schemas.microsoft.com/office/mac/drawingml/2011/main" xmlns:a14="http://schemas.microsoft.com/office/drawing/2010/main" xmlns:m="http://schemas.openxmlformats.org/officeDocument/2006/math" xmlns="" val="1"/>
+              <ma14:wrappingTextBoxFlag xmlns:ma14="http://schemas.microsoft.com/office/mac/drawingml/2011/main" val="1"/>
             </a:ext>
           </a:extLst>
         </p:spPr>
         <p:txBody>
-          <a:bodyPr lIns="45719" rIns="45719"/>
+          <a:bodyPr lIns="45718" tIns="45718" rIns="45718" bIns="45718"/>
           <a:lstStyle/>
           <a:p>
+            <a:pPr/>
             <a:r>
               <a:t>Body Level One</a:t>
             </a:r>
@@ -654,17 +644,15 @@
       <p:sp>
         <p:nvSpPr>
           <p:cNvPr id="4" name="Slide Number"/>
-          <p:cNvSpPr txBox="1">
-            <a:spLocks noGrp="1"/>
-          </p:cNvSpPr>
+          <p:cNvSpPr txBox="1"/>
           <p:nvPr>
             <p:ph type="sldNum" sz="quarter" idx="2"/>
           </p:nvPr>
         </p:nvSpPr>
         <p:spPr>
           <a:xfrm>
-            <a:off x="8176259" y="6248400"/>
-            <a:ext cx="281941" cy="287087"/>
+            <a:off x="8176262" y="6248400"/>
+            <a:ext cx="281939" cy="287085"/>
           </a:xfrm>
           <a:prstGeom prst="rect">
             <a:avLst/>
@@ -674,19 +662,22 @@
           </a:ln>
         </p:spPr>
         <p:txBody>
-          <a:bodyPr wrap="none" lIns="45719" rIns="45719">
+          <a:bodyPr wrap="none" lIns="45718" tIns="45718" rIns="45718" bIns="45718">
             <a:spAutoFit/>
           </a:bodyPr>
           <a:lstStyle>
             <a:lvl1pPr algn="r" defTabSz="457200">
-              <a:defRPr sz="1400"/>
+              <a:defRPr sz="1400">
+                <a:latin typeface="Times New Roman"/>
+                <a:ea typeface="Times New Roman"/>
+                <a:cs typeface="Times New Roman"/>
+                <a:sym typeface="Times New Roman"/>
+              </a:defRPr>
             </a:lvl1pPr>
           </a:lstStyle>
           <a:p>
-            <a:fld id="{86CB4B4D-7CA3-9044-876B-883B54F8677D}" type="slidenum">
-              <a:t>‹#›</a:t>
-            </a:fld>
-            <a:endParaRPr/>
+            <a:pPr/>
+            <a:fld id="{86CB4B4D-7CA3-9044-876B-883B54F8677D}" type="slidenum"/>
           </a:p>
         </p:txBody>
       </p:sp>
@@ -694,9 +685,9 @@
   </p:cSld>
   <p:clrMap bg1="lt1" tx1="dk1" bg2="lt2" tx2="dk2" accent1="accent1" accent2="accent2" accent3="accent3" accent4="accent4" accent5="accent5" accent6="accent6" hlink="hlink" folHlink="folHlink"/>
   <p:sldLayoutIdLst>
-    <p:sldLayoutId id="2147483649" r:id="rId1"/>
+    <p:sldLayoutId id="2147483649" r:id="rId2"/>
   </p:sldLayoutIdLst>
-  <p:transition spd="med"/>
+  <p:transition xmlns:p14="http://schemas.microsoft.com/office/powerpoint/2010/main" spd="med" advClick="1"/>
   <p:txStyles>
     <p:titleStyle>
       <a:lvl1pPr marL="0" marR="0" indent="0" algn="ctr" defTabSz="914400" rtl="0" latinLnBrk="0">
@@ -714,7 +705,7 @@
         <a:buFontTx/>
         <a:buNone/>
         <a:tabLst/>
-        <a:defRPr sz="4400" b="1" i="0" u="none" strike="noStrike" cap="none" spc="0" baseline="0">
+        <a:defRPr b="1" baseline="0" cap="none" i="0" spc="0" strike="noStrike" sz="4400" u="none">
           <a:ln>
             <a:noFill/>
           </a:ln>
@@ -743,7 +734,7 @@
         <a:buFontTx/>
         <a:buNone/>
         <a:tabLst/>
-        <a:defRPr sz="4400" b="1" i="0" u="none" strike="noStrike" cap="none" spc="0" baseline="0">
+        <a:defRPr b="1" baseline="0" cap="none" i="0" spc="0" strike="noStrike" sz="4400" u="none">
           <a:ln>
             <a:noFill/>
           </a:ln>
@@ -772,7 +763,7 @@
         <a:buFontTx/>
         <a:buNone/>
         <a:tabLst/>
-        <a:defRPr sz="4400" b="1" i="0" u="none" strike="noStrike" cap="none" spc="0" baseline="0">
+        <a:defRPr b="1" baseline="0" cap="none" i="0" spc="0" strike="noStrike" sz="4400" u="none">
           <a:ln>
             <a:noFill/>
           </a:ln>
@@ -801,7 +792,7 @@
         <a:buFontTx/>
         <a:buNone/>
         <a:tabLst/>
-        <a:defRPr sz="4400" b="1" i="0" u="none" strike="noStrike" cap="none" spc="0" baseline="0">
+        <a:defRPr b="1" baseline="0" cap="none" i="0" spc="0" strike="noStrike" sz="4400" u="none">
           <a:ln>
             <a:noFill/>
           </a:ln>
@@ -830,7 +821,7 @@
         <a:buFontTx/>
         <a:buNone/>
         <a:tabLst/>
-        <a:defRPr sz="4400" b="1" i="0" u="none" strike="noStrike" cap="none" spc="0" baseline="0">
+        <a:defRPr b="1" baseline="0" cap="none" i="0" spc="0" strike="noStrike" sz="4400" u="none">
           <a:ln>
             <a:noFill/>
           </a:ln>
@@ -844,7 +835,7 @@
           <a:sym typeface="Arial"/>
         </a:defRPr>
       </a:lvl5pPr>
-      <a:lvl6pPr marL="0" marR="0" indent="457200" algn="ctr" defTabSz="914400" rtl="0" latinLnBrk="0">
+      <a:lvl6pPr marL="0" marR="0" indent="0" algn="ctr" defTabSz="914400" rtl="0" latinLnBrk="0">
         <a:lnSpc>
           <a:spcPct val="100000"/>
         </a:lnSpc>
@@ -859,7 +850,7 @@
         <a:buFontTx/>
         <a:buNone/>
         <a:tabLst/>
-        <a:defRPr sz="4400" b="1" i="0" u="none" strike="noStrike" cap="none" spc="0" baseline="0">
+        <a:defRPr b="1" baseline="0" cap="none" i="0" spc="0" strike="noStrike" sz="4400" u="none">
           <a:ln>
             <a:noFill/>
           </a:ln>
@@ -873,7 +864,7 @@
           <a:sym typeface="Arial"/>
         </a:defRPr>
       </a:lvl6pPr>
-      <a:lvl7pPr marL="0" marR="0" indent="914400" algn="ctr" defTabSz="914400" rtl="0" latinLnBrk="0">
+      <a:lvl7pPr marL="0" marR="0" indent="0" algn="ctr" defTabSz="914400" rtl="0" latinLnBrk="0">
         <a:lnSpc>
           <a:spcPct val="100000"/>
         </a:lnSpc>
@@ -888,7 +879,7 @@
         <a:buFontTx/>
         <a:buNone/>
         <a:tabLst/>
-        <a:defRPr sz="4400" b="1" i="0" u="none" strike="noStrike" cap="none" spc="0" baseline="0">
+        <a:defRPr b="1" baseline="0" cap="none" i="0" spc="0" strike="noStrike" sz="4400" u="none">
           <a:ln>
             <a:noFill/>
           </a:ln>
@@ -902,7 +893,7 @@
           <a:sym typeface="Arial"/>
         </a:defRPr>
       </a:lvl7pPr>
-      <a:lvl8pPr marL="0" marR="0" indent="1371600" algn="ctr" defTabSz="914400" rtl="0" latinLnBrk="0">
+      <a:lvl8pPr marL="0" marR="0" indent="0" algn="ctr" defTabSz="914400" rtl="0" latinLnBrk="0">
         <a:lnSpc>
           <a:spcPct val="100000"/>
         </a:lnSpc>
@@ -917,7 +908,7 @@
         <a:buFontTx/>
         <a:buNone/>
         <a:tabLst/>
-        <a:defRPr sz="4400" b="1" i="0" u="none" strike="noStrike" cap="none" spc="0" baseline="0">
+        <a:defRPr b="1" baseline="0" cap="none" i="0" spc="0" strike="noStrike" sz="4400" u="none">
           <a:ln>
             <a:noFill/>
           </a:ln>
@@ -931,7 +922,7 @@
           <a:sym typeface="Arial"/>
         </a:defRPr>
       </a:lvl8pPr>
-      <a:lvl9pPr marL="0" marR="0" indent="1828800" algn="ctr" defTabSz="914400" rtl="0" latinLnBrk="0">
+      <a:lvl9pPr marL="0" marR="0" indent="0" algn="ctr" defTabSz="914400" rtl="0" latinLnBrk="0">
         <a:lnSpc>
           <a:spcPct val="100000"/>
         </a:lnSpc>
@@ -946,7 +937,7 @@
         <a:buFontTx/>
         <a:buNone/>
         <a:tabLst/>
-        <a:defRPr sz="4400" b="1" i="0" u="none" strike="noStrike" cap="none" spc="0" baseline="0">
+        <a:defRPr b="1" baseline="0" cap="none" i="0" spc="0" strike="noStrike" sz="4400" u="none">
           <a:ln>
             <a:noFill/>
           </a:ln>
@@ -977,7 +968,7 @@
         <a:buFontTx/>
         <a:buChar char="»"/>
         <a:tabLst/>
-        <a:defRPr sz="3200" b="0" i="0" u="none" strike="noStrike" cap="none" spc="0" baseline="0">
+        <a:defRPr b="0" baseline="0" cap="none" i="0" spc="0" strike="noStrike" sz="3200" u="none">
           <a:ln>
             <a:noFill/>
           </a:ln>
@@ -1006,7 +997,7 @@
         <a:buFontTx/>
         <a:buChar char="–"/>
         <a:tabLst/>
-        <a:defRPr sz="3200" b="0" i="0" u="none" strike="noStrike" cap="none" spc="0" baseline="0">
+        <a:defRPr b="0" baseline="0" cap="none" i="0" spc="0" strike="noStrike" sz="3200" u="none">
           <a:ln>
             <a:noFill/>
           </a:ln>
@@ -1035,7 +1026,7 @@
         <a:buFontTx/>
         <a:buChar char="•"/>
         <a:tabLst/>
-        <a:defRPr sz="3200" b="0" i="0" u="none" strike="noStrike" cap="none" spc="0" baseline="0">
+        <a:defRPr b="0" baseline="0" cap="none" i="0" spc="0" strike="noStrike" sz="3200" u="none">
           <a:ln>
             <a:noFill/>
           </a:ln>
@@ -1064,7 +1055,7 @@
         <a:buFontTx/>
         <a:buChar char="–"/>
         <a:tabLst/>
-        <a:defRPr sz="3200" b="0" i="0" u="none" strike="noStrike" cap="none" spc="0" baseline="0">
+        <a:defRPr b="0" baseline="0" cap="none" i="0" spc="0" strike="noStrike" sz="3200" u="none">
           <a:ln>
             <a:noFill/>
           </a:ln>
@@ -1093,7 +1084,7 @@
         <a:buFontTx/>
         <a:buChar char="»"/>
         <a:tabLst/>
-        <a:defRPr sz="3200" b="0" i="0" u="none" strike="noStrike" cap="none" spc="0" baseline="0">
+        <a:defRPr b="0" baseline="0" cap="none" i="0" spc="0" strike="noStrike" sz="3200" u="none">
           <a:ln>
             <a:noFill/>
           </a:ln>
@@ -1107,7 +1098,7 @@
           <a:sym typeface="Times New Roman"/>
         </a:defRPr>
       </a:lvl5pPr>
-      <a:lvl6pPr marL="2692400" marR="0" indent="-406400" algn="l" defTabSz="914400" rtl="0" latinLnBrk="0">
+      <a:lvl6pPr marL="0" marR="0" indent="2286000" algn="l" defTabSz="914400" rtl="0" latinLnBrk="0">
         <a:lnSpc>
           <a:spcPct val="100000"/>
         </a:lnSpc>
@@ -1118,11 +1109,11 @@
           <a:spcPts val="0"/>
         </a:spcAft>
         <a:buClrTx/>
-        <a:buSzPct val="100000"/>
+        <a:buSzTx/>
         <a:buFontTx/>
-        <a:buChar char=""/>
+        <a:buNone/>
         <a:tabLst/>
-        <a:defRPr sz="3200" b="0" i="0" u="none" strike="noStrike" cap="none" spc="0" baseline="0">
+        <a:defRPr b="0" baseline="0" cap="none" i="0" spc="0" strike="noStrike" sz="3200" u="none">
           <a:ln>
             <a:noFill/>
           </a:ln>
@@ -1136,7 +1127,7 @@
           <a:sym typeface="Times New Roman"/>
         </a:defRPr>
       </a:lvl6pPr>
-      <a:lvl7pPr marL="3149600" marR="0" indent="-406400" algn="l" defTabSz="914400" rtl="0" latinLnBrk="0">
+      <a:lvl7pPr marL="0" marR="0" indent="2743200" algn="l" defTabSz="914400" rtl="0" latinLnBrk="0">
         <a:lnSpc>
           <a:spcPct val="100000"/>
         </a:lnSpc>
@@ -1147,11 +1138,11 @@
           <a:spcPts val="0"/>
         </a:spcAft>
         <a:buClrTx/>
-        <a:buSzPct val="100000"/>
+        <a:buSzTx/>
         <a:buFontTx/>
-        <a:buChar char=""/>
+        <a:buNone/>
         <a:tabLst/>
-        <a:defRPr sz="3200" b="0" i="0" u="none" strike="noStrike" cap="none" spc="0" baseline="0">
+        <a:defRPr b="0" baseline="0" cap="none" i="0" spc="0" strike="noStrike" sz="3200" u="none">
           <a:ln>
             <a:noFill/>
           </a:ln>
@@ -1165,7 +1156,7 @@
           <a:sym typeface="Times New Roman"/>
         </a:defRPr>
       </a:lvl7pPr>
-      <a:lvl8pPr marL="3606800" marR="0" indent="-406400" algn="l" defTabSz="914400" rtl="0" latinLnBrk="0">
+      <a:lvl8pPr marL="0" marR="0" indent="3200400" algn="l" defTabSz="914400" rtl="0" latinLnBrk="0">
         <a:lnSpc>
           <a:spcPct val="100000"/>
         </a:lnSpc>
@@ -1176,11 +1167,11 @@
           <a:spcPts val="0"/>
         </a:spcAft>
         <a:buClrTx/>
-        <a:buSzPct val="100000"/>
+        <a:buSzTx/>
         <a:buFontTx/>
-        <a:buChar char=""/>
+        <a:buNone/>
         <a:tabLst/>
-        <a:defRPr sz="3200" b="0" i="0" u="none" strike="noStrike" cap="none" spc="0" baseline="0">
+        <a:defRPr b="0" baseline="0" cap="none" i="0" spc="0" strike="noStrike" sz="3200" u="none">
           <a:ln>
             <a:noFill/>
           </a:ln>
@@ -1194,7 +1185,7 @@
           <a:sym typeface="Times New Roman"/>
         </a:defRPr>
       </a:lvl8pPr>
-      <a:lvl9pPr marL="4064000" marR="0" indent="-406400" algn="l" defTabSz="914400" rtl="0" latinLnBrk="0">
+      <a:lvl9pPr marL="0" marR="0" indent="3657600" algn="l" defTabSz="914400" rtl="0" latinLnBrk="0">
         <a:lnSpc>
           <a:spcPct val="100000"/>
         </a:lnSpc>
@@ -1205,11 +1196,11 @@
           <a:spcPts val="0"/>
         </a:spcAft>
         <a:buClrTx/>
-        <a:buSzPct val="100000"/>
+        <a:buSzTx/>
         <a:buFontTx/>
-        <a:buChar char=""/>
+        <a:buNone/>
         <a:tabLst/>
-        <a:defRPr sz="3200" b="0" i="0" u="none" strike="noStrike" cap="none" spc="0" baseline="0">
+        <a:defRPr b="0" baseline="0" cap="none" i="0" spc="0" strike="noStrike" sz="3200" u="none">
           <a:ln>
             <a:noFill/>
           </a:ln>
@@ -1240,7 +1231,7 @@
         <a:buFontTx/>
         <a:buNone/>
         <a:tabLst/>
-        <a:defRPr sz="1400" b="0" i="0" u="none" strike="noStrike" cap="none" spc="0" baseline="0">
+        <a:defRPr b="0" baseline="0" cap="none" i="0" spc="0" strike="noStrike" sz="1400" u="none">
           <a:ln>
             <a:noFill/>
           </a:ln>
@@ -1254,7 +1245,7 @@
           <a:sym typeface="Times New Roman"/>
         </a:defRPr>
       </a:lvl1pPr>
-      <a:lvl2pPr marL="0" marR="0" indent="457200" algn="r" defTabSz="457200" rtl="0" latinLnBrk="0">
+      <a:lvl2pPr marL="0" marR="0" indent="0" algn="r" defTabSz="457200" rtl="0" latinLnBrk="0">
         <a:lnSpc>
           <a:spcPct val="100000"/>
         </a:lnSpc>
@@ -1269,7 +1260,7 @@
         <a:buFontTx/>
         <a:buNone/>
         <a:tabLst/>
-        <a:defRPr sz="1400" b="0" i="0" u="none" strike="noStrike" cap="none" spc="0" baseline="0">
+        <a:defRPr b="0" baseline="0" cap="none" i="0" spc="0" strike="noStrike" sz="1400" u="none">
           <a:ln>
             <a:noFill/>
           </a:ln>
@@ -1283,7 +1274,7 @@
           <a:sym typeface="Times New Roman"/>
         </a:defRPr>
       </a:lvl2pPr>
-      <a:lvl3pPr marL="0" marR="0" indent="914400" algn="r" defTabSz="457200" rtl="0" latinLnBrk="0">
+      <a:lvl3pPr marL="0" marR="0" indent="0" algn="r" defTabSz="457200" rtl="0" latinLnBrk="0">
         <a:lnSpc>
           <a:spcPct val="100000"/>
         </a:lnSpc>
@@ -1298,7 +1289,7 @@
         <a:buFontTx/>
         <a:buNone/>
         <a:tabLst/>
-        <a:defRPr sz="1400" b="0" i="0" u="none" strike="noStrike" cap="none" spc="0" baseline="0">
+        <a:defRPr b="0" baseline="0" cap="none" i="0" spc="0" strike="noStrike" sz="1400" u="none">
           <a:ln>
             <a:noFill/>
           </a:ln>
@@ -1312,7 +1303,7 @@
           <a:sym typeface="Times New Roman"/>
         </a:defRPr>
       </a:lvl3pPr>
-      <a:lvl4pPr marL="0" marR="0" indent="1371600" algn="r" defTabSz="457200" rtl="0" latinLnBrk="0">
+      <a:lvl4pPr marL="0" marR="0" indent="0" algn="r" defTabSz="457200" rtl="0" latinLnBrk="0">
         <a:lnSpc>
           <a:spcPct val="100000"/>
         </a:lnSpc>
@@ -1327,7 +1318,7 @@
         <a:buFontTx/>
         <a:buNone/>
         <a:tabLst/>
-        <a:defRPr sz="1400" b="0" i="0" u="none" strike="noStrike" cap="none" spc="0" baseline="0">
+        <a:defRPr b="0" baseline="0" cap="none" i="0" spc="0" strike="noStrike" sz="1400" u="none">
           <a:ln>
             <a:noFill/>
           </a:ln>
@@ -1341,7 +1332,7 @@
           <a:sym typeface="Times New Roman"/>
         </a:defRPr>
       </a:lvl4pPr>
-      <a:lvl5pPr marL="0" marR="0" indent="1828800" algn="r" defTabSz="457200" rtl="0" latinLnBrk="0">
+      <a:lvl5pPr marL="0" marR="0" indent="0" algn="r" defTabSz="457200" rtl="0" latinLnBrk="0">
         <a:lnSpc>
           <a:spcPct val="100000"/>
         </a:lnSpc>
@@ -1356,7 +1347,7 @@
         <a:buFontTx/>
         <a:buNone/>
         <a:tabLst/>
-        <a:defRPr sz="1400" b="0" i="0" u="none" strike="noStrike" cap="none" spc="0" baseline="0">
+        <a:defRPr b="0" baseline="0" cap="none" i="0" spc="0" strike="noStrike" sz="1400" u="none">
           <a:ln>
             <a:noFill/>
           </a:ln>
@@ -1385,7 +1376,7 @@
         <a:buFontTx/>
         <a:buNone/>
         <a:tabLst/>
-        <a:defRPr sz="1400" b="0" i="0" u="none" strike="noStrike" cap="none" spc="0" baseline="0">
+        <a:defRPr b="0" baseline="0" cap="none" i="0" spc="0" strike="noStrike" sz="1400" u="none">
           <a:ln>
             <a:noFill/>
           </a:ln>
@@ -1414,7 +1405,7 @@
         <a:buFontTx/>
         <a:buNone/>
         <a:tabLst/>
-        <a:defRPr sz="1400" b="0" i="0" u="none" strike="noStrike" cap="none" spc="0" baseline="0">
+        <a:defRPr b="0" baseline="0" cap="none" i="0" spc="0" strike="noStrike" sz="1400" u="none">
           <a:ln>
             <a:noFill/>
           </a:ln>
@@ -1443,7 +1434,7 @@
         <a:buFontTx/>
         <a:buNone/>
         <a:tabLst/>
-        <a:defRPr sz="1400" b="0" i="0" u="none" strike="noStrike" cap="none" spc="0" baseline="0">
+        <a:defRPr b="0" baseline="0" cap="none" i="0" spc="0" strike="noStrike" sz="1400" u="none">
           <a:ln>
             <a:noFill/>
           </a:ln>
@@ -1472,7 +1463,7 @@
         <a:buFontTx/>
         <a:buNone/>
         <a:tabLst/>
-        <a:defRPr sz="1400" b="0" i="0" u="none" strike="noStrike" cap="none" spc="0" baseline="0">
+        <a:defRPr b="0" baseline="0" cap="none" i="0" spc="0" strike="noStrike" sz="1400" u="none">
           <a:ln>
             <a:noFill/>
           </a:ln>
@@ -1492,7 +1483,7 @@
 </file>
 
 <file path=ppt/slides/slide1.xml><?xml version="1.0" encoding="utf-8"?>
-<p:sld xmlns:a="http://schemas.openxmlformats.org/drawingml/2006/main" xmlns:r="http://schemas.openxmlformats.org/officeDocument/2006/relationships" xmlns:p="http://schemas.openxmlformats.org/presentationml/2006/main">
+<p:sld xmlns:a="http://schemas.openxmlformats.org/drawingml/2006/main" xmlns:r="http://schemas.openxmlformats.org/officeDocument/2006/relationships" xmlns:p="http://schemas.openxmlformats.org/presentationml/2006/main" xmlns:m="http://schemas.openxmlformats.org/officeDocument/2006/math" xmlns:a14="http://schemas.microsoft.com/office/drawing/2010/main" showMasterSp="1" showMasterPhAnim="1">
   <p:cSld>
     <p:spTree>
       <p:nvGrpSpPr>
@@ -1511,9 +1502,7 @@
       <p:sp>
         <p:nvSpPr>
           <p:cNvPr id="20" name="CSCI230 – Java GUI Final Project Report"/>
-          <p:cNvSpPr txBox="1">
-            <a:spLocks noGrp="1"/>
-          </p:cNvSpPr>
+          <p:cNvSpPr txBox="1"/>
           <p:nvPr>
             <p:ph type="title" idx="4294967295"/>
           </p:nvPr>
@@ -1529,7 +1518,7 @@
         </p:spPr>
         <p:txBody>
           <a:bodyPr>
-            <a:normAutofit/>
+            <a:normAutofit fontScale="100000" lnSpcReduction="0"/>
           </a:bodyPr>
           <a:lstStyle/>
           <a:p>
@@ -1545,16 +1534,13 @@
             </a:r>
             <a:br/>
             <a:br/>
-            <a:endParaRPr/>
           </a:p>
         </p:txBody>
       </p:sp>
       <p:sp>
         <p:nvSpPr>
           <p:cNvPr id="21" name="Very Cool Project #1"/>
-          <p:cNvSpPr txBox="1">
-            <a:spLocks noGrp="1"/>
-          </p:cNvSpPr>
+          <p:cNvSpPr txBox="1"/>
           <p:nvPr>
             <p:ph type="body" sz="half" idx="4294967295"/>
           </p:nvPr>
@@ -1570,7 +1556,7 @@
         </p:spPr>
         <p:txBody>
           <a:bodyPr>
-            <a:normAutofit/>
+            <a:normAutofit fontScale="100000" lnSpcReduction="0"/>
           </a:bodyPr>
           <a:lstStyle>
             <a:lvl1pPr marL="0" indent="0" algn="ctr">
@@ -1583,8 +1569,9 @@
             </a:lvl1pPr>
           </a:lstStyle>
           <a:p>
-            <a:r>
-              <a:t>Very Cool Project #1</a:t>
+            <a:pPr/>
+            <a:r>
+              <a:t>SWINGy Box</a:t>
             </a:r>
           </a:p>
         </p:txBody>
@@ -1594,12 +1581,139 @@
   <p:clrMapOvr>
     <a:masterClrMapping/>
   </p:clrMapOvr>
-  <p:transition spd="med"/>
+  <p:transition xmlns:p14="http://schemas.microsoft.com/office/powerpoint/2010/main" spd="med" advClick="1"/>
+</p:sld>
+</file>
+
+<file path=ppt/slides/slide10.xml><?xml version="1.0" encoding="utf-8"?>
+<p:sld xmlns:a="http://schemas.openxmlformats.org/drawingml/2006/main" xmlns:r="http://schemas.openxmlformats.org/officeDocument/2006/relationships" xmlns:p="http://schemas.openxmlformats.org/presentationml/2006/main" xmlns:m="http://schemas.openxmlformats.org/officeDocument/2006/math" xmlns:a14="http://schemas.microsoft.com/office/drawing/2010/main" showMasterSp="1" showMasterPhAnim="1">
+  <p:cSld>
+    <p:spTree>
+      <p:nvGrpSpPr>
+        <p:cNvPr id="1" name=""/>
+        <p:cNvGrpSpPr/>
+        <p:nvPr/>
+      </p:nvGrpSpPr>
+      <p:grpSpPr>
+        <a:xfrm>
+          <a:off x="0" y="0"/>
+          <a:ext cx="0" cy="0"/>
+          <a:chOff x="0" y="0"/>
+          <a:chExt cx="0" cy="0"/>
+        </a:xfrm>
+      </p:grpSpPr>
+      <p:sp>
+        <p:nvSpPr>
+          <p:cNvPr id="91" name="Main Window Screen Capture"/>
+          <p:cNvSpPr txBox="1"/>
+          <p:nvPr>
+            <p:ph type="title" idx="4294967295"/>
+          </p:nvPr>
+        </p:nvSpPr>
+        <p:spPr>
+          <a:xfrm>
+            <a:off x="685800" y="362764"/>
+            <a:ext cx="7772400" cy="1143003"/>
+          </a:xfrm>
+          <a:prstGeom prst="rect">
+            <a:avLst/>
+          </a:prstGeom>
+        </p:spPr>
+        <p:txBody>
+          <a:bodyPr>
+            <a:normAutofit fontScale="100000" lnSpcReduction="0"/>
+          </a:bodyPr>
+          <a:lstStyle>
+            <a:lvl1pPr>
+              <a:defRPr sz="4000"/>
+            </a:lvl1pPr>
+          </a:lstStyle>
+          <a:p>
+            <a:pPr/>
+            <a:r>
+              <a:t>Pause Screen</a:t>
+            </a:r>
+          </a:p>
+        </p:txBody>
+      </p:sp>
+      <p:sp>
+        <p:nvSpPr>
+          <p:cNvPr id="92" name="Rectangle"/>
+          <p:cNvSpPr/>
+          <p:nvPr/>
+        </p:nvSpPr>
+        <p:spPr>
+          <a:xfrm>
+            <a:off x="532217" y="1700615"/>
+            <a:ext cx="8079566" cy="4791011"/>
+          </a:xfrm>
+          <a:prstGeom prst="rect">
+            <a:avLst/>
+          </a:prstGeom>
+          <a:solidFill>
+            <a:srgbClr val="FFFFFF"/>
+          </a:solidFill>
+          <a:ln w="25400">
+            <a:solidFill>
+              <a:schemeClr val="accent1"/>
+            </a:solidFill>
+          </a:ln>
+        </p:spPr>
+        <p:txBody>
+          <a:bodyPr lIns="45718" tIns="45718" rIns="45718" bIns="45718"/>
+          <a:lstStyle/>
+          <a:p>
+            <a:pPr>
+              <a:defRPr>
+                <a:latin typeface="Times New Roman"/>
+                <a:ea typeface="Times New Roman"/>
+                <a:cs typeface="Times New Roman"/>
+                <a:sym typeface="Times New Roman"/>
+              </a:defRPr>
+            </a:pPr>
+          </a:p>
+        </p:txBody>
+      </p:sp>
+      <p:pic>
+        <p:nvPicPr>
+          <p:cNvPr id="93" name="Screen Shot 2019-05-24 at 10.09.19 PM.png" descr="Screen Shot 2019-05-24 at 10.09.19 PM.png"/>
+          <p:cNvPicPr>
+            <a:picLocks noChangeAspect="1"/>
+          </p:cNvPicPr>
+          <p:nvPr/>
+        </p:nvPicPr>
+        <p:blipFill>
+          <a:blip r:embed="rId2">
+            <a:extLst/>
+          </a:blip>
+          <a:stretch>
+            <a:fillRect/>
+          </a:stretch>
+        </p:blipFill>
+        <p:spPr>
+          <a:xfrm>
+            <a:off x="-1" y="1421261"/>
+            <a:ext cx="9144001" cy="5609897"/>
+          </a:xfrm>
+          <a:prstGeom prst="rect">
+            <a:avLst/>
+          </a:prstGeom>
+          <a:ln w="12700">
+            <a:miter lim="400000"/>
+          </a:ln>
+        </p:spPr>
+      </p:pic>
+    </p:spTree>
+  </p:cSld>
+  <p:clrMapOvr>
+    <a:masterClrMapping/>
+  </p:clrMapOvr>
+  <p:transition xmlns:p14="http://schemas.microsoft.com/office/powerpoint/2010/main" spd="med" advClick="1"/>
 </p:sld>
 </file>
 
 <file path=ppt/slides/slide2.xml><?xml version="1.0" encoding="utf-8"?>
-<p:sld xmlns:a="http://schemas.openxmlformats.org/drawingml/2006/main" xmlns:r="http://schemas.openxmlformats.org/officeDocument/2006/relationships" xmlns:p="http://schemas.openxmlformats.org/presentationml/2006/main">
+<p:sld xmlns:a="http://schemas.openxmlformats.org/drawingml/2006/main" xmlns:r="http://schemas.openxmlformats.org/officeDocument/2006/relationships" xmlns:p="http://schemas.openxmlformats.org/presentationml/2006/main" xmlns:m="http://schemas.openxmlformats.org/officeDocument/2006/math" xmlns:a14="http://schemas.microsoft.com/office/drawing/2010/main" showMasterSp="1" showMasterPhAnim="1">
   <p:cSld>
     <p:spTree>
       <p:nvGrpSpPr>
@@ -1618,17 +1732,15 @@
       <p:sp>
         <p:nvSpPr>
           <p:cNvPr id="23" name="Topics"/>
-          <p:cNvSpPr txBox="1">
-            <a:spLocks noGrp="1"/>
-          </p:cNvSpPr>
+          <p:cNvSpPr txBox="1"/>
           <p:nvPr>
             <p:ph type="title" idx="4294967295"/>
           </p:nvPr>
         </p:nvSpPr>
         <p:spPr>
           <a:xfrm>
-            <a:off x="685800" y="609599"/>
-            <a:ext cx="7772400" cy="1143002"/>
+            <a:off x="685800" y="609598"/>
+            <a:ext cx="7772400" cy="1143003"/>
           </a:xfrm>
           <a:prstGeom prst="rect">
             <a:avLst/>
@@ -1636,7 +1748,7 @@
         </p:spPr>
         <p:txBody>
           <a:bodyPr>
-            <a:normAutofit/>
+            <a:normAutofit fontScale="100000" lnSpcReduction="0"/>
           </a:bodyPr>
           <a:lstStyle>
             <a:lvl1pPr>
@@ -1644,6 +1756,7 @@
             </a:lvl1pPr>
           </a:lstStyle>
           <a:p>
+            <a:pPr/>
             <a:r>
               <a:t>Topics</a:t>
             </a:r>
@@ -1653,9 +1766,7 @@
       <p:sp>
         <p:nvSpPr>
           <p:cNvPr id="24" name="Project Overview…"/>
-          <p:cNvSpPr txBox="1">
-            <a:spLocks noGrp="1"/>
-          </p:cNvSpPr>
+          <p:cNvSpPr txBox="1"/>
           <p:nvPr>
             <p:ph type="body" idx="4294967295"/>
           </p:nvPr>
@@ -1671,7 +1782,7 @@
         </p:spPr>
         <p:txBody>
           <a:bodyPr>
-            <a:normAutofit/>
+            <a:normAutofit fontScale="100000" lnSpcReduction="0"/>
           </a:bodyPr>
           <a:lstStyle/>
           <a:p>
@@ -1729,12 +1840,12 @@
   <p:clrMapOvr>
     <a:masterClrMapping/>
   </p:clrMapOvr>
-  <p:transition spd="med"/>
+  <p:transition xmlns:p14="http://schemas.microsoft.com/office/powerpoint/2010/main" spd="med" advClick="1"/>
 </p:sld>
 </file>
 
 <file path=ppt/slides/slide3.xml><?xml version="1.0" encoding="utf-8"?>
-<p:sld xmlns:a="http://schemas.openxmlformats.org/drawingml/2006/main" xmlns:r="http://schemas.openxmlformats.org/officeDocument/2006/relationships" xmlns:p="http://schemas.openxmlformats.org/presentationml/2006/main">
+<p:sld xmlns:a="http://schemas.openxmlformats.org/drawingml/2006/main" xmlns:r="http://schemas.openxmlformats.org/officeDocument/2006/relationships" xmlns:p="http://schemas.openxmlformats.org/presentationml/2006/main" xmlns:m="http://schemas.openxmlformats.org/officeDocument/2006/math" xmlns:a14="http://schemas.microsoft.com/office/drawing/2010/main" showMasterSp="1" showMasterPhAnim="1">
   <p:cSld>
     <p:spTree>
       <p:nvGrpSpPr>
@@ -1753,17 +1864,15 @@
       <p:sp>
         <p:nvSpPr>
           <p:cNvPr id="26" name="Project Overview"/>
-          <p:cNvSpPr txBox="1">
-            <a:spLocks noGrp="1"/>
-          </p:cNvSpPr>
+          <p:cNvSpPr txBox="1"/>
           <p:nvPr>
             <p:ph type="title" idx="4294967295"/>
           </p:nvPr>
         </p:nvSpPr>
         <p:spPr>
           <a:xfrm>
-            <a:off x="685800" y="609599"/>
-            <a:ext cx="7772400" cy="1143002"/>
+            <a:off x="685800" y="609598"/>
+            <a:ext cx="7772400" cy="1143003"/>
           </a:xfrm>
           <a:prstGeom prst="rect">
             <a:avLst/>
@@ -1771,7 +1880,7 @@
         </p:spPr>
         <p:txBody>
           <a:bodyPr>
-            <a:normAutofit/>
+            <a:normAutofit fontScale="100000" lnSpcReduction="0"/>
           </a:bodyPr>
           <a:lstStyle>
             <a:lvl1pPr>
@@ -1779,6 +1888,7 @@
             </a:lvl1pPr>
           </a:lstStyle>
           <a:p>
+            <a:pPr/>
             <a:r>
               <a:t>Project Overview</a:t>
             </a:r>
@@ -1788,9 +1898,7 @@
       <p:sp>
         <p:nvSpPr>
           <p:cNvPr id="27" name="Project Name:…"/>
-          <p:cNvSpPr txBox="1">
-            <a:spLocks noGrp="1"/>
-          </p:cNvSpPr>
+          <p:cNvSpPr txBox="1"/>
           <p:nvPr>
             <p:ph type="body" idx="4294967295"/>
           </p:nvPr>
@@ -1806,7 +1914,7 @@
         </p:spPr>
         <p:txBody>
           <a:bodyPr>
-            <a:normAutofit/>
+            <a:normAutofit fontScale="100000" lnSpcReduction="0"/>
           </a:bodyPr>
           <a:lstStyle/>
           <a:p>
@@ -1814,20 +1922,18 @@
               <a:buChar char="•"/>
             </a:pPr>
             <a:r>
-              <a:rPr dirty="0"/>
               <a:t>Project Name: </a:t>
             </a:r>
           </a:p>
           <a:p>
-            <a:pPr marL="742950" lvl="1" indent="-285750">
+            <a:pPr lvl="1" marL="742950" indent="-285750">
               <a:spcBef>
                 <a:spcPts val="0"/>
               </a:spcBef>
               <a:defRPr sz="2400"/>
             </a:pPr>
             <a:r>
-              <a:rPr dirty="0"/>
-              <a:t>Very Cool Project #1</a:t>
+              <a:t>SWINGy Box</a:t>
             </a:r>
           </a:p>
           <a:p>
@@ -1835,45 +1941,32 @@
               <a:buChar char="•"/>
             </a:pPr>
             <a:r>
-              <a:rPr dirty="0"/>
               <a:t>Group Members and Responsibilities</a:t>
             </a:r>
           </a:p>
           <a:p>
-            <a:pPr marL="742950" lvl="1" indent="-285750">
+            <a:pPr lvl="1" marL="742950" indent="-285750">
               <a:spcBef>
                 <a:spcPts val="0"/>
               </a:spcBef>
               <a:defRPr sz="2400"/>
             </a:pPr>
             <a:r>
-              <a:rPr dirty="0"/>
               <a:t>Jacob Larson: </a:t>
             </a:r>
             <a:r>
-              <a:rPr lang="en-US" dirty="0"/>
               <a:t>Physics, Entity and Texture Classes</a:t>
             </a:r>
-            <a:endParaRPr dirty="0"/>
-          </a:p>
-          <a:p>
-            <a:pPr marL="742950" lvl="1" indent="-285750">
+          </a:p>
+          <a:p>
+            <a:pPr lvl="1" marL="742950" indent="-285750">
               <a:spcBef>
                 <a:spcPts val="0"/>
               </a:spcBef>
               <a:defRPr sz="2400"/>
             </a:pPr>
             <a:r>
-              <a:rPr dirty="0"/>
-              <a:t>Cameron </a:t>
-            </a:r>
-            <a:r>
-              <a:rPr dirty="0" err="1"/>
-              <a:t>Grigoriadis</a:t>
-            </a:r>
-            <a:r>
-              <a:rPr dirty="0"/>
-              <a:t>: Responsible for ….</a:t>
+              <a:t>Cameron Grigoriadis: Game Modeling, Overlay UI, Game State</a:t>
             </a:r>
           </a:p>
           <a:p>
@@ -1881,19 +1974,17 @@
               <a:buChar char="•"/>
             </a:pPr>
             <a:r>
-              <a:rPr dirty="0"/>
               <a:t>Project Functionality Description:</a:t>
             </a:r>
           </a:p>
           <a:p>
-            <a:pPr marL="742950" lvl="1" indent="-285750">
+            <a:pPr lvl="1" marL="742950" indent="-285750">
               <a:spcBef>
                 <a:spcPts val="0"/>
               </a:spcBef>
               <a:defRPr sz="2800"/>
             </a:pPr>
             <a:r>
-              <a:rPr dirty="0"/>
               <a:t>This project is a game similar to the viral iOS game Flappy Bird. It features a character controlled by the player that must avoid obstacles to score points and not lose the game.</a:t>
             </a:r>
           </a:p>
@@ -1904,12 +1995,12 @@
   <p:clrMapOvr>
     <a:masterClrMapping/>
   </p:clrMapOvr>
-  <p:transition spd="med"/>
+  <p:transition xmlns:p14="http://schemas.microsoft.com/office/powerpoint/2010/main" spd="med" advClick="1"/>
 </p:sld>
 </file>
 
 <file path=ppt/slides/slide4.xml><?xml version="1.0" encoding="utf-8"?>
-<p:sld xmlns:a="http://schemas.openxmlformats.org/drawingml/2006/main" xmlns:r="http://schemas.openxmlformats.org/officeDocument/2006/relationships" xmlns:p="http://schemas.openxmlformats.org/presentationml/2006/main">
+<p:sld xmlns:a="http://schemas.openxmlformats.org/drawingml/2006/main" xmlns:r="http://schemas.openxmlformats.org/officeDocument/2006/relationships" xmlns:p="http://schemas.openxmlformats.org/presentationml/2006/main" xmlns:m="http://schemas.openxmlformats.org/officeDocument/2006/math" xmlns:a14="http://schemas.microsoft.com/office/drawing/2010/main" showMasterSp="1" showMasterPhAnim="1">
   <p:cSld>
     <p:spTree>
       <p:nvGrpSpPr>
@@ -1928,17 +2019,15 @@
       <p:sp>
         <p:nvSpPr>
           <p:cNvPr id="29" name="Main Window Screen Capture"/>
-          <p:cNvSpPr txBox="1">
-            <a:spLocks noGrp="1"/>
-          </p:cNvSpPr>
+          <p:cNvSpPr txBox="1"/>
           <p:nvPr>
             <p:ph type="title" idx="4294967295"/>
           </p:nvPr>
         </p:nvSpPr>
         <p:spPr>
           <a:xfrm>
-            <a:off x="685800" y="609599"/>
-            <a:ext cx="7772400" cy="1143002"/>
+            <a:off x="685800" y="362764"/>
+            <a:ext cx="7772401" cy="1143003"/>
           </a:xfrm>
           <a:prstGeom prst="rect">
             <a:avLst/>
@@ -1946,7 +2035,7 @@
         </p:spPr>
         <p:txBody>
           <a:bodyPr>
-            <a:normAutofit/>
+            <a:normAutofit fontScale="100000" lnSpcReduction="0"/>
           </a:bodyPr>
           <a:lstStyle>
             <a:lvl1pPr>
@@ -1954,6 +2043,7 @@
             </a:lvl1pPr>
           </a:lstStyle>
           <a:p>
+            <a:pPr/>
             <a:r>
               <a:t>Main Window Screen Capture</a:t>
             </a:r>
@@ -1968,8 +2058,8 @@
         </p:nvSpPr>
         <p:spPr>
           <a:xfrm>
-            <a:off x="532218" y="1700616"/>
-            <a:ext cx="8079564" cy="4791010"/>
+            <a:off x="532217" y="1700616"/>
+            <a:ext cx="8079566" cy="4791010"/>
           </a:xfrm>
           <a:prstGeom prst="rect">
             <a:avLst/>
@@ -1984,24 +2074,60 @@
           </a:ln>
         </p:spPr>
         <p:txBody>
-          <a:bodyPr lIns="45719" rIns="45719"/>
+          <a:bodyPr lIns="45718" tIns="45718" rIns="45718" bIns="45718"/>
           <a:lstStyle/>
           <a:p>
-            <a:endParaRPr/>
+            <a:pPr>
+              <a:defRPr>
+                <a:latin typeface="Times New Roman"/>
+                <a:ea typeface="Times New Roman"/>
+                <a:cs typeface="Times New Roman"/>
+                <a:sym typeface="Times New Roman"/>
+              </a:defRPr>
+            </a:pPr>
           </a:p>
         </p:txBody>
       </p:sp>
+      <p:pic>
+        <p:nvPicPr>
+          <p:cNvPr id="31" name="Screen Shot 2019-05-24 at 10.09.36 PM.png" descr="Screen Shot 2019-05-24 at 10.09.36 PM.png"/>
+          <p:cNvPicPr>
+            <a:picLocks noChangeAspect="1"/>
+          </p:cNvPicPr>
+          <p:nvPr/>
+        </p:nvPicPr>
+        <p:blipFill>
+          <a:blip r:embed="rId2">
+            <a:extLst/>
+          </a:blip>
+          <a:stretch>
+            <a:fillRect/>
+          </a:stretch>
+        </p:blipFill>
+        <p:spPr>
+          <a:xfrm>
+            <a:off x="-1" y="1421261"/>
+            <a:ext cx="9144001" cy="5609897"/>
+          </a:xfrm>
+          <a:prstGeom prst="rect">
+            <a:avLst/>
+          </a:prstGeom>
+          <a:ln w="12700">
+            <a:miter lim="400000"/>
+          </a:ln>
+        </p:spPr>
+      </p:pic>
     </p:spTree>
   </p:cSld>
   <p:clrMapOvr>
     <a:masterClrMapping/>
   </p:clrMapOvr>
-  <p:transition spd="med"/>
+  <p:transition xmlns:p14="http://schemas.microsoft.com/office/powerpoint/2010/main" spd="med" advClick="1"/>
 </p:sld>
 </file>
 
 <file path=ppt/slides/slide5.xml><?xml version="1.0" encoding="utf-8"?>
-<p:sld xmlns:a="http://schemas.openxmlformats.org/drawingml/2006/main" xmlns:r="http://schemas.openxmlformats.org/officeDocument/2006/relationships" xmlns:p="http://schemas.openxmlformats.org/presentationml/2006/main">
+<p:sld xmlns:a="http://schemas.openxmlformats.org/drawingml/2006/main" xmlns:r="http://schemas.openxmlformats.org/officeDocument/2006/relationships" xmlns:p="http://schemas.openxmlformats.org/presentationml/2006/main" xmlns:m="http://schemas.openxmlformats.org/officeDocument/2006/math" xmlns:a14="http://schemas.microsoft.com/office/drawing/2010/main" showMasterSp="1" showMasterPhAnim="1">
   <p:cSld>
     <p:spTree>
       <p:nvGrpSpPr>
@@ -2019,7 +2145,7 @@
       </p:grpSpPr>
       <p:pic>
         <p:nvPicPr>
-          <p:cNvPr id="32" name="Screen Shot 2019-05-23 at 10.23.18 PM.png" descr="Screen Shot 2019-05-23 at 10.23.18 PM.png"/>
+          <p:cNvPr id="33" name="Screen Shot 2019-05-23 at 10.23.18 PM.png" descr="Screen Shot 2019-05-23 at 10.23.18 PM.png"/>
           <p:cNvPicPr>
             <a:picLocks noChangeAspect="1"/>
           </p:cNvPicPr>
@@ -2036,7 +2162,7 @@
         <p:spPr>
           <a:xfrm>
             <a:off x="88900" y="1354685"/>
-            <a:ext cx="8940800" cy="5308601"/>
+            <a:ext cx="8940800" cy="5308602"/>
           </a:xfrm>
           <a:prstGeom prst="rect">
             <a:avLst/>
@@ -2048,10 +2174,8 @@
       </p:pic>
       <p:sp>
         <p:nvSpPr>
-          <p:cNvPr id="33" name="Software Architecture"/>
-          <p:cNvSpPr txBox="1">
-            <a:spLocks noGrp="1"/>
-          </p:cNvSpPr>
+          <p:cNvPr id="34" name="Software Architecture"/>
+          <p:cNvSpPr txBox="1"/>
           <p:nvPr>
             <p:ph type="title" idx="4294967295"/>
           </p:nvPr>
@@ -2067,7 +2191,7 @@
         </p:spPr>
         <p:txBody>
           <a:bodyPr>
-            <a:normAutofit/>
+            <a:normAutofit fontScale="100000" lnSpcReduction="0"/>
           </a:bodyPr>
           <a:lstStyle>
             <a:lvl1pPr>
@@ -2075,6 +2199,7 @@
             </a:lvl1pPr>
           </a:lstStyle>
           <a:p>
+            <a:pPr/>
             <a:r>
               <a:t>Software Architecture</a:t>
             </a:r>
@@ -2083,14 +2208,14 @@
       </p:sp>
       <p:sp>
         <p:nvSpPr>
-          <p:cNvPr id="34" name="Line"/>
+          <p:cNvPr id="35" name="Line"/>
           <p:cNvSpPr/>
           <p:nvPr/>
         </p:nvSpPr>
         <p:spPr>
           <a:xfrm>
-            <a:off x="3142802" y="2797098"/>
-            <a:ext cx="3299463" cy="1"/>
+            <a:off x="3142801" y="2797098"/>
+            <a:ext cx="3299465" cy="2"/>
           </a:xfrm>
           <a:prstGeom prst="line">
             <a:avLst/>
@@ -2103,23 +2228,23 @@
           </a:ln>
         </p:spPr>
         <p:txBody>
-          <a:bodyPr lIns="45719" rIns="45719"/>
+          <a:bodyPr lIns="45718" tIns="45718" rIns="45718" bIns="45718"/>
           <a:lstStyle/>
           <a:p>
-            <a:endParaRPr/>
+            <a:pPr/>
           </a:p>
         </p:txBody>
       </p:sp>
       <p:sp>
         <p:nvSpPr>
-          <p:cNvPr id="35" name="Line"/>
+          <p:cNvPr id="36" name="Line"/>
           <p:cNvSpPr/>
           <p:nvPr/>
         </p:nvSpPr>
         <p:spPr>
           <a:xfrm flipV="1">
-            <a:off x="3142802" y="2114787"/>
-            <a:ext cx="3304626" cy="686108"/>
+            <a:off x="3142801" y="2114787"/>
+            <a:ext cx="3304626" cy="686109"/>
           </a:xfrm>
           <a:prstGeom prst="line">
             <a:avLst/>
@@ -2132,23 +2257,23 @@
           </a:ln>
         </p:spPr>
         <p:txBody>
-          <a:bodyPr lIns="45719" rIns="45719"/>
+          <a:bodyPr lIns="45718" tIns="45718" rIns="45718" bIns="45718"/>
           <a:lstStyle/>
           <a:p>
-            <a:endParaRPr/>
+            <a:pPr/>
           </a:p>
         </p:txBody>
       </p:sp>
       <p:sp>
         <p:nvSpPr>
-          <p:cNvPr id="36" name="Line"/>
+          <p:cNvPr id="37" name="Line"/>
           <p:cNvSpPr/>
           <p:nvPr/>
         </p:nvSpPr>
         <p:spPr>
           <a:xfrm>
-            <a:off x="7254507" y="3118301"/>
-            <a:ext cx="1" cy="517667"/>
+            <a:off x="7254506" y="3118300"/>
+            <a:ext cx="2" cy="517668"/>
           </a:xfrm>
           <a:prstGeom prst="line">
             <a:avLst/>
@@ -2161,23 +2286,23 @@
           </a:ln>
         </p:spPr>
         <p:txBody>
-          <a:bodyPr lIns="45719" rIns="45719"/>
+          <a:bodyPr lIns="45718" tIns="45718" rIns="45718" bIns="45718"/>
           <a:lstStyle/>
           <a:p>
-            <a:endParaRPr/>
+            <a:pPr/>
           </a:p>
         </p:txBody>
       </p:sp>
       <p:sp>
         <p:nvSpPr>
-          <p:cNvPr id="37" name="Line"/>
+          <p:cNvPr id="38" name="Line"/>
           <p:cNvSpPr/>
           <p:nvPr/>
         </p:nvSpPr>
         <p:spPr>
           <a:xfrm flipH="1" flipV="1">
             <a:off x="2710242" y="2914251"/>
-            <a:ext cx="3723516" cy="2363314"/>
+            <a:ext cx="3723516" cy="2363315"/>
           </a:xfrm>
           <a:prstGeom prst="line">
             <a:avLst/>
@@ -2190,23 +2315,23 @@
           </a:ln>
         </p:spPr>
         <p:txBody>
-          <a:bodyPr lIns="45719" rIns="45719"/>
+          <a:bodyPr lIns="45718" tIns="45718" rIns="45718" bIns="45718"/>
           <a:lstStyle/>
           <a:p>
-            <a:endParaRPr/>
+            <a:pPr/>
           </a:p>
         </p:txBody>
       </p:sp>
       <p:sp>
         <p:nvSpPr>
-          <p:cNvPr id="38" name="Line"/>
+          <p:cNvPr id="39" name="Line"/>
           <p:cNvSpPr/>
           <p:nvPr/>
         </p:nvSpPr>
         <p:spPr>
           <a:xfrm flipV="1">
             <a:off x="7254506" y="2314211"/>
-            <a:ext cx="1" cy="405065"/>
+            <a:ext cx="2" cy="405066"/>
           </a:xfrm>
           <a:prstGeom prst="line">
             <a:avLst/>
@@ -2219,23 +2344,23 @@
           </a:ln>
         </p:spPr>
         <p:txBody>
-          <a:bodyPr lIns="45719" rIns="45719"/>
+          <a:bodyPr lIns="45718" tIns="45718" rIns="45718" bIns="45718"/>
           <a:lstStyle/>
           <a:p>
-            <a:endParaRPr/>
+            <a:pPr/>
           </a:p>
         </p:txBody>
       </p:sp>
       <p:sp>
         <p:nvSpPr>
-          <p:cNvPr id="39" name="Line"/>
+          <p:cNvPr id="40" name="Line"/>
           <p:cNvSpPr/>
           <p:nvPr/>
         </p:nvSpPr>
         <p:spPr>
           <a:xfrm flipV="1">
             <a:off x="1623326" y="2989740"/>
-            <a:ext cx="1" cy="1947053"/>
+            <a:ext cx="2" cy="1947054"/>
           </a:xfrm>
           <a:prstGeom prst="line">
             <a:avLst/>
@@ -2248,23 +2373,23 @@
           </a:ln>
         </p:spPr>
         <p:txBody>
-          <a:bodyPr lIns="45719" rIns="45719"/>
+          <a:bodyPr lIns="45718" tIns="45718" rIns="45718" bIns="45718"/>
           <a:lstStyle/>
           <a:p>
-            <a:endParaRPr/>
+            <a:pPr/>
           </a:p>
         </p:txBody>
       </p:sp>
       <p:sp>
         <p:nvSpPr>
-          <p:cNvPr id="40" name="Line"/>
+          <p:cNvPr id="41" name="Line"/>
           <p:cNvSpPr/>
           <p:nvPr/>
         </p:nvSpPr>
         <p:spPr>
           <a:xfrm flipV="1">
-            <a:off x="2064277" y="2892408"/>
-            <a:ext cx="1" cy="969453"/>
+            <a:off x="2210392" y="2127260"/>
+            <a:ext cx="2" cy="405066"/>
           </a:xfrm>
           <a:prstGeom prst="line">
             <a:avLst/>
@@ -2277,188 +2402,279 @@
           </a:ln>
         </p:spPr>
         <p:txBody>
-          <a:bodyPr lIns="45719" rIns="45719"/>
+          <a:bodyPr lIns="45718" tIns="45718" rIns="45718" bIns="45718"/>
           <a:lstStyle/>
           <a:p>
-            <a:endParaRPr/>
+            <a:pPr/>
           </a:p>
         </p:txBody>
       </p:sp>
+      <p:grpSp>
+        <p:nvGrpSpPr>
+          <p:cNvPr id="44" name="CSCI230FinalProject"/>
+          <p:cNvGrpSpPr/>
+          <p:nvPr/>
+        </p:nvGrpSpPr>
+        <p:grpSpPr>
+          <a:xfrm>
+            <a:off x="548913" y="1646943"/>
+            <a:ext cx="3322960" cy="517667"/>
+            <a:chOff x="0" y="0"/>
+            <a:chExt cx="3322959" cy="517665"/>
+          </a:xfrm>
+        </p:grpSpPr>
+        <p:sp>
+          <p:nvSpPr>
+            <p:cNvPr id="42" name="Rounded Rectangle"/>
+            <p:cNvSpPr/>
+            <p:nvPr/>
+          </p:nvSpPr>
+          <p:spPr>
+            <a:xfrm>
+              <a:off x="0" y="0"/>
+              <a:ext cx="3322960" cy="517666"/>
+            </a:xfrm>
+            <a:prstGeom prst="roundRect">
+              <a:avLst>
+                <a:gd name="adj" fmla="val 19557"/>
+              </a:avLst>
+            </a:prstGeom>
+            <a:gradFill flip="none" rotWithShape="1">
+              <a:gsLst>
+                <a:gs pos="0">
+                  <a:schemeClr val="accent5"/>
+                </a:gs>
+                <a:gs pos="100000">
+                  <a:schemeClr val="accent5">
+                    <a:satOff val="-6843"/>
+                    <a:lumOff val="-10705"/>
+                  </a:schemeClr>
+                </a:gs>
+              </a:gsLst>
+              <a:lin ang="16200000" scaled="0"/>
+            </a:gradFill>
+            <a:ln w="12700" cap="flat">
+              <a:noFill/>
+              <a:miter lim="400000"/>
+            </a:ln>
+            <a:effectLst>
+              <a:outerShdw sx="100000" sy="100000" kx="0" ky="0" algn="b" rotWithShape="0" blurRad="38100" dist="20000" dir="5400000">
+                <a:srgbClr val="000000">
+                  <a:alpha val="38000"/>
+                </a:srgbClr>
+              </a:outerShdw>
+            </a:effectLst>
+          </p:spPr>
+          <p:txBody>
+            <a:bodyPr wrap="square" lIns="45718" tIns="45718" rIns="45718" bIns="45718" numCol="1" anchor="ctr">
+              <a:noAutofit/>
+            </a:bodyPr>
+            <a:lstStyle/>
+            <a:p>
+              <a:pPr algn="ctr">
+                <a:defRPr b="1" sz="1800">
+                  <a:solidFill>
+                    <a:srgbClr val="FFFFFF"/>
+                  </a:solidFill>
+                  <a:latin typeface="Arial"/>
+                  <a:ea typeface="Arial"/>
+                  <a:cs typeface="Arial"/>
+                  <a:sym typeface="Arial"/>
+                </a:defRPr>
+              </a:pPr>
+            </a:p>
+          </p:txBody>
+        </p:sp>
+        <p:sp>
+          <p:nvSpPr>
+            <p:cNvPr id="43" name="CSCI230FinalProject"/>
+            <p:cNvSpPr txBox="1"/>
+            <p:nvPr/>
+          </p:nvSpPr>
+          <p:spPr>
+            <a:xfrm>
+              <a:off x="29651" y="83502"/>
+              <a:ext cx="3263658" cy="350661"/>
+            </a:xfrm>
+            <a:prstGeom prst="rect">
+              <a:avLst/>
+            </a:prstGeom>
+            <a:noFill/>
+            <a:ln w="12700" cap="flat">
+              <a:noFill/>
+              <a:miter lim="400000"/>
+            </a:ln>
+            <a:effectLst/>
+            <a:extLst>
+              <a:ext uri="{C572A759-6A51-4108-AA02-DFA0A04FC94B}">
+                <ma14:wrappingTextBoxFlag xmlns:ma14="http://schemas.microsoft.com/office/mac/drawingml/2011/main" val="1"/>
+              </a:ext>
+            </a:extLst>
+          </p:spPr>
+          <p:txBody>
+            <a:bodyPr wrap="square" lIns="45718" tIns="45718" rIns="45718" bIns="45718" numCol="1" anchor="ctr">
+              <a:spAutoFit/>
+            </a:bodyPr>
+            <a:lstStyle>
+              <a:lvl1pPr algn="ctr">
+                <a:defRPr b="1" sz="1800">
+                  <a:solidFill>
+                    <a:srgbClr val="FFFFFF"/>
+                  </a:solidFill>
+                  <a:latin typeface="Arial"/>
+                  <a:ea typeface="Arial"/>
+                  <a:cs typeface="Arial"/>
+                  <a:sym typeface="Arial"/>
+                </a:defRPr>
+              </a:lvl1pPr>
+            </a:lstStyle>
+            <a:p>
+              <a:pPr/>
+              <a:r>
+                <a:t>CSCI230FinalProject</a:t>
+              </a:r>
+            </a:p>
+          </p:txBody>
+        </p:sp>
+      </p:grpSp>
+      <p:grpSp>
+        <p:nvGrpSpPr>
+          <p:cNvPr id="47" name="MainWindow"/>
+          <p:cNvGrpSpPr/>
+          <p:nvPr/>
+        </p:nvGrpSpPr>
+        <p:grpSpPr>
+          <a:xfrm>
+            <a:off x="1107809" y="2504239"/>
+            <a:ext cx="2205168" cy="517667"/>
+            <a:chOff x="0" y="0"/>
+            <a:chExt cx="2205167" cy="517665"/>
+          </a:xfrm>
+        </p:grpSpPr>
+        <p:sp>
+          <p:nvSpPr>
+            <p:cNvPr id="45" name="Rounded Rectangle"/>
+            <p:cNvSpPr/>
+            <p:nvPr/>
+          </p:nvSpPr>
+          <p:spPr>
+            <a:xfrm>
+              <a:off x="0" y="0"/>
+              <a:ext cx="2205168" cy="517666"/>
+            </a:xfrm>
+            <a:prstGeom prst="roundRect">
+              <a:avLst>
+                <a:gd name="adj" fmla="val 19557"/>
+              </a:avLst>
+            </a:prstGeom>
+            <a:gradFill flip="none" rotWithShape="1">
+              <a:gsLst>
+                <a:gs pos="0">
+                  <a:schemeClr val="accent5"/>
+                </a:gs>
+                <a:gs pos="100000">
+                  <a:schemeClr val="accent5">
+                    <a:satOff val="-6843"/>
+                    <a:lumOff val="-10705"/>
+                  </a:schemeClr>
+                </a:gs>
+              </a:gsLst>
+              <a:lin ang="16200000" scaled="0"/>
+            </a:gradFill>
+            <a:ln w="12700" cap="flat">
+              <a:noFill/>
+              <a:miter lim="400000"/>
+            </a:ln>
+            <a:effectLst>
+              <a:outerShdw sx="100000" sy="100000" kx="0" ky="0" algn="b" rotWithShape="0" blurRad="38100" dist="20000" dir="5400000">
+                <a:srgbClr val="000000">
+                  <a:alpha val="38000"/>
+                </a:srgbClr>
+              </a:outerShdw>
+            </a:effectLst>
+          </p:spPr>
+          <p:txBody>
+            <a:bodyPr wrap="square" lIns="45718" tIns="45718" rIns="45718" bIns="45718" numCol="1" anchor="ctr">
+              <a:noAutofit/>
+            </a:bodyPr>
+            <a:lstStyle/>
+            <a:p>
+              <a:pPr algn="ctr">
+                <a:defRPr b="1" sz="1800">
+                  <a:solidFill>
+                    <a:srgbClr val="FFFFFF"/>
+                  </a:solidFill>
+                  <a:latin typeface="Arial"/>
+                  <a:ea typeface="Arial"/>
+                  <a:cs typeface="Arial"/>
+                  <a:sym typeface="Arial"/>
+                </a:defRPr>
+              </a:pPr>
+            </a:p>
+          </p:txBody>
+        </p:sp>
+        <p:sp>
+          <p:nvSpPr>
+            <p:cNvPr id="46" name="MainWindow"/>
+            <p:cNvSpPr txBox="1"/>
+            <p:nvPr/>
+          </p:nvSpPr>
+          <p:spPr>
+            <a:xfrm>
+              <a:off x="29652" y="83502"/>
+              <a:ext cx="2145864" cy="350661"/>
+            </a:xfrm>
+            <a:prstGeom prst="rect">
+              <a:avLst/>
+            </a:prstGeom>
+            <a:noFill/>
+            <a:ln w="12700" cap="flat">
+              <a:noFill/>
+              <a:miter lim="400000"/>
+            </a:ln>
+            <a:effectLst/>
+            <a:extLst>
+              <a:ext uri="{C572A759-6A51-4108-AA02-DFA0A04FC94B}">
+                <ma14:wrappingTextBoxFlag xmlns:ma14="http://schemas.microsoft.com/office/mac/drawingml/2011/main" val="1"/>
+              </a:ext>
+            </a:extLst>
+          </p:spPr>
+          <p:txBody>
+            <a:bodyPr wrap="square" lIns="45718" tIns="45718" rIns="45718" bIns="45718" numCol="1" anchor="ctr">
+              <a:spAutoFit/>
+            </a:bodyPr>
+            <a:lstStyle>
+              <a:lvl1pPr algn="ctr">
+                <a:defRPr b="1" sz="1800">
+                  <a:solidFill>
+                    <a:srgbClr val="FFFFFF"/>
+                  </a:solidFill>
+                  <a:latin typeface="Arial"/>
+                  <a:ea typeface="Arial"/>
+                  <a:cs typeface="Arial"/>
+                  <a:sym typeface="Arial"/>
+                </a:defRPr>
+              </a:lvl1pPr>
+            </a:lstStyle>
+            <a:p>
+              <a:pPr/>
+              <a:r>
+                <a:t>MainWindow</a:t>
+              </a:r>
+            </a:p>
+          </p:txBody>
+        </p:sp>
+      </p:grpSp>
       <p:sp>
         <p:nvSpPr>
-          <p:cNvPr id="41" name="Line"/>
-          <p:cNvSpPr/>
-          <p:nvPr/>
-        </p:nvSpPr>
-        <p:spPr>
-          <a:xfrm flipV="1">
-            <a:off x="2210393" y="2127260"/>
-            <a:ext cx="1" cy="405065"/>
-          </a:xfrm>
-          <a:prstGeom prst="line">
-            <a:avLst/>
-          </a:prstGeom>
-          <a:ln w="50800">
-            <a:solidFill>
-              <a:schemeClr val="accent1"/>
-            </a:solidFill>
-            <a:headEnd type="triangle"/>
-          </a:ln>
-        </p:spPr>
-        <p:txBody>
-          <a:bodyPr lIns="45719" rIns="45719"/>
-          <a:lstStyle/>
-          <a:p>
-            <a:endParaRPr/>
-          </a:p>
-        </p:txBody>
-      </p:sp>
-      <p:sp>
-        <p:nvSpPr>
-          <p:cNvPr id="42" name="CSCI230FinalProject"/>
-          <p:cNvSpPr/>
-          <p:nvPr/>
-        </p:nvSpPr>
-        <p:spPr>
-          <a:xfrm>
-            <a:off x="548913" y="1646943"/>
-            <a:ext cx="3322960" cy="517666"/>
-          </a:xfrm>
-          <a:prstGeom prst="roundRect">
-            <a:avLst>
-              <a:gd name="adj" fmla="val 19557"/>
-            </a:avLst>
-          </a:prstGeom>
-          <a:gradFill>
-            <a:gsLst>
-              <a:gs pos="0">
-                <a:schemeClr val="accent5"/>
-              </a:gs>
-              <a:gs pos="100000">
-                <a:schemeClr val="accent5">
-                  <a:satOff val="-6843"/>
-                  <a:lumOff val="-10705"/>
-                </a:schemeClr>
-              </a:gs>
-            </a:gsLst>
-            <a:lin ang="16200000"/>
-          </a:gradFill>
-          <a:ln w="12700">
-            <a:miter lim="400000"/>
-          </a:ln>
-          <a:effectLst>
-            <a:outerShdw blurRad="38100" dist="20000" dir="5400000" rotWithShape="0">
-              <a:srgbClr val="000000">
-                <a:alpha val="38000"/>
-              </a:srgbClr>
-            </a:outerShdw>
-          </a:effectLst>
-          <a:extLst>
-            <a:ext uri="{C572A759-6A51-4108-AA02-DFA0A04FC94B}">
-              <ma14:wrappingTextBoxFlag xmlns:ma14="http://schemas.microsoft.com/office/mac/drawingml/2011/main" xmlns:a14="http://schemas.microsoft.com/office/drawing/2010/main" xmlns:m="http://schemas.openxmlformats.org/officeDocument/2006/math" xmlns="" val="1"/>
-            </a:ext>
-          </a:extLst>
-        </p:spPr>
-        <p:txBody>
-          <a:bodyPr lIns="45719" rIns="45719" anchor="ctr"/>
-          <a:lstStyle>
-            <a:lvl1pPr algn="ctr">
-              <a:defRPr sz="1800" b="1">
-                <a:solidFill>
-                  <a:srgbClr val="FFFFFF"/>
-                </a:solidFill>
-                <a:latin typeface="Arial"/>
-                <a:ea typeface="Arial"/>
-                <a:cs typeface="Arial"/>
-                <a:sym typeface="Arial"/>
-              </a:defRPr>
-            </a:lvl1pPr>
-          </a:lstStyle>
-          <a:p>
-            <a:r>
-              <a:t>CSCI230FinalProject</a:t>
-            </a:r>
-          </a:p>
-        </p:txBody>
-      </p:sp>
-      <p:sp>
-        <p:nvSpPr>
-          <p:cNvPr id="43" name="MainWindow"/>
-          <p:cNvSpPr/>
-          <p:nvPr/>
-        </p:nvSpPr>
-        <p:spPr>
-          <a:xfrm>
-            <a:off x="1107809" y="2504240"/>
-            <a:ext cx="2205168" cy="517666"/>
-          </a:xfrm>
-          <a:prstGeom prst="roundRect">
-            <a:avLst>
-              <a:gd name="adj" fmla="val 19557"/>
-            </a:avLst>
-          </a:prstGeom>
-          <a:gradFill>
-            <a:gsLst>
-              <a:gs pos="0">
-                <a:schemeClr val="accent5"/>
-              </a:gs>
-              <a:gs pos="100000">
-                <a:schemeClr val="accent5">
-                  <a:satOff val="-6843"/>
-                  <a:lumOff val="-10705"/>
-                </a:schemeClr>
-              </a:gs>
-            </a:gsLst>
-            <a:lin ang="16200000"/>
-          </a:gradFill>
-          <a:ln w="12700">
-            <a:miter lim="400000"/>
-          </a:ln>
-          <a:effectLst>
-            <a:outerShdw blurRad="38100" dist="20000" dir="5400000" rotWithShape="0">
-              <a:srgbClr val="000000">
-                <a:alpha val="38000"/>
-              </a:srgbClr>
-            </a:outerShdw>
-          </a:effectLst>
-          <a:extLst>
-            <a:ext uri="{C572A759-6A51-4108-AA02-DFA0A04FC94B}">
-              <ma14:wrappingTextBoxFlag xmlns:ma14="http://schemas.microsoft.com/office/mac/drawingml/2011/main" xmlns:a14="http://schemas.microsoft.com/office/drawing/2010/main" xmlns:m="http://schemas.openxmlformats.org/officeDocument/2006/math" xmlns="" val="1"/>
-            </a:ext>
-          </a:extLst>
-        </p:spPr>
-        <p:txBody>
-          <a:bodyPr lIns="45719" rIns="45719" anchor="ctr"/>
-          <a:lstStyle>
-            <a:lvl1pPr algn="ctr">
-              <a:defRPr sz="1800" b="1">
-                <a:solidFill>
-                  <a:srgbClr val="FFFFFF"/>
-                </a:solidFill>
-                <a:latin typeface="Arial"/>
-                <a:ea typeface="Arial"/>
-                <a:cs typeface="Arial"/>
-                <a:sym typeface="Arial"/>
-              </a:defRPr>
-            </a:lvl1pPr>
-          </a:lstStyle>
-          <a:p>
-            <a:r>
-              <a:t>MainWindow</a:t>
-            </a:r>
-          </a:p>
-        </p:txBody>
-      </p:sp>
-      <p:sp>
-        <p:nvSpPr>
-          <p:cNvPr id="44" name="UI"/>
+          <p:cNvPr id="48" name="UI"/>
           <p:cNvSpPr txBox="1"/>
           <p:nvPr/>
         </p:nvSpPr>
         <p:spPr>
           <a:xfrm>
-            <a:off x="8499040" y="3974618"/>
-            <a:ext cx="332741" cy="350662"/>
+            <a:off x="8499040" y="3974617"/>
+            <a:ext cx="332739" cy="350661"/>
           </a:xfrm>
           <a:prstGeom prst="rect">
             <a:avLst/>
@@ -2468,17 +2684,17 @@
           </a:ln>
           <a:extLst>
             <a:ext uri="{C572A759-6A51-4108-AA02-DFA0A04FC94B}">
-              <ma14:wrappingTextBoxFlag xmlns:ma14="http://schemas.microsoft.com/office/mac/drawingml/2011/main" xmlns:a14="http://schemas.microsoft.com/office/drawing/2010/main" xmlns:m="http://schemas.openxmlformats.org/officeDocument/2006/math" xmlns="" val="1"/>
+              <ma14:wrappingTextBoxFlag xmlns:ma14="http://schemas.microsoft.com/office/mac/drawingml/2011/main" val="1"/>
             </a:ext>
           </a:extLst>
         </p:spPr>
         <p:txBody>
-          <a:bodyPr wrap="none" lIns="45719" rIns="45719" anchor="ctr">
+          <a:bodyPr wrap="none" lIns="45718" tIns="45718" rIns="45718" bIns="45718" anchor="ctr">
             <a:spAutoFit/>
           </a:bodyPr>
           <a:lstStyle>
             <a:lvl1pPr algn="r">
-              <a:defRPr sz="1800" b="1">
+              <a:defRPr b="1" sz="1800">
                 <a:solidFill>
                   <a:schemeClr val="accent5">
                     <a:satOff val="-6843"/>
@@ -2493,6 +2709,7 @@
             </a:lvl1pPr>
           </a:lstStyle>
           <a:p>
+            <a:pPr/>
             <a:r>
               <a:t>UI</a:t>
             </a:r>
@@ -2501,14 +2718,14 @@
       </p:sp>
       <p:sp>
         <p:nvSpPr>
-          <p:cNvPr id="45" name="Line"/>
+          <p:cNvPr id="49" name="Line"/>
           <p:cNvSpPr/>
           <p:nvPr/>
         </p:nvSpPr>
         <p:spPr>
           <a:xfrm flipV="1">
             <a:off x="1623326" y="5360867"/>
-            <a:ext cx="1" cy="517666"/>
+            <a:ext cx="2" cy="517666"/>
           </a:xfrm>
           <a:prstGeom prst="line">
             <a:avLst/>
@@ -2521,295 +2738,407 @@
           </a:ln>
         </p:spPr>
         <p:txBody>
-          <a:bodyPr lIns="45719" rIns="45719"/>
+          <a:bodyPr lIns="45718" tIns="45718" rIns="45718" bIns="45718"/>
           <a:lstStyle/>
           <a:p>
-            <a:endParaRPr/>
+            <a:pPr/>
           </a:p>
         </p:txBody>
       </p:sp>
+      <p:grpSp>
+        <p:nvGrpSpPr>
+          <p:cNvPr id="52" name="OverlayPanel"/>
+          <p:cNvGrpSpPr/>
+          <p:nvPr/>
+        </p:nvGrpSpPr>
+        <p:grpSpPr>
+          <a:xfrm>
+            <a:off x="520743" y="4914322"/>
+            <a:ext cx="2205168" cy="517667"/>
+            <a:chOff x="0" y="0"/>
+            <a:chExt cx="2205167" cy="517665"/>
+          </a:xfrm>
+        </p:grpSpPr>
+        <p:sp>
+          <p:nvSpPr>
+            <p:cNvPr id="50" name="Rounded Rectangle"/>
+            <p:cNvSpPr/>
+            <p:nvPr/>
+          </p:nvSpPr>
+          <p:spPr>
+            <a:xfrm>
+              <a:off x="0" y="0"/>
+              <a:ext cx="2205168" cy="517666"/>
+            </a:xfrm>
+            <a:prstGeom prst="roundRect">
+              <a:avLst>
+                <a:gd name="adj" fmla="val 19557"/>
+              </a:avLst>
+            </a:prstGeom>
+            <a:gradFill flip="none" rotWithShape="1">
+              <a:gsLst>
+                <a:gs pos="0">
+                  <a:schemeClr val="accent5"/>
+                </a:gs>
+                <a:gs pos="100000">
+                  <a:schemeClr val="accent5">
+                    <a:satOff val="-6843"/>
+                    <a:lumOff val="-10705"/>
+                  </a:schemeClr>
+                </a:gs>
+              </a:gsLst>
+              <a:lin ang="16200000" scaled="0"/>
+            </a:gradFill>
+            <a:ln w="12700" cap="flat">
+              <a:noFill/>
+              <a:miter lim="400000"/>
+            </a:ln>
+            <a:effectLst>
+              <a:outerShdw sx="100000" sy="100000" kx="0" ky="0" algn="b" rotWithShape="0" blurRad="38100" dist="20000" dir="5400000">
+                <a:srgbClr val="000000">
+                  <a:alpha val="38000"/>
+                </a:srgbClr>
+              </a:outerShdw>
+            </a:effectLst>
+          </p:spPr>
+          <p:txBody>
+            <a:bodyPr wrap="square" lIns="45718" tIns="45718" rIns="45718" bIns="45718" numCol="1" anchor="ctr">
+              <a:noAutofit/>
+            </a:bodyPr>
+            <a:lstStyle/>
+            <a:p>
+              <a:pPr algn="ctr">
+                <a:defRPr b="1" sz="1800">
+                  <a:solidFill>
+                    <a:srgbClr val="FFFFFF"/>
+                  </a:solidFill>
+                  <a:latin typeface="Arial"/>
+                  <a:ea typeface="Arial"/>
+                  <a:cs typeface="Arial"/>
+                  <a:sym typeface="Arial"/>
+                </a:defRPr>
+              </a:pPr>
+            </a:p>
+          </p:txBody>
+        </p:sp>
+        <p:sp>
+          <p:nvSpPr>
+            <p:cNvPr id="51" name="OverlayPanel"/>
+            <p:cNvSpPr txBox="1"/>
+            <p:nvPr/>
+          </p:nvSpPr>
+          <p:spPr>
+            <a:xfrm>
+              <a:off x="29652" y="83502"/>
+              <a:ext cx="2145864" cy="350661"/>
+            </a:xfrm>
+            <a:prstGeom prst="rect">
+              <a:avLst/>
+            </a:prstGeom>
+            <a:noFill/>
+            <a:ln w="12700" cap="flat">
+              <a:noFill/>
+              <a:miter lim="400000"/>
+            </a:ln>
+            <a:effectLst/>
+            <a:extLst>
+              <a:ext uri="{C572A759-6A51-4108-AA02-DFA0A04FC94B}">
+                <ma14:wrappingTextBoxFlag xmlns:ma14="http://schemas.microsoft.com/office/mac/drawingml/2011/main" val="1"/>
+              </a:ext>
+            </a:extLst>
+          </p:spPr>
+          <p:txBody>
+            <a:bodyPr wrap="square" lIns="45718" tIns="45718" rIns="45718" bIns="45718" numCol="1" anchor="ctr">
+              <a:spAutoFit/>
+            </a:bodyPr>
+            <a:lstStyle>
+              <a:lvl1pPr algn="ctr">
+                <a:defRPr b="1" sz="1800">
+                  <a:solidFill>
+                    <a:srgbClr val="FFFFFF"/>
+                  </a:solidFill>
+                  <a:latin typeface="Arial"/>
+                  <a:ea typeface="Arial"/>
+                  <a:cs typeface="Arial"/>
+                  <a:sym typeface="Arial"/>
+                </a:defRPr>
+              </a:lvl1pPr>
+            </a:lstStyle>
+            <a:p>
+              <a:pPr/>
+              <a:r>
+                <a:t>OverlayPanel</a:t>
+              </a:r>
+            </a:p>
+          </p:txBody>
+        </p:sp>
+      </p:grpSp>
+      <p:grpSp>
+        <p:nvGrpSpPr>
+          <p:cNvPr id="55" name="GameUIFonts"/>
+          <p:cNvGrpSpPr/>
+          <p:nvPr/>
+        </p:nvGrpSpPr>
+        <p:grpSpPr>
+          <a:xfrm>
+            <a:off x="520743" y="5860968"/>
+            <a:ext cx="2205168" cy="517667"/>
+            <a:chOff x="0" y="0"/>
+            <a:chExt cx="2205167" cy="517665"/>
+          </a:xfrm>
+        </p:grpSpPr>
+        <p:sp>
+          <p:nvSpPr>
+            <p:cNvPr id="53" name="Rounded Rectangle"/>
+            <p:cNvSpPr/>
+            <p:nvPr/>
+          </p:nvSpPr>
+          <p:spPr>
+            <a:xfrm>
+              <a:off x="0" y="0"/>
+              <a:ext cx="2205168" cy="517666"/>
+            </a:xfrm>
+            <a:prstGeom prst="roundRect">
+              <a:avLst>
+                <a:gd name="adj" fmla="val 19557"/>
+              </a:avLst>
+            </a:prstGeom>
+            <a:gradFill flip="none" rotWithShape="1">
+              <a:gsLst>
+                <a:gs pos="0">
+                  <a:schemeClr val="accent5"/>
+                </a:gs>
+                <a:gs pos="100000">
+                  <a:schemeClr val="accent5">
+                    <a:satOff val="-6843"/>
+                    <a:lumOff val="-10705"/>
+                  </a:schemeClr>
+                </a:gs>
+              </a:gsLst>
+              <a:lin ang="16200000" scaled="0"/>
+            </a:gradFill>
+            <a:ln w="12700" cap="flat">
+              <a:noFill/>
+              <a:miter lim="400000"/>
+            </a:ln>
+            <a:effectLst>
+              <a:outerShdw sx="100000" sy="100000" kx="0" ky="0" algn="b" rotWithShape="0" blurRad="38100" dist="20000" dir="5400000">
+                <a:srgbClr val="000000">
+                  <a:alpha val="38000"/>
+                </a:srgbClr>
+              </a:outerShdw>
+            </a:effectLst>
+          </p:spPr>
+          <p:txBody>
+            <a:bodyPr wrap="square" lIns="45718" tIns="45718" rIns="45718" bIns="45718" numCol="1" anchor="ctr">
+              <a:noAutofit/>
+            </a:bodyPr>
+            <a:lstStyle/>
+            <a:p>
+              <a:pPr algn="ctr">
+                <a:defRPr b="1" sz="1800">
+                  <a:solidFill>
+                    <a:srgbClr val="FFFFFF"/>
+                  </a:solidFill>
+                  <a:latin typeface="Arial"/>
+                  <a:ea typeface="Arial"/>
+                  <a:cs typeface="Arial"/>
+                  <a:sym typeface="Arial"/>
+                </a:defRPr>
+              </a:pPr>
+            </a:p>
+          </p:txBody>
+        </p:sp>
+        <p:sp>
+          <p:nvSpPr>
+            <p:cNvPr id="54" name="GameUIFonts"/>
+            <p:cNvSpPr txBox="1"/>
+            <p:nvPr/>
+          </p:nvSpPr>
+          <p:spPr>
+            <a:xfrm>
+              <a:off x="29652" y="83502"/>
+              <a:ext cx="2145864" cy="350661"/>
+            </a:xfrm>
+            <a:prstGeom prst="rect">
+              <a:avLst/>
+            </a:prstGeom>
+            <a:noFill/>
+            <a:ln w="12700" cap="flat">
+              <a:noFill/>
+              <a:miter lim="400000"/>
+            </a:ln>
+            <a:effectLst/>
+            <a:extLst>
+              <a:ext uri="{C572A759-6A51-4108-AA02-DFA0A04FC94B}">
+                <ma14:wrappingTextBoxFlag xmlns:ma14="http://schemas.microsoft.com/office/mac/drawingml/2011/main" val="1"/>
+              </a:ext>
+            </a:extLst>
+          </p:spPr>
+          <p:txBody>
+            <a:bodyPr wrap="square" lIns="45718" tIns="45718" rIns="45718" bIns="45718" numCol="1" anchor="ctr">
+              <a:spAutoFit/>
+            </a:bodyPr>
+            <a:lstStyle>
+              <a:lvl1pPr algn="ctr">
+                <a:defRPr b="1" sz="1800">
+                  <a:solidFill>
+                    <a:srgbClr val="FFFFFF"/>
+                  </a:solidFill>
+                  <a:latin typeface="Arial"/>
+                  <a:ea typeface="Arial"/>
+                  <a:cs typeface="Arial"/>
+                  <a:sym typeface="Arial"/>
+                </a:defRPr>
+              </a:lvl1pPr>
+            </a:lstStyle>
+            <a:p>
+              <a:pPr/>
+              <a:r>
+                <a:t>GameUIFonts</a:t>
+              </a:r>
+            </a:p>
+          </p:txBody>
+        </p:sp>
+      </p:grpSp>
+      <p:grpSp>
+        <p:nvGrpSpPr>
+          <p:cNvPr id="58" name="Texture"/>
+          <p:cNvGrpSpPr/>
+          <p:nvPr/>
+        </p:nvGrpSpPr>
+        <p:grpSpPr>
+          <a:xfrm>
+            <a:off x="6573315" y="3617655"/>
+            <a:ext cx="1362383" cy="517667"/>
+            <a:chOff x="0" y="0"/>
+            <a:chExt cx="1362381" cy="517665"/>
+          </a:xfrm>
+        </p:grpSpPr>
+        <p:sp>
+          <p:nvSpPr>
+            <p:cNvPr id="56" name="Rounded Rectangle"/>
+            <p:cNvSpPr/>
+            <p:nvPr/>
+          </p:nvSpPr>
+          <p:spPr>
+            <a:xfrm>
+              <a:off x="0" y="0"/>
+              <a:ext cx="1362382" cy="517666"/>
+            </a:xfrm>
+            <a:prstGeom prst="roundRect">
+              <a:avLst>
+                <a:gd name="adj" fmla="val 19557"/>
+              </a:avLst>
+            </a:prstGeom>
+            <a:gradFill flip="none" rotWithShape="1">
+              <a:gsLst>
+                <a:gs pos="0">
+                  <a:schemeClr val="accent5"/>
+                </a:gs>
+                <a:gs pos="100000">
+                  <a:schemeClr val="accent5">
+                    <a:satOff val="-6843"/>
+                    <a:lumOff val="-10705"/>
+                  </a:schemeClr>
+                </a:gs>
+              </a:gsLst>
+              <a:lin ang="16200000" scaled="0"/>
+            </a:gradFill>
+            <a:ln w="12700" cap="flat">
+              <a:noFill/>
+              <a:miter lim="400000"/>
+            </a:ln>
+            <a:effectLst>
+              <a:outerShdw sx="100000" sy="100000" kx="0" ky="0" algn="b" rotWithShape="0" blurRad="38100" dist="20000" dir="5400000">
+                <a:srgbClr val="000000">
+                  <a:alpha val="38000"/>
+                </a:srgbClr>
+              </a:outerShdw>
+            </a:effectLst>
+          </p:spPr>
+          <p:txBody>
+            <a:bodyPr wrap="square" lIns="45718" tIns="45718" rIns="45718" bIns="45718" numCol="1" anchor="ctr">
+              <a:noAutofit/>
+            </a:bodyPr>
+            <a:lstStyle/>
+            <a:p>
+              <a:pPr algn="ctr">
+                <a:defRPr b="1" sz="1800">
+                  <a:solidFill>
+                    <a:srgbClr val="FFFFFF"/>
+                  </a:solidFill>
+                  <a:latin typeface="Arial"/>
+                  <a:ea typeface="Arial"/>
+                  <a:cs typeface="Arial"/>
+                  <a:sym typeface="Arial"/>
+                </a:defRPr>
+              </a:pPr>
+            </a:p>
+          </p:txBody>
+        </p:sp>
+        <p:sp>
+          <p:nvSpPr>
+            <p:cNvPr id="57" name="Sprite"/>
+            <p:cNvSpPr txBox="1"/>
+            <p:nvPr/>
+          </p:nvSpPr>
+          <p:spPr>
+            <a:xfrm>
+              <a:off x="29651" y="83502"/>
+              <a:ext cx="1303080" cy="350661"/>
+            </a:xfrm>
+            <a:prstGeom prst="rect">
+              <a:avLst/>
+            </a:prstGeom>
+            <a:noFill/>
+            <a:ln w="12700" cap="flat">
+              <a:noFill/>
+              <a:miter lim="400000"/>
+            </a:ln>
+            <a:effectLst/>
+            <a:extLst>
+              <a:ext uri="{C572A759-6A51-4108-AA02-DFA0A04FC94B}">
+                <ma14:wrappingTextBoxFlag xmlns:ma14="http://schemas.microsoft.com/office/mac/drawingml/2011/main" val="1"/>
+              </a:ext>
+            </a:extLst>
+          </p:spPr>
+          <p:txBody>
+            <a:bodyPr wrap="square" lIns="45718" tIns="45718" rIns="45718" bIns="45718" numCol="1" anchor="ctr">
+              <a:spAutoFit/>
+            </a:bodyPr>
+            <a:lstStyle>
+              <a:lvl1pPr algn="ctr">
+                <a:defRPr b="1" sz="1800">
+                  <a:solidFill>
+                    <a:srgbClr val="FFFFFF"/>
+                  </a:solidFill>
+                  <a:latin typeface="Arial"/>
+                  <a:ea typeface="Arial"/>
+                  <a:cs typeface="Arial"/>
+                  <a:sym typeface="Arial"/>
+                </a:defRPr>
+              </a:lvl1pPr>
+            </a:lstStyle>
+            <a:p>
+              <a:pPr/>
+              <a:r>
+                <a:t>Sprite</a:t>
+              </a:r>
+            </a:p>
+          </p:txBody>
+        </p:sp>
+      </p:grpSp>
       <p:sp>
         <p:nvSpPr>
-          <p:cNvPr id="46" name="OverlayPanel"/>
-          <p:cNvSpPr/>
-          <p:nvPr/>
-        </p:nvSpPr>
-        <p:spPr>
-          <a:xfrm>
-            <a:off x="520743" y="4914323"/>
-            <a:ext cx="2205168" cy="517666"/>
-          </a:xfrm>
-          <a:prstGeom prst="roundRect">
-            <a:avLst>
-              <a:gd name="adj" fmla="val 19557"/>
-            </a:avLst>
-          </a:prstGeom>
-          <a:gradFill>
-            <a:gsLst>
-              <a:gs pos="0">
-                <a:schemeClr val="accent5"/>
-              </a:gs>
-              <a:gs pos="100000">
-                <a:schemeClr val="accent5">
-                  <a:satOff val="-6843"/>
-                  <a:lumOff val="-10705"/>
-                </a:schemeClr>
-              </a:gs>
-            </a:gsLst>
-            <a:lin ang="16200000"/>
-          </a:gradFill>
-          <a:ln w="12700">
-            <a:miter lim="400000"/>
-          </a:ln>
-          <a:effectLst>
-            <a:outerShdw blurRad="38100" dist="20000" dir="5400000" rotWithShape="0">
-              <a:srgbClr val="000000">
-                <a:alpha val="38000"/>
-              </a:srgbClr>
-            </a:outerShdw>
-          </a:effectLst>
-          <a:extLst>
-            <a:ext uri="{C572A759-6A51-4108-AA02-DFA0A04FC94B}">
-              <ma14:wrappingTextBoxFlag xmlns:ma14="http://schemas.microsoft.com/office/mac/drawingml/2011/main" xmlns:a14="http://schemas.microsoft.com/office/drawing/2010/main" xmlns:m="http://schemas.openxmlformats.org/officeDocument/2006/math" xmlns="" val="1"/>
-            </a:ext>
-          </a:extLst>
-        </p:spPr>
-        <p:txBody>
-          <a:bodyPr lIns="45719" rIns="45719" anchor="ctr"/>
-          <a:lstStyle>
-            <a:lvl1pPr algn="ctr">
-              <a:defRPr sz="1800" b="1">
-                <a:solidFill>
-                  <a:srgbClr val="FFFFFF"/>
-                </a:solidFill>
-                <a:latin typeface="Arial"/>
-                <a:ea typeface="Arial"/>
-                <a:cs typeface="Arial"/>
-                <a:sym typeface="Arial"/>
-              </a:defRPr>
-            </a:lvl1pPr>
-          </a:lstStyle>
-          <a:p>
-            <a:r>
-              <a:t>OverlayPanel</a:t>
-            </a:r>
-          </a:p>
-        </p:txBody>
-      </p:sp>
-      <p:sp>
-        <p:nvSpPr>
-          <p:cNvPr id="47" name="GameUIFonts"/>
-          <p:cNvSpPr/>
-          <p:nvPr/>
-        </p:nvSpPr>
-        <p:spPr>
-          <a:xfrm>
-            <a:off x="520743" y="5860969"/>
-            <a:ext cx="2205168" cy="517666"/>
-          </a:xfrm>
-          <a:prstGeom prst="roundRect">
-            <a:avLst>
-              <a:gd name="adj" fmla="val 19557"/>
-            </a:avLst>
-          </a:prstGeom>
-          <a:gradFill>
-            <a:gsLst>
-              <a:gs pos="0">
-                <a:schemeClr val="accent5"/>
-              </a:gs>
-              <a:gs pos="100000">
-                <a:schemeClr val="accent5">
-                  <a:satOff val="-6843"/>
-                  <a:lumOff val="-10705"/>
-                </a:schemeClr>
-              </a:gs>
-            </a:gsLst>
-            <a:lin ang="16200000"/>
-          </a:gradFill>
-          <a:ln w="12700">
-            <a:miter lim="400000"/>
-          </a:ln>
-          <a:effectLst>
-            <a:outerShdw blurRad="38100" dist="20000" dir="5400000" rotWithShape="0">
-              <a:srgbClr val="000000">
-                <a:alpha val="38000"/>
-              </a:srgbClr>
-            </a:outerShdw>
-          </a:effectLst>
-          <a:extLst>
-            <a:ext uri="{C572A759-6A51-4108-AA02-DFA0A04FC94B}">
-              <ma14:wrappingTextBoxFlag xmlns:ma14="http://schemas.microsoft.com/office/mac/drawingml/2011/main" xmlns:a14="http://schemas.microsoft.com/office/drawing/2010/main" xmlns:m="http://schemas.openxmlformats.org/officeDocument/2006/math" xmlns="" val="1"/>
-            </a:ext>
-          </a:extLst>
-        </p:spPr>
-        <p:txBody>
-          <a:bodyPr lIns="45719" rIns="45719" anchor="ctr"/>
-          <a:lstStyle>
-            <a:lvl1pPr algn="ctr">
-              <a:defRPr sz="1800" b="1">
-                <a:solidFill>
-                  <a:srgbClr val="FFFFFF"/>
-                </a:solidFill>
-                <a:latin typeface="Arial"/>
-                <a:ea typeface="Arial"/>
-                <a:cs typeface="Arial"/>
-                <a:sym typeface="Arial"/>
-              </a:defRPr>
-            </a:lvl1pPr>
-          </a:lstStyle>
-          <a:p>
-            <a:r>
-              <a:t>GameUIFonts</a:t>
-            </a:r>
-          </a:p>
-        </p:txBody>
-      </p:sp>
-      <p:sp>
-        <p:nvSpPr>
-          <p:cNvPr id="48" name="ScrollingBackdrop"/>
-          <p:cNvSpPr/>
-          <p:nvPr/>
-        </p:nvSpPr>
-        <p:spPr>
-          <a:xfrm>
-            <a:off x="1788272" y="3891116"/>
-            <a:ext cx="2426074" cy="517666"/>
-          </a:xfrm>
-          <a:prstGeom prst="roundRect">
-            <a:avLst>
-              <a:gd name="adj" fmla="val 19557"/>
-            </a:avLst>
-          </a:prstGeom>
-          <a:gradFill>
-            <a:gsLst>
-              <a:gs pos="0">
-                <a:schemeClr val="accent5"/>
-              </a:gs>
-              <a:gs pos="100000">
-                <a:schemeClr val="accent5">
-                  <a:satOff val="-6843"/>
-                  <a:lumOff val="-10705"/>
-                </a:schemeClr>
-              </a:gs>
-            </a:gsLst>
-            <a:lin ang="16200000"/>
-          </a:gradFill>
-          <a:ln w="12700">
-            <a:miter lim="400000"/>
-          </a:ln>
-          <a:effectLst>
-            <a:outerShdw blurRad="38100" dist="20000" dir="5400000" rotWithShape="0">
-              <a:srgbClr val="000000">
-                <a:alpha val="38000"/>
-              </a:srgbClr>
-            </a:outerShdw>
-          </a:effectLst>
-          <a:extLst>
-            <a:ext uri="{C572A759-6A51-4108-AA02-DFA0A04FC94B}">
-              <ma14:wrappingTextBoxFlag xmlns:ma14="http://schemas.microsoft.com/office/mac/drawingml/2011/main" xmlns:a14="http://schemas.microsoft.com/office/drawing/2010/main" xmlns:m="http://schemas.openxmlformats.org/officeDocument/2006/math" xmlns="" val="1"/>
-            </a:ext>
-          </a:extLst>
-        </p:spPr>
-        <p:txBody>
-          <a:bodyPr lIns="45719" rIns="45719" anchor="ctr"/>
-          <a:lstStyle>
-            <a:lvl1pPr algn="ctr">
-              <a:defRPr sz="1800" b="1">
-                <a:solidFill>
-                  <a:srgbClr val="FFFFFF"/>
-                </a:solidFill>
-                <a:latin typeface="Arial"/>
-                <a:ea typeface="Arial"/>
-                <a:cs typeface="Arial"/>
-                <a:sym typeface="Arial"/>
-              </a:defRPr>
-            </a:lvl1pPr>
-          </a:lstStyle>
-          <a:p>
-            <a:r>
-              <a:t>ScrollingBackdrop</a:t>
-            </a:r>
-          </a:p>
-        </p:txBody>
-      </p:sp>
-      <p:sp>
-        <p:nvSpPr>
-          <p:cNvPr id="49" name="Texture"/>
-          <p:cNvSpPr/>
-          <p:nvPr/>
-        </p:nvSpPr>
-        <p:spPr>
-          <a:xfrm>
-            <a:off x="6573316" y="3617655"/>
-            <a:ext cx="1362382" cy="517666"/>
-          </a:xfrm>
-          <a:prstGeom prst="roundRect">
-            <a:avLst>
-              <a:gd name="adj" fmla="val 19557"/>
-            </a:avLst>
-          </a:prstGeom>
-          <a:gradFill>
-            <a:gsLst>
-              <a:gs pos="0">
-                <a:schemeClr val="accent5"/>
-              </a:gs>
-              <a:gs pos="100000">
-                <a:schemeClr val="accent5">
-                  <a:satOff val="-6843"/>
-                  <a:lumOff val="-10705"/>
-                </a:schemeClr>
-              </a:gs>
-            </a:gsLst>
-            <a:lin ang="16200000"/>
-          </a:gradFill>
-          <a:ln w="12700">
-            <a:miter lim="400000"/>
-          </a:ln>
-          <a:effectLst>
-            <a:outerShdw blurRad="38100" dist="20000" dir="5400000" rotWithShape="0">
-              <a:srgbClr val="000000">
-                <a:alpha val="38000"/>
-              </a:srgbClr>
-            </a:outerShdw>
-          </a:effectLst>
-          <a:extLst>
-            <a:ext uri="{C572A759-6A51-4108-AA02-DFA0A04FC94B}">
-              <ma14:wrappingTextBoxFlag xmlns:ma14="http://schemas.microsoft.com/office/mac/drawingml/2011/main" xmlns:a14="http://schemas.microsoft.com/office/drawing/2010/main" xmlns:m="http://schemas.openxmlformats.org/officeDocument/2006/math" xmlns="" val="1"/>
-            </a:ext>
-          </a:extLst>
-        </p:spPr>
-        <p:txBody>
-          <a:bodyPr lIns="45719" rIns="45719" anchor="ctr"/>
-          <a:lstStyle>
-            <a:lvl1pPr algn="ctr">
-              <a:defRPr sz="1800" b="1">
-                <a:solidFill>
-                  <a:srgbClr val="FFFFFF"/>
-                </a:solidFill>
-                <a:latin typeface="Arial"/>
-                <a:ea typeface="Arial"/>
-                <a:cs typeface="Arial"/>
-                <a:sym typeface="Arial"/>
-              </a:defRPr>
-            </a:lvl1pPr>
-          </a:lstStyle>
-          <a:p>
-            <a:r>
-              <a:t>Texture</a:t>
-            </a:r>
-          </a:p>
-        </p:txBody>
-      </p:sp>
-      <p:sp>
-        <p:nvSpPr>
-          <p:cNvPr id="50" name="Game Model"/>
+          <p:cNvPr id="59" name="Game Model"/>
           <p:cNvSpPr txBox="1"/>
           <p:nvPr/>
         </p:nvSpPr>
         <p:spPr>
           <a:xfrm>
             <a:off x="7368430" y="6103501"/>
-            <a:ext cx="1463351" cy="350662"/>
+            <a:ext cx="1463349" cy="350660"/>
           </a:xfrm>
           <a:prstGeom prst="rect">
             <a:avLst/>
@@ -2819,17 +3148,17 @@
           </a:ln>
           <a:extLst>
             <a:ext uri="{C572A759-6A51-4108-AA02-DFA0A04FC94B}">
-              <ma14:wrappingTextBoxFlag xmlns:ma14="http://schemas.microsoft.com/office/mac/drawingml/2011/main" xmlns:a14="http://schemas.microsoft.com/office/drawing/2010/main" xmlns:m="http://schemas.openxmlformats.org/officeDocument/2006/math" xmlns="" val="1"/>
+              <ma14:wrappingTextBoxFlag xmlns:ma14="http://schemas.microsoft.com/office/mac/drawingml/2011/main" val="1"/>
             </a:ext>
           </a:extLst>
         </p:spPr>
         <p:txBody>
-          <a:bodyPr wrap="none" lIns="45719" rIns="45719" anchor="ctr">
+          <a:bodyPr wrap="none" lIns="45718" tIns="45718" rIns="45718" bIns="45718" anchor="ctr">
             <a:spAutoFit/>
           </a:bodyPr>
           <a:lstStyle>
             <a:lvl1pPr algn="r">
-              <a:defRPr sz="1800" b="1">
+              <a:defRPr b="1" sz="1800">
                 <a:solidFill>
                   <a:schemeClr val="accent5">
                     <a:satOff val="-6843"/>
@@ -2844,226 +3173,407 @@
             </a:lvl1pPr>
           </a:lstStyle>
           <a:p>
+            <a:pPr/>
             <a:r>
               <a:t>Game Model</a:t>
             </a:r>
           </a:p>
         </p:txBody>
       </p:sp>
+      <p:grpSp>
+        <p:nvGrpSpPr>
+          <p:cNvPr id="62" name="Character"/>
+          <p:cNvGrpSpPr/>
+          <p:nvPr/>
+        </p:nvGrpSpPr>
+        <p:grpSpPr>
+          <a:xfrm>
+            <a:off x="6427018" y="1859995"/>
+            <a:ext cx="1654978" cy="517667"/>
+            <a:chOff x="0" y="0"/>
+            <a:chExt cx="1654977" cy="517665"/>
+          </a:xfrm>
+        </p:grpSpPr>
+        <p:sp>
+          <p:nvSpPr>
+            <p:cNvPr id="60" name="Rounded Rectangle"/>
+            <p:cNvSpPr/>
+            <p:nvPr/>
+          </p:nvSpPr>
+          <p:spPr>
+            <a:xfrm>
+              <a:off x="0" y="0"/>
+              <a:ext cx="1654978" cy="517666"/>
+            </a:xfrm>
+            <a:prstGeom prst="roundRect">
+              <a:avLst>
+                <a:gd name="adj" fmla="val 19557"/>
+              </a:avLst>
+            </a:prstGeom>
+            <a:gradFill flip="none" rotWithShape="1">
+              <a:gsLst>
+                <a:gs pos="0">
+                  <a:schemeClr val="accent5"/>
+                </a:gs>
+                <a:gs pos="100000">
+                  <a:schemeClr val="accent5">
+                    <a:satOff val="-6843"/>
+                    <a:lumOff val="-10705"/>
+                  </a:schemeClr>
+                </a:gs>
+              </a:gsLst>
+              <a:lin ang="16200000" scaled="0"/>
+            </a:gradFill>
+            <a:ln w="12700" cap="flat">
+              <a:noFill/>
+              <a:miter lim="400000"/>
+            </a:ln>
+            <a:effectLst>
+              <a:outerShdw sx="100000" sy="100000" kx="0" ky="0" algn="b" rotWithShape="0" blurRad="38100" dist="20000" dir="5400000">
+                <a:srgbClr val="000000">
+                  <a:alpha val="38000"/>
+                </a:srgbClr>
+              </a:outerShdw>
+            </a:effectLst>
+          </p:spPr>
+          <p:txBody>
+            <a:bodyPr wrap="square" lIns="45718" tIns="45718" rIns="45718" bIns="45718" numCol="1" anchor="ctr">
+              <a:noAutofit/>
+            </a:bodyPr>
+            <a:lstStyle/>
+            <a:p>
+              <a:pPr algn="ctr">
+                <a:defRPr b="1" sz="1800">
+                  <a:solidFill>
+                    <a:srgbClr val="FFFFFF"/>
+                  </a:solidFill>
+                  <a:latin typeface="Arial"/>
+                  <a:ea typeface="Arial"/>
+                  <a:cs typeface="Arial"/>
+                  <a:sym typeface="Arial"/>
+                </a:defRPr>
+              </a:pPr>
+            </a:p>
+          </p:txBody>
+        </p:sp>
+        <p:sp>
+          <p:nvSpPr>
+            <p:cNvPr id="61" name="Character"/>
+            <p:cNvSpPr txBox="1"/>
+            <p:nvPr/>
+          </p:nvSpPr>
+          <p:spPr>
+            <a:xfrm>
+              <a:off x="29651" y="83502"/>
+              <a:ext cx="1595675" cy="350661"/>
+            </a:xfrm>
+            <a:prstGeom prst="rect">
+              <a:avLst/>
+            </a:prstGeom>
+            <a:noFill/>
+            <a:ln w="12700" cap="flat">
+              <a:noFill/>
+              <a:miter lim="400000"/>
+            </a:ln>
+            <a:effectLst/>
+            <a:extLst>
+              <a:ext uri="{C572A759-6A51-4108-AA02-DFA0A04FC94B}">
+                <ma14:wrappingTextBoxFlag xmlns:ma14="http://schemas.microsoft.com/office/mac/drawingml/2011/main" val="1"/>
+              </a:ext>
+            </a:extLst>
+          </p:spPr>
+          <p:txBody>
+            <a:bodyPr wrap="square" lIns="45718" tIns="45718" rIns="45718" bIns="45718" numCol="1" anchor="ctr">
+              <a:spAutoFit/>
+            </a:bodyPr>
+            <a:lstStyle>
+              <a:lvl1pPr algn="ctr">
+                <a:defRPr b="1" sz="1800">
+                  <a:solidFill>
+                    <a:srgbClr val="FFFFFF"/>
+                  </a:solidFill>
+                  <a:latin typeface="Arial"/>
+                  <a:ea typeface="Arial"/>
+                  <a:cs typeface="Arial"/>
+                  <a:sym typeface="Arial"/>
+                </a:defRPr>
+              </a:lvl1pPr>
+            </a:lstStyle>
+            <a:p>
+              <a:pPr/>
+              <a:r>
+                <a:t>Character</a:t>
+              </a:r>
+            </a:p>
+          </p:txBody>
+        </p:sp>
+      </p:grpSp>
+      <p:grpSp>
+        <p:nvGrpSpPr>
+          <p:cNvPr id="65" name="Entity"/>
+          <p:cNvGrpSpPr/>
+          <p:nvPr/>
+        </p:nvGrpSpPr>
+        <p:grpSpPr>
+          <a:xfrm>
+            <a:off x="6427018" y="2687224"/>
+            <a:ext cx="1654978" cy="517667"/>
+            <a:chOff x="0" y="0"/>
+            <a:chExt cx="1654977" cy="517665"/>
+          </a:xfrm>
+        </p:grpSpPr>
+        <p:sp>
+          <p:nvSpPr>
+            <p:cNvPr id="63" name="Rounded Rectangle"/>
+            <p:cNvSpPr/>
+            <p:nvPr/>
+          </p:nvSpPr>
+          <p:spPr>
+            <a:xfrm>
+              <a:off x="0" y="0"/>
+              <a:ext cx="1654978" cy="517666"/>
+            </a:xfrm>
+            <a:prstGeom prst="roundRect">
+              <a:avLst>
+                <a:gd name="adj" fmla="val 19557"/>
+              </a:avLst>
+            </a:prstGeom>
+            <a:gradFill flip="none" rotWithShape="1">
+              <a:gsLst>
+                <a:gs pos="0">
+                  <a:schemeClr val="accent5"/>
+                </a:gs>
+                <a:gs pos="100000">
+                  <a:schemeClr val="accent5">
+                    <a:satOff val="-6843"/>
+                    <a:lumOff val="-10705"/>
+                  </a:schemeClr>
+                </a:gs>
+              </a:gsLst>
+              <a:lin ang="16200000" scaled="0"/>
+            </a:gradFill>
+            <a:ln w="12700" cap="flat">
+              <a:noFill/>
+              <a:miter lim="400000"/>
+            </a:ln>
+            <a:effectLst>
+              <a:outerShdw sx="100000" sy="100000" kx="0" ky="0" algn="b" rotWithShape="0" blurRad="38100" dist="20000" dir="5400000">
+                <a:srgbClr val="000000">
+                  <a:alpha val="38000"/>
+                </a:srgbClr>
+              </a:outerShdw>
+            </a:effectLst>
+          </p:spPr>
+          <p:txBody>
+            <a:bodyPr wrap="square" lIns="45718" tIns="45718" rIns="45718" bIns="45718" numCol="1" anchor="ctr">
+              <a:noAutofit/>
+            </a:bodyPr>
+            <a:lstStyle/>
+            <a:p>
+              <a:pPr algn="ctr">
+                <a:defRPr b="1" sz="1800">
+                  <a:solidFill>
+                    <a:srgbClr val="FFFFFF"/>
+                  </a:solidFill>
+                  <a:latin typeface="Arial"/>
+                  <a:ea typeface="Arial"/>
+                  <a:cs typeface="Arial"/>
+                  <a:sym typeface="Arial"/>
+                </a:defRPr>
+              </a:pPr>
+            </a:p>
+          </p:txBody>
+        </p:sp>
+        <p:sp>
+          <p:nvSpPr>
+            <p:cNvPr id="64" name="Entity"/>
+            <p:cNvSpPr txBox="1"/>
+            <p:nvPr/>
+          </p:nvSpPr>
+          <p:spPr>
+            <a:xfrm>
+              <a:off x="29651" y="83502"/>
+              <a:ext cx="1595675" cy="350661"/>
+            </a:xfrm>
+            <a:prstGeom prst="rect">
+              <a:avLst/>
+            </a:prstGeom>
+            <a:noFill/>
+            <a:ln w="12700" cap="flat">
+              <a:noFill/>
+              <a:miter lim="400000"/>
+            </a:ln>
+            <a:effectLst/>
+            <a:extLst>
+              <a:ext uri="{C572A759-6A51-4108-AA02-DFA0A04FC94B}">
+                <ma14:wrappingTextBoxFlag xmlns:ma14="http://schemas.microsoft.com/office/mac/drawingml/2011/main" val="1"/>
+              </a:ext>
+            </a:extLst>
+          </p:spPr>
+          <p:txBody>
+            <a:bodyPr wrap="square" lIns="45718" tIns="45718" rIns="45718" bIns="45718" numCol="1" anchor="ctr">
+              <a:spAutoFit/>
+            </a:bodyPr>
+            <a:lstStyle>
+              <a:lvl1pPr algn="ctr">
+                <a:defRPr b="1" sz="1800">
+                  <a:solidFill>
+                    <a:srgbClr val="FFFFFF"/>
+                  </a:solidFill>
+                  <a:latin typeface="Arial"/>
+                  <a:ea typeface="Arial"/>
+                  <a:cs typeface="Arial"/>
+                  <a:sym typeface="Arial"/>
+                </a:defRPr>
+              </a:lvl1pPr>
+            </a:lstStyle>
+            <a:p>
+              <a:pPr/>
+              <a:r>
+                <a:t>Entity</a:t>
+              </a:r>
+            </a:p>
+          </p:txBody>
+        </p:sp>
+      </p:grpSp>
+      <p:grpSp>
+        <p:nvGrpSpPr>
+          <p:cNvPr id="68" name="Game"/>
+          <p:cNvGrpSpPr/>
+          <p:nvPr/>
+        </p:nvGrpSpPr>
+        <p:grpSpPr>
+          <a:xfrm>
+            <a:off x="6427018" y="5075516"/>
+            <a:ext cx="1654978" cy="517667"/>
+            <a:chOff x="0" y="0"/>
+            <a:chExt cx="1654977" cy="517665"/>
+          </a:xfrm>
+        </p:grpSpPr>
+        <p:sp>
+          <p:nvSpPr>
+            <p:cNvPr id="66" name="Rounded Rectangle"/>
+            <p:cNvSpPr/>
+            <p:nvPr/>
+          </p:nvSpPr>
+          <p:spPr>
+            <a:xfrm>
+              <a:off x="0" y="0"/>
+              <a:ext cx="1654978" cy="517666"/>
+            </a:xfrm>
+            <a:prstGeom prst="roundRect">
+              <a:avLst>
+                <a:gd name="adj" fmla="val 19557"/>
+              </a:avLst>
+            </a:prstGeom>
+            <a:gradFill flip="none" rotWithShape="1">
+              <a:gsLst>
+                <a:gs pos="0">
+                  <a:schemeClr val="accent5"/>
+                </a:gs>
+                <a:gs pos="100000">
+                  <a:schemeClr val="accent5">
+                    <a:satOff val="-6843"/>
+                    <a:lumOff val="-10705"/>
+                  </a:schemeClr>
+                </a:gs>
+              </a:gsLst>
+              <a:lin ang="16200000" scaled="0"/>
+            </a:gradFill>
+            <a:ln w="12700" cap="flat">
+              <a:noFill/>
+              <a:miter lim="400000"/>
+            </a:ln>
+            <a:effectLst>
+              <a:outerShdw sx="100000" sy="100000" kx="0" ky="0" algn="b" rotWithShape="0" blurRad="38100" dist="20000" dir="5400000">
+                <a:srgbClr val="000000">
+                  <a:alpha val="38000"/>
+                </a:srgbClr>
+              </a:outerShdw>
+            </a:effectLst>
+          </p:spPr>
+          <p:txBody>
+            <a:bodyPr wrap="square" lIns="45718" tIns="45718" rIns="45718" bIns="45718" numCol="1" anchor="ctr">
+              <a:noAutofit/>
+            </a:bodyPr>
+            <a:lstStyle/>
+            <a:p>
+              <a:pPr algn="ctr">
+                <a:defRPr b="1" sz="1800">
+                  <a:solidFill>
+                    <a:srgbClr val="FFFFFF"/>
+                  </a:solidFill>
+                  <a:latin typeface="Arial"/>
+                  <a:ea typeface="Arial"/>
+                  <a:cs typeface="Arial"/>
+                  <a:sym typeface="Arial"/>
+                </a:defRPr>
+              </a:pPr>
+            </a:p>
+          </p:txBody>
+        </p:sp>
+        <p:sp>
+          <p:nvSpPr>
+            <p:cNvPr id="67" name="Game"/>
+            <p:cNvSpPr txBox="1"/>
+            <p:nvPr/>
+          </p:nvSpPr>
+          <p:spPr>
+            <a:xfrm>
+              <a:off x="29651" y="83502"/>
+              <a:ext cx="1595675" cy="350661"/>
+            </a:xfrm>
+            <a:prstGeom prst="rect">
+              <a:avLst/>
+            </a:prstGeom>
+            <a:noFill/>
+            <a:ln w="12700" cap="flat">
+              <a:noFill/>
+              <a:miter lim="400000"/>
+            </a:ln>
+            <a:effectLst/>
+            <a:extLst>
+              <a:ext uri="{C572A759-6A51-4108-AA02-DFA0A04FC94B}">
+                <ma14:wrappingTextBoxFlag xmlns:ma14="http://schemas.microsoft.com/office/mac/drawingml/2011/main" val="1"/>
+              </a:ext>
+            </a:extLst>
+          </p:spPr>
+          <p:txBody>
+            <a:bodyPr wrap="square" lIns="45718" tIns="45718" rIns="45718" bIns="45718" numCol="1" anchor="ctr">
+              <a:spAutoFit/>
+            </a:bodyPr>
+            <a:lstStyle>
+              <a:lvl1pPr algn="ctr">
+                <a:defRPr b="1" sz="1800">
+                  <a:solidFill>
+                    <a:srgbClr val="FFFFFF"/>
+                  </a:solidFill>
+                  <a:latin typeface="Arial"/>
+                  <a:ea typeface="Arial"/>
+                  <a:cs typeface="Arial"/>
+                  <a:sym typeface="Arial"/>
+                </a:defRPr>
+              </a:lvl1pPr>
+            </a:lstStyle>
+            <a:p>
+              <a:pPr/>
+              <a:r>
+                <a:t>Game</a:t>
+              </a:r>
+            </a:p>
+          </p:txBody>
+        </p:sp>
+      </p:grpSp>
       <p:sp>
         <p:nvSpPr>
-          <p:cNvPr id="51" name="Character"/>
-          <p:cNvSpPr/>
-          <p:nvPr/>
-        </p:nvSpPr>
-        <p:spPr>
-          <a:xfrm>
-            <a:off x="6427018" y="1859996"/>
-            <a:ext cx="1654977" cy="517666"/>
-          </a:xfrm>
-          <a:prstGeom prst="roundRect">
-            <a:avLst>
-              <a:gd name="adj" fmla="val 19557"/>
-            </a:avLst>
-          </a:prstGeom>
-          <a:gradFill>
-            <a:gsLst>
-              <a:gs pos="0">
-                <a:schemeClr val="accent5"/>
-              </a:gs>
-              <a:gs pos="100000">
-                <a:schemeClr val="accent5">
-                  <a:satOff val="-6843"/>
-                  <a:lumOff val="-10705"/>
-                </a:schemeClr>
-              </a:gs>
-            </a:gsLst>
-            <a:lin ang="16200000"/>
-          </a:gradFill>
-          <a:ln w="12700">
-            <a:miter lim="400000"/>
-          </a:ln>
-          <a:effectLst>
-            <a:outerShdw blurRad="38100" dist="20000" dir="5400000" rotWithShape="0">
-              <a:srgbClr val="000000">
-                <a:alpha val="38000"/>
-              </a:srgbClr>
-            </a:outerShdw>
-          </a:effectLst>
-          <a:extLst>
-            <a:ext uri="{C572A759-6A51-4108-AA02-DFA0A04FC94B}">
-              <ma14:wrappingTextBoxFlag xmlns:ma14="http://schemas.microsoft.com/office/mac/drawingml/2011/main" xmlns:a14="http://schemas.microsoft.com/office/drawing/2010/main" xmlns:m="http://schemas.openxmlformats.org/officeDocument/2006/math" xmlns="" val="1"/>
-            </a:ext>
-          </a:extLst>
-        </p:spPr>
-        <p:txBody>
-          <a:bodyPr lIns="45719" rIns="45719" anchor="ctr"/>
-          <a:lstStyle>
-            <a:lvl1pPr algn="ctr">
-              <a:defRPr sz="1800" b="1">
-                <a:solidFill>
-                  <a:srgbClr val="FFFFFF"/>
-                </a:solidFill>
-                <a:latin typeface="Arial"/>
-                <a:ea typeface="Arial"/>
-                <a:cs typeface="Arial"/>
-                <a:sym typeface="Arial"/>
-              </a:defRPr>
-            </a:lvl1pPr>
-          </a:lstStyle>
-          <a:p>
-            <a:r>
-              <a:t>Character</a:t>
-            </a:r>
-          </a:p>
-        </p:txBody>
-      </p:sp>
-      <p:sp>
-        <p:nvSpPr>
-          <p:cNvPr id="52" name="Entity"/>
-          <p:cNvSpPr/>
-          <p:nvPr/>
-        </p:nvSpPr>
-        <p:spPr>
-          <a:xfrm>
-            <a:off x="6427018" y="2687225"/>
-            <a:ext cx="1654977" cy="517666"/>
-          </a:xfrm>
-          <a:prstGeom prst="roundRect">
-            <a:avLst>
-              <a:gd name="adj" fmla="val 19557"/>
-            </a:avLst>
-          </a:prstGeom>
-          <a:gradFill>
-            <a:gsLst>
-              <a:gs pos="0">
-                <a:schemeClr val="accent5"/>
-              </a:gs>
-              <a:gs pos="100000">
-                <a:schemeClr val="accent5">
-                  <a:satOff val="-6843"/>
-                  <a:lumOff val="-10705"/>
-                </a:schemeClr>
-              </a:gs>
-            </a:gsLst>
-            <a:lin ang="16200000"/>
-          </a:gradFill>
-          <a:ln w="12700">
-            <a:miter lim="400000"/>
-          </a:ln>
-          <a:effectLst>
-            <a:outerShdw blurRad="38100" dist="20000" dir="5400000" rotWithShape="0">
-              <a:srgbClr val="000000">
-                <a:alpha val="38000"/>
-              </a:srgbClr>
-            </a:outerShdw>
-          </a:effectLst>
-          <a:extLst>
-            <a:ext uri="{C572A759-6A51-4108-AA02-DFA0A04FC94B}">
-              <ma14:wrappingTextBoxFlag xmlns:ma14="http://schemas.microsoft.com/office/mac/drawingml/2011/main" xmlns:a14="http://schemas.microsoft.com/office/drawing/2010/main" xmlns:m="http://schemas.openxmlformats.org/officeDocument/2006/math" xmlns="" val="1"/>
-            </a:ext>
-          </a:extLst>
-        </p:spPr>
-        <p:txBody>
-          <a:bodyPr lIns="45719" rIns="45719" anchor="ctr"/>
-          <a:lstStyle>
-            <a:lvl1pPr algn="ctr">
-              <a:defRPr sz="1800" b="1">
-                <a:solidFill>
-                  <a:srgbClr val="FFFFFF"/>
-                </a:solidFill>
-                <a:latin typeface="Arial"/>
-                <a:ea typeface="Arial"/>
-                <a:cs typeface="Arial"/>
-                <a:sym typeface="Arial"/>
-              </a:defRPr>
-            </a:lvl1pPr>
-          </a:lstStyle>
-          <a:p>
-            <a:r>
-              <a:t>Entity</a:t>
-            </a:r>
-          </a:p>
-        </p:txBody>
-      </p:sp>
-      <p:sp>
-        <p:nvSpPr>
-          <p:cNvPr id="53" name="Game"/>
-          <p:cNvSpPr/>
-          <p:nvPr/>
-        </p:nvSpPr>
-        <p:spPr>
-          <a:xfrm>
-            <a:off x="6427018" y="5075517"/>
-            <a:ext cx="1654977" cy="517666"/>
-          </a:xfrm>
-          <a:prstGeom prst="roundRect">
-            <a:avLst>
-              <a:gd name="adj" fmla="val 19557"/>
-            </a:avLst>
-          </a:prstGeom>
-          <a:gradFill>
-            <a:gsLst>
-              <a:gs pos="0">
-                <a:schemeClr val="accent5"/>
-              </a:gs>
-              <a:gs pos="100000">
-                <a:schemeClr val="accent5">
-                  <a:satOff val="-6843"/>
-                  <a:lumOff val="-10705"/>
-                </a:schemeClr>
-              </a:gs>
-            </a:gsLst>
-            <a:lin ang="16200000"/>
-          </a:gradFill>
-          <a:ln w="12700">
-            <a:miter lim="400000"/>
-          </a:ln>
-          <a:effectLst>
-            <a:outerShdw blurRad="38100" dist="20000" dir="5400000" rotWithShape="0">
-              <a:srgbClr val="000000">
-                <a:alpha val="38000"/>
-              </a:srgbClr>
-            </a:outerShdw>
-          </a:effectLst>
-          <a:extLst>
-            <a:ext uri="{C572A759-6A51-4108-AA02-DFA0A04FC94B}">
-              <ma14:wrappingTextBoxFlag xmlns:ma14="http://schemas.microsoft.com/office/mac/drawingml/2011/main" xmlns:a14="http://schemas.microsoft.com/office/drawing/2010/main" xmlns:m="http://schemas.openxmlformats.org/officeDocument/2006/math" xmlns="" val="1"/>
-            </a:ext>
-          </a:extLst>
-        </p:spPr>
-        <p:txBody>
-          <a:bodyPr lIns="45719" rIns="45719" anchor="ctr"/>
-          <a:lstStyle>
-            <a:lvl1pPr algn="ctr">
-              <a:defRPr sz="1800" b="1">
-                <a:solidFill>
-                  <a:srgbClr val="FFFFFF"/>
-                </a:solidFill>
-                <a:latin typeface="Arial"/>
-                <a:ea typeface="Arial"/>
-                <a:cs typeface="Arial"/>
-                <a:sym typeface="Arial"/>
-              </a:defRPr>
-            </a:lvl1pPr>
-          </a:lstStyle>
-          <a:p>
-            <a:r>
-              <a:t>Game</a:t>
-            </a:r>
-          </a:p>
-        </p:txBody>
-      </p:sp>
-      <p:sp>
-        <p:nvSpPr>
-          <p:cNvPr id="54" name="extends"/>
+          <p:cNvPr id="69" name="extends"/>
           <p:cNvSpPr txBox="1"/>
           <p:nvPr/>
         </p:nvSpPr>
         <p:spPr>
           <a:xfrm>
             <a:off x="7349203" y="2396580"/>
-            <a:ext cx="680106" cy="264255"/>
+            <a:ext cx="680104" cy="264253"/>
           </a:xfrm>
           <a:prstGeom prst="rect">
             <a:avLst/>
@@ -3073,17 +3583,17 @@
           </a:ln>
           <a:extLst>
             <a:ext uri="{C572A759-6A51-4108-AA02-DFA0A04FC94B}">
-              <ma14:wrappingTextBoxFlag xmlns:ma14="http://schemas.microsoft.com/office/mac/drawingml/2011/main" xmlns:a14="http://schemas.microsoft.com/office/drawing/2010/main" xmlns:m="http://schemas.openxmlformats.org/officeDocument/2006/math" xmlns="" val="1"/>
+              <ma14:wrappingTextBoxFlag xmlns:ma14="http://schemas.microsoft.com/office/mac/drawingml/2011/main" val="1"/>
             </a:ext>
           </a:extLst>
         </p:spPr>
         <p:txBody>
-          <a:bodyPr wrap="none" lIns="45719" rIns="45719" anchor="ctr">
+          <a:bodyPr wrap="none" lIns="45718" tIns="45718" rIns="45718" bIns="45718" anchor="ctr">
             <a:spAutoFit/>
           </a:bodyPr>
           <a:lstStyle>
             <a:lvl1pPr algn="r">
-              <a:defRPr sz="1200" b="1">
+              <a:defRPr b="1" sz="1200">
                 <a:solidFill>
                   <a:schemeClr val="accent1">
                     <a:lumOff val="-8000"/>
@@ -3097,6 +3607,7 @@
             </a:lvl1pPr>
           </a:lstStyle>
           <a:p>
+            <a:pPr/>
             <a:r>
               <a:t>extends</a:t>
             </a:r>
@@ -3105,14 +3616,14 @@
       </p:sp>
       <p:sp>
         <p:nvSpPr>
-          <p:cNvPr id="55" name="has"/>
+          <p:cNvPr id="70" name="has"/>
           <p:cNvSpPr txBox="1"/>
           <p:nvPr/>
         </p:nvSpPr>
         <p:spPr>
           <a:xfrm rot="20786281">
-            <a:off x="4781942" y="2085555"/>
-            <a:ext cx="366748" cy="264256"/>
+            <a:off x="4781941" y="2085555"/>
+            <a:ext cx="366746" cy="264253"/>
           </a:xfrm>
           <a:prstGeom prst="rect">
             <a:avLst/>
@@ -3122,17 +3633,17 @@
           </a:ln>
           <a:extLst>
             <a:ext uri="{C572A759-6A51-4108-AA02-DFA0A04FC94B}">
-              <ma14:wrappingTextBoxFlag xmlns:ma14="http://schemas.microsoft.com/office/mac/drawingml/2011/main" xmlns:a14="http://schemas.microsoft.com/office/drawing/2010/main" xmlns:m="http://schemas.openxmlformats.org/officeDocument/2006/math" xmlns="" val="1"/>
+              <ma14:wrappingTextBoxFlag xmlns:ma14="http://schemas.microsoft.com/office/mac/drawingml/2011/main" val="1"/>
             </a:ext>
           </a:extLst>
         </p:spPr>
         <p:txBody>
-          <a:bodyPr wrap="none" lIns="45719" rIns="45719" anchor="ctr">
+          <a:bodyPr wrap="none" lIns="45718" tIns="45718" rIns="45718" bIns="45718" anchor="ctr">
             <a:spAutoFit/>
           </a:bodyPr>
           <a:lstStyle>
             <a:lvl1pPr algn="r">
-              <a:defRPr sz="1200" b="1">
+              <a:defRPr b="1" sz="1200">
                 <a:solidFill>
                   <a:schemeClr val="accent1">
                     <a:lumOff val="-8000"/>
@@ -3146,6 +3657,7 @@
             </a:lvl1pPr>
           </a:lstStyle>
           <a:p>
+            <a:pPr/>
             <a:r>
               <a:t>has</a:t>
             </a:r>
@@ -3154,14 +3666,14 @@
       </p:sp>
       <p:sp>
         <p:nvSpPr>
-          <p:cNvPr id="56" name="has"/>
+          <p:cNvPr id="71" name="has"/>
           <p:cNvSpPr txBox="1"/>
           <p:nvPr/>
         </p:nvSpPr>
         <p:spPr>
           <a:xfrm>
-            <a:off x="4834685" y="2503148"/>
-            <a:ext cx="366748" cy="264255"/>
+            <a:off x="4834685" y="2503147"/>
+            <a:ext cx="366746" cy="264254"/>
           </a:xfrm>
           <a:prstGeom prst="rect">
             <a:avLst/>
@@ -3171,17 +3683,17 @@
           </a:ln>
           <a:extLst>
             <a:ext uri="{C572A759-6A51-4108-AA02-DFA0A04FC94B}">
-              <ma14:wrappingTextBoxFlag xmlns:ma14="http://schemas.microsoft.com/office/mac/drawingml/2011/main" xmlns:a14="http://schemas.microsoft.com/office/drawing/2010/main" xmlns:m="http://schemas.openxmlformats.org/officeDocument/2006/math" xmlns="" val="1"/>
+              <ma14:wrappingTextBoxFlag xmlns:ma14="http://schemas.microsoft.com/office/mac/drawingml/2011/main" val="1"/>
             </a:ext>
           </a:extLst>
         </p:spPr>
         <p:txBody>
-          <a:bodyPr wrap="none" lIns="45719" rIns="45719" anchor="ctr">
+          <a:bodyPr wrap="none" lIns="45718" tIns="45718" rIns="45718" bIns="45718" anchor="ctr">
             <a:spAutoFit/>
           </a:bodyPr>
           <a:lstStyle>
             <a:lvl1pPr algn="r">
-              <a:defRPr sz="1200" b="1">
+              <a:defRPr b="1" sz="1200">
                 <a:solidFill>
                   <a:schemeClr val="accent1">
                     <a:lumOff val="-8000"/>
@@ -3195,6 +3707,7 @@
             </a:lvl1pPr>
           </a:lstStyle>
           <a:p>
+            <a:pPr/>
             <a:r>
               <a:t>has</a:t>
             </a:r>
@@ -3203,14 +3716,14 @@
       </p:sp>
       <p:sp>
         <p:nvSpPr>
-          <p:cNvPr id="57" name="has"/>
+          <p:cNvPr id="72" name="has"/>
           <p:cNvSpPr txBox="1"/>
           <p:nvPr/>
         </p:nvSpPr>
         <p:spPr>
           <a:xfrm>
-            <a:off x="7400381" y="3279146"/>
-            <a:ext cx="366748" cy="264255"/>
+            <a:off x="7400380" y="3279145"/>
+            <a:ext cx="366747" cy="264254"/>
           </a:xfrm>
           <a:prstGeom prst="rect">
             <a:avLst/>
@@ -3220,17 +3733,17 @@
           </a:ln>
           <a:extLst>
             <a:ext uri="{C572A759-6A51-4108-AA02-DFA0A04FC94B}">
-              <ma14:wrappingTextBoxFlag xmlns:ma14="http://schemas.microsoft.com/office/mac/drawingml/2011/main" xmlns:a14="http://schemas.microsoft.com/office/drawing/2010/main" xmlns:m="http://schemas.openxmlformats.org/officeDocument/2006/math" xmlns="" val="1"/>
+              <ma14:wrappingTextBoxFlag xmlns:ma14="http://schemas.microsoft.com/office/mac/drawingml/2011/main" val="1"/>
             </a:ext>
           </a:extLst>
         </p:spPr>
         <p:txBody>
-          <a:bodyPr wrap="none" lIns="45719" rIns="45719" anchor="ctr">
+          <a:bodyPr wrap="none" lIns="45718" tIns="45718" rIns="45718" bIns="45718" anchor="ctr">
             <a:spAutoFit/>
           </a:bodyPr>
           <a:lstStyle>
             <a:lvl1pPr algn="r">
-              <a:defRPr sz="1200" b="1">
+              <a:defRPr b="1" sz="1200">
                 <a:solidFill>
                   <a:schemeClr val="accent1">
                     <a:lumOff val="-8000"/>
@@ -3244,6 +3757,7 @@
             </a:lvl1pPr>
           </a:lstStyle>
           <a:p>
+            <a:pPr/>
             <a:r>
               <a:t>has</a:t>
             </a:r>
@@ -3252,14 +3766,14 @@
       </p:sp>
       <p:sp>
         <p:nvSpPr>
-          <p:cNvPr id="58" name="has"/>
+          <p:cNvPr id="73" name="has"/>
           <p:cNvSpPr txBox="1"/>
           <p:nvPr/>
         </p:nvSpPr>
         <p:spPr>
           <a:xfrm rot="2017798">
-            <a:off x="4732292" y="3976480"/>
-            <a:ext cx="366749" cy="264255"/>
+            <a:off x="4732293" y="3976479"/>
+            <a:ext cx="366746" cy="264253"/>
           </a:xfrm>
           <a:prstGeom prst="rect">
             <a:avLst/>
@@ -3269,17 +3783,17 @@
           </a:ln>
           <a:extLst>
             <a:ext uri="{C572A759-6A51-4108-AA02-DFA0A04FC94B}">
-              <ma14:wrappingTextBoxFlag xmlns:ma14="http://schemas.microsoft.com/office/mac/drawingml/2011/main" xmlns:a14="http://schemas.microsoft.com/office/drawing/2010/main" xmlns:m="http://schemas.openxmlformats.org/officeDocument/2006/math" xmlns="" val="1"/>
+              <ma14:wrappingTextBoxFlag xmlns:ma14="http://schemas.microsoft.com/office/mac/drawingml/2011/main" val="1"/>
             </a:ext>
           </a:extLst>
         </p:spPr>
         <p:txBody>
-          <a:bodyPr wrap="none" lIns="45719" rIns="45719" anchor="ctr">
+          <a:bodyPr wrap="none" lIns="45718" tIns="45718" rIns="45718" bIns="45718" anchor="ctr">
             <a:spAutoFit/>
           </a:bodyPr>
           <a:lstStyle>
             <a:lvl1pPr algn="r">
-              <a:defRPr sz="1200" b="1">
+              <a:defRPr b="1" sz="1200">
                 <a:solidFill>
                   <a:schemeClr val="accent1">
                     <a:lumOff val="-8000"/>
@@ -3293,6 +3807,7 @@
             </a:lvl1pPr>
           </a:lstStyle>
           <a:p>
+            <a:pPr/>
             <a:r>
               <a:t>has</a:t>
             </a:r>
@@ -3301,14 +3816,14 @@
       </p:sp>
       <p:sp>
         <p:nvSpPr>
-          <p:cNvPr id="59" name="has"/>
+          <p:cNvPr id="74" name="has"/>
           <p:cNvSpPr txBox="1"/>
           <p:nvPr/>
         </p:nvSpPr>
         <p:spPr>
           <a:xfrm rot="5400000">
-            <a:off x="2027019" y="3317627"/>
-            <a:ext cx="366748" cy="264255"/>
+            <a:off x="1573380" y="3367007"/>
+            <a:ext cx="366746" cy="264253"/>
           </a:xfrm>
           <a:prstGeom prst="rect">
             <a:avLst/>
@@ -3318,17 +3833,17 @@
           </a:ln>
           <a:extLst>
             <a:ext uri="{C572A759-6A51-4108-AA02-DFA0A04FC94B}">
-              <ma14:wrappingTextBoxFlag xmlns:ma14="http://schemas.microsoft.com/office/mac/drawingml/2011/main" xmlns:a14="http://schemas.microsoft.com/office/drawing/2010/main" xmlns:m="http://schemas.openxmlformats.org/officeDocument/2006/math" xmlns="" val="1"/>
+              <ma14:wrappingTextBoxFlag xmlns:ma14="http://schemas.microsoft.com/office/mac/drawingml/2011/main" val="1"/>
             </a:ext>
           </a:extLst>
         </p:spPr>
         <p:txBody>
-          <a:bodyPr wrap="none" lIns="45719" rIns="45719" anchor="ctr">
+          <a:bodyPr wrap="none" lIns="45718" tIns="45718" rIns="45718" bIns="45718" anchor="ctr">
             <a:spAutoFit/>
           </a:bodyPr>
           <a:lstStyle>
             <a:lvl1pPr algn="r">
-              <a:defRPr sz="1200" b="1">
+              <a:defRPr b="1" sz="1200">
                 <a:solidFill>
                   <a:schemeClr val="accent1">
                     <a:lumOff val="-8000"/>
@@ -3342,6 +3857,7 @@
             </a:lvl1pPr>
           </a:lstStyle>
           <a:p>
+            <a:pPr/>
             <a:r>
               <a:t>has</a:t>
             </a:r>
@@ -3350,14 +3866,14 @@
       </p:sp>
       <p:sp>
         <p:nvSpPr>
-          <p:cNvPr id="60" name="has"/>
+          <p:cNvPr id="75" name="uses"/>
           <p:cNvSpPr txBox="1"/>
           <p:nvPr/>
         </p:nvSpPr>
         <p:spPr>
           <a:xfrm rot="5400000">
-            <a:off x="1573377" y="3367007"/>
-            <a:ext cx="366748" cy="264256"/>
+            <a:off x="1607200" y="5505205"/>
+            <a:ext cx="451504" cy="264253"/>
           </a:xfrm>
           <a:prstGeom prst="rect">
             <a:avLst/>
@@ -3367,17 +3883,17 @@
           </a:ln>
           <a:extLst>
             <a:ext uri="{C572A759-6A51-4108-AA02-DFA0A04FC94B}">
-              <ma14:wrappingTextBoxFlag xmlns:ma14="http://schemas.microsoft.com/office/mac/drawingml/2011/main" xmlns:a14="http://schemas.microsoft.com/office/drawing/2010/main" xmlns:m="http://schemas.openxmlformats.org/officeDocument/2006/math" xmlns="" val="1"/>
+              <ma14:wrappingTextBoxFlag xmlns:ma14="http://schemas.microsoft.com/office/mac/drawingml/2011/main" val="1"/>
             </a:ext>
           </a:extLst>
         </p:spPr>
         <p:txBody>
-          <a:bodyPr wrap="none" lIns="45719" rIns="45719" anchor="ctr">
+          <a:bodyPr wrap="none" lIns="45718" tIns="45718" rIns="45718" bIns="45718" anchor="ctr">
             <a:spAutoFit/>
           </a:bodyPr>
           <a:lstStyle>
             <a:lvl1pPr algn="r">
-              <a:defRPr sz="1200" b="1">
+              <a:defRPr b="1" sz="1200">
                 <a:solidFill>
                   <a:schemeClr val="accent1">
                     <a:lumOff val="-8000"/>
@@ -3391,22 +3907,23 @@
             </a:lvl1pPr>
           </a:lstStyle>
           <a:p>
-            <a:r>
-              <a:t>has</a:t>
+            <a:pPr/>
+            <a:r>
+              <a:t>uses</a:t>
             </a:r>
           </a:p>
         </p:txBody>
       </p:sp>
       <p:sp>
         <p:nvSpPr>
-          <p:cNvPr id="61" name="uses"/>
+          <p:cNvPr id="76" name="creates, shows"/>
           <p:cNvSpPr txBox="1"/>
           <p:nvPr/>
         </p:nvSpPr>
         <p:spPr>
-          <a:xfrm rot="5400000">
-            <a:off x="1607198" y="5505206"/>
-            <a:ext cx="451506" cy="264255"/>
+          <a:xfrm>
+            <a:off x="2319403" y="2188181"/>
+            <a:ext cx="1196909" cy="264254"/>
           </a:xfrm>
           <a:prstGeom prst="rect">
             <a:avLst/>
@@ -3416,17 +3933,17 @@
           </a:ln>
           <a:extLst>
             <a:ext uri="{C572A759-6A51-4108-AA02-DFA0A04FC94B}">
-              <ma14:wrappingTextBoxFlag xmlns:ma14="http://schemas.microsoft.com/office/mac/drawingml/2011/main" xmlns:a14="http://schemas.microsoft.com/office/drawing/2010/main" xmlns:m="http://schemas.openxmlformats.org/officeDocument/2006/math" xmlns="" val="1"/>
+              <ma14:wrappingTextBoxFlag xmlns:ma14="http://schemas.microsoft.com/office/mac/drawingml/2011/main" val="1"/>
             </a:ext>
           </a:extLst>
         </p:spPr>
         <p:txBody>
-          <a:bodyPr wrap="none" lIns="45719" rIns="45719" anchor="ctr">
+          <a:bodyPr wrap="none" lIns="45718" tIns="45718" rIns="45718" bIns="45718" anchor="ctr">
             <a:spAutoFit/>
           </a:bodyPr>
           <a:lstStyle>
-            <a:lvl1pPr algn="r">
-              <a:defRPr sz="1200" b="1">
+            <a:lvl1pPr>
+              <a:defRPr b="1" sz="1200">
                 <a:solidFill>
                   <a:schemeClr val="accent1">
                     <a:lumOff val="-8000"/>
@@ -3440,55 +3957,7 @@
             </a:lvl1pPr>
           </a:lstStyle>
           <a:p>
-            <a:r>
-              <a:t>uses</a:t>
-            </a:r>
-          </a:p>
-        </p:txBody>
-      </p:sp>
-      <p:sp>
-        <p:nvSpPr>
-          <p:cNvPr id="62" name="creates, shows"/>
-          <p:cNvSpPr txBox="1"/>
-          <p:nvPr/>
-        </p:nvSpPr>
-        <p:spPr>
-          <a:xfrm>
-            <a:off x="2319403" y="2188182"/>
-            <a:ext cx="1196911" cy="264255"/>
-          </a:xfrm>
-          <a:prstGeom prst="rect">
-            <a:avLst/>
-          </a:prstGeom>
-          <a:ln w="12700">
-            <a:miter lim="400000"/>
-          </a:ln>
-          <a:extLst>
-            <a:ext uri="{C572A759-6A51-4108-AA02-DFA0A04FC94B}">
-              <ma14:wrappingTextBoxFlag xmlns:ma14="http://schemas.microsoft.com/office/mac/drawingml/2011/main" xmlns:a14="http://schemas.microsoft.com/office/drawing/2010/main" xmlns:m="http://schemas.openxmlformats.org/officeDocument/2006/math" xmlns="" val="1"/>
-            </a:ext>
-          </a:extLst>
-        </p:spPr>
-        <p:txBody>
-          <a:bodyPr wrap="none" lIns="45719" rIns="45719" anchor="ctr">
-            <a:spAutoFit/>
-          </a:bodyPr>
-          <a:lstStyle>
-            <a:lvl1pPr>
-              <a:defRPr sz="1200" b="1">
-                <a:solidFill>
-                  <a:schemeClr val="accent1">
-                    <a:lumOff val="-8000"/>
-                  </a:schemeClr>
-                </a:solidFill>
-                <a:latin typeface="Arial"/>
-                <a:ea typeface="Arial"/>
-                <a:cs typeface="Arial"/>
-                <a:sym typeface="Arial"/>
-              </a:defRPr>
-            </a:lvl1pPr>
-          </a:lstStyle>
-          <a:p>
+            <a:pPr/>
             <a:r>
               <a:t>creates, shows</a:t>
             </a:r>
@@ -3500,12 +3969,12 @@
   <p:clrMapOvr>
     <a:masterClrMapping/>
   </p:clrMapOvr>
-  <p:transition spd="med"/>
+  <p:transition xmlns:p14="http://schemas.microsoft.com/office/powerpoint/2010/main" spd="med" advClick="1"/>
 </p:sld>
 </file>
 
 <file path=ppt/slides/slide6.xml><?xml version="1.0" encoding="utf-8"?>
-<p:sld xmlns:a="http://schemas.openxmlformats.org/drawingml/2006/main" xmlns:r="http://schemas.openxmlformats.org/officeDocument/2006/relationships" xmlns:p="http://schemas.openxmlformats.org/presentationml/2006/main">
+<p:sld xmlns:a="http://schemas.openxmlformats.org/drawingml/2006/main" xmlns:r="http://schemas.openxmlformats.org/officeDocument/2006/relationships" xmlns:p="http://schemas.openxmlformats.org/presentationml/2006/main" xmlns:m="http://schemas.openxmlformats.org/officeDocument/2006/math" xmlns:a14="http://schemas.microsoft.com/office/drawing/2010/main" showMasterSp="1" showMasterPhAnim="1">
   <p:cSld>
     <p:spTree>
       <p:nvGrpSpPr>
@@ -3523,18 +3992,16 @@
       </p:grpSpPr>
       <p:sp>
         <p:nvSpPr>
-          <p:cNvPr id="64" name="Software Stack"/>
-          <p:cNvSpPr txBox="1">
-            <a:spLocks noGrp="1"/>
-          </p:cNvSpPr>
+          <p:cNvPr id="78" name="Software Stack"/>
+          <p:cNvSpPr txBox="1"/>
           <p:nvPr>
             <p:ph type="title" idx="4294967295"/>
           </p:nvPr>
         </p:nvSpPr>
         <p:spPr>
           <a:xfrm>
-            <a:off x="685800" y="609599"/>
-            <a:ext cx="7772400" cy="1143002"/>
+            <a:off x="685800" y="609598"/>
+            <a:ext cx="7772400" cy="1143003"/>
           </a:xfrm>
           <a:prstGeom prst="rect">
             <a:avLst/>
@@ -3542,7 +4009,7 @@
         </p:spPr>
         <p:txBody>
           <a:bodyPr>
-            <a:normAutofit/>
+            <a:normAutofit fontScale="100000" lnSpcReduction="0"/>
           </a:bodyPr>
           <a:lstStyle>
             <a:lvl1pPr>
@@ -3550,6 +4017,7 @@
             </a:lvl1pPr>
           </a:lstStyle>
           <a:p>
+            <a:pPr/>
             <a:r>
               <a:t>Software Stack</a:t>
             </a:r>
@@ -3558,10 +4026,8 @@
       </p:sp>
       <p:sp>
         <p:nvSpPr>
-          <p:cNvPr id="65" name="The software language (Java etc. )tools, libraries, databases… used in the project…"/>
-          <p:cNvSpPr txBox="1">
-            <a:spLocks noGrp="1"/>
-          </p:cNvSpPr>
+          <p:cNvPr id="79" name="The software language (Java etc. )tools, libraries, databases… used in the project…"/>
+          <p:cNvSpPr txBox="1"/>
           <p:nvPr>
             <p:ph type="body" idx="4294967295"/>
           </p:nvPr>
@@ -3577,7 +4043,7 @@
         </p:spPr>
         <p:txBody>
           <a:bodyPr>
-            <a:normAutofit/>
+            <a:normAutofit fontScale="100000" lnSpcReduction="0"/>
           </a:bodyPr>
           <a:lstStyle/>
           <a:p>
@@ -3585,42 +4051,33 @@
               <a:buChar char="•"/>
             </a:pPr>
             <a:r>
-              <a:rPr lang="en-US" dirty="0"/>
               <a:t>Developed with Java using mostly AWT with some Swing components</a:t>
             </a:r>
-            <a:endParaRPr dirty="0"/>
           </a:p>
           <a:p>
             <a:pPr>
               <a:buChar char="•"/>
             </a:pPr>
             <a:r>
-              <a:rPr dirty="0"/>
               <a:t>Developed primarily on Windows</a:t>
             </a:r>
             <a:r>
-              <a:rPr lang="en-US" dirty="0"/>
               <a:t> 7</a:t>
             </a:r>
             <a:r>
-              <a:rPr dirty="0"/>
               <a:t> and some on macOS</a:t>
             </a:r>
-            <a:endParaRPr lang="en-US" dirty="0"/>
           </a:p>
           <a:p>
             <a:pPr>
               <a:buChar char="•"/>
             </a:pPr>
             <a:r>
-              <a:rPr dirty="0"/>
               <a:t>Most testing done using Windows </a:t>
             </a:r>
             <a:r>
-              <a:rPr lang="en-US" dirty="0"/>
               <a:t>7</a:t>
             </a:r>
-            <a:endParaRPr dirty="0"/>
           </a:p>
         </p:txBody>
       </p:sp>
@@ -3629,12 +4086,12 @@
   <p:clrMapOvr>
     <a:masterClrMapping/>
   </p:clrMapOvr>
-  <p:transition spd="med"/>
+  <p:transition xmlns:p14="http://schemas.microsoft.com/office/powerpoint/2010/main" spd="med" advClick="1"/>
 </p:sld>
 </file>
 
 <file path=ppt/slides/slide7.xml><?xml version="1.0" encoding="utf-8"?>
-<p:sld xmlns:a="http://schemas.openxmlformats.org/drawingml/2006/main" xmlns:r="http://schemas.openxmlformats.org/officeDocument/2006/relationships" xmlns:p="http://schemas.openxmlformats.org/presentationml/2006/main">
+<p:sld xmlns:a="http://schemas.openxmlformats.org/drawingml/2006/main" xmlns:r="http://schemas.openxmlformats.org/officeDocument/2006/relationships" xmlns:p="http://schemas.openxmlformats.org/presentationml/2006/main" xmlns:m="http://schemas.openxmlformats.org/officeDocument/2006/math" xmlns:a14="http://schemas.microsoft.com/office/drawing/2010/main" showMasterSp="1" showMasterPhAnim="1">
   <p:cSld>
     <p:spTree>
       <p:nvGrpSpPr>
@@ -3652,18 +4109,16 @@
       </p:grpSpPr>
       <p:sp>
         <p:nvSpPr>
-          <p:cNvPr id="67" name="Project Development Experiences"/>
-          <p:cNvSpPr txBox="1">
-            <a:spLocks noGrp="1"/>
-          </p:cNvSpPr>
+          <p:cNvPr id="81" name="Project Development Experiences"/>
+          <p:cNvSpPr txBox="1"/>
           <p:nvPr>
             <p:ph type="title" idx="4294967295"/>
           </p:nvPr>
         </p:nvSpPr>
         <p:spPr>
           <a:xfrm>
-            <a:off x="685800" y="609599"/>
-            <a:ext cx="7772400" cy="1143002"/>
+            <a:off x="685800" y="609598"/>
+            <a:ext cx="7772400" cy="1143003"/>
           </a:xfrm>
           <a:prstGeom prst="rect">
             <a:avLst/>
@@ -3671,14 +4126,15 @@
         </p:spPr>
         <p:txBody>
           <a:bodyPr>
-            <a:normAutofit/>
+            <a:normAutofit fontScale="100000" lnSpcReduction="0"/>
           </a:bodyPr>
           <a:lstStyle>
             <a:lvl1pPr defTabSz="850391">
-              <a:defRPr sz="3720"/>
+              <a:defRPr sz="3700"/>
             </a:lvl1pPr>
           </a:lstStyle>
           <a:p>
+            <a:pPr/>
             <a:r>
               <a:t>Project Development Experiences</a:t>
             </a:r>
@@ -3687,18 +4143,16 @@
       </p:sp>
       <p:sp>
         <p:nvSpPr>
-          <p:cNvPr id="68" name="The size of the source code…"/>
-          <p:cNvSpPr txBox="1">
-            <a:spLocks noGrp="1"/>
-          </p:cNvSpPr>
+          <p:cNvPr id="82" name="The size of the source code…"/>
+          <p:cNvSpPr txBox="1"/>
           <p:nvPr>
             <p:ph type="body" idx="4294967295"/>
           </p:nvPr>
         </p:nvSpPr>
         <p:spPr>
           <a:xfrm>
-            <a:off x="685800" y="1981200"/>
-            <a:ext cx="8229600" cy="3505200"/>
+            <a:off x="457200" y="1981200"/>
+            <a:ext cx="8229600" cy="4636595"/>
           </a:xfrm>
           <a:prstGeom prst="rect">
             <a:avLst/>
@@ -3706,187 +4160,518 @@
         </p:spPr>
         <p:txBody>
           <a:bodyPr>
-            <a:normAutofit fontScale="25000" lnSpcReduction="20000"/>
+            <a:normAutofit fontScale="100000" lnSpcReduction="0"/>
           </a:bodyPr>
           <a:lstStyle/>
           <a:p>
-            <a:pPr>
+            <a:pPr marL="144017" indent="-144017" defTabSz="384047">
+              <a:lnSpc>
+                <a:spcPct val="80000"/>
+              </a:lnSpc>
+              <a:spcBef>
+                <a:spcPts val="200"/>
+              </a:spcBef>
               <a:buChar char="•"/>
+              <a:defRPr sz="839"/>
             </a:pPr>
             <a:r>
-              <a:rPr dirty="0"/>
               <a:t>The size of the source code</a:t>
             </a:r>
-            <a:endParaRPr lang="en-US" dirty="0"/>
-          </a:p>
-          <a:p>
-            <a:pPr lvl="1">
+          </a:p>
+          <a:p>
+            <a:pPr lvl="1" marL="329183" indent="-137159" defTabSz="384047">
+              <a:lnSpc>
+                <a:spcPct val="80000"/>
+              </a:lnSpc>
+              <a:spcBef>
+                <a:spcPts val="200"/>
+              </a:spcBef>
               <a:buChar char="•"/>
+              <a:defRPr sz="839"/>
             </a:pPr>
             <a:r>
-              <a:rPr lang="en-US" dirty="0"/>
               <a:t>We’re sitting at just under 800 lines of code right now.</a:t>
             </a:r>
           </a:p>
           <a:p>
-            <a:pPr lvl="1">
+            <a:pPr lvl="1" marL="329183" indent="-137159" defTabSz="384047">
+              <a:lnSpc>
+                <a:spcPct val="80000"/>
+              </a:lnSpc>
+              <a:spcBef>
+                <a:spcPts val="200"/>
+              </a:spcBef>
               <a:buChar char="•"/>
+              <a:defRPr sz="839"/>
             </a:pPr>
             <a:r>
-              <a:rPr lang="en-US" dirty="0"/>
               <a:t>I’d say once we’re completely done it’ll be around 900</a:t>
             </a:r>
-            <a:endParaRPr dirty="0"/>
-          </a:p>
-          <a:p>
-            <a:pPr>
+          </a:p>
+          <a:p>
+            <a:pPr marL="144017" indent="-144017" defTabSz="384047">
+              <a:lnSpc>
+                <a:spcPct val="80000"/>
+              </a:lnSpc>
+              <a:spcBef>
+                <a:spcPts val="200"/>
+              </a:spcBef>
               <a:buChar char="•"/>
+              <a:defRPr sz="839"/>
             </a:pPr>
             <a:r>
-              <a:rPr lang="en-US" dirty="0"/>
               <a:t>Time you’ve spent</a:t>
             </a:r>
           </a:p>
           <a:p>
-            <a:pPr lvl="1">
+            <a:pPr lvl="1" marL="329183" indent="-137159" defTabSz="384047">
+              <a:lnSpc>
+                <a:spcPct val="80000"/>
+              </a:lnSpc>
+              <a:spcBef>
+                <a:spcPts val="200"/>
+              </a:spcBef>
               <a:buChar char="•"/>
+              <a:defRPr sz="839"/>
             </a:pPr>
             <a:r>
-              <a:rPr lang="en-US" dirty="0"/>
               <a:t>Jacob</a:t>
             </a:r>
           </a:p>
           <a:p>
-            <a:pPr lvl="2"/>
-            <a:r>
-              <a:rPr lang="en-US" dirty="0"/>
+            <a:pPr lvl="2" marL="512063" indent="-128015" defTabSz="384047">
+              <a:lnSpc>
+                <a:spcPct val="80000"/>
+              </a:lnSpc>
+              <a:spcBef>
+                <a:spcPts val="200"/>
+              </a:spcBef>
+              <a:defRPr sz="839"/>
+            </a:pPr>
+            <a:r>
               <a:t>Estimate: ~20 hours by the end</a:t>
             </a:r>
-            <a:endParaRPr dirty="0"/>
-          </a:p>
-          <a:p>
-            <a:pPr>
+          </a:p>
+          <a:p>
+            <a:pPr lvl="1" marL="320039" indent="-128015" defTabSz="384047">
+              <a:lnSpc>
+                <a:spcPct val="80000"/>
+              </a:lnSpc>
+              <a:spcBef>
+                <a:spcPts val="200"/>
+              </a:spcBef>
               <a:buChar char="•"/>
+              <a:defRPr sz="839"/>
             </a:pPr>
             <a:r>
-              <a:rPr lang="en-US" dirty="0"/>
+              <a:t>Cameron</a:t>
+            </a:r>
+          </a:p>
+          <a:p>
+            <a:pPr lvl="2" marL="512063" indent="-128015" defTabSz="384047">
+              <a:lnSpc>
+                <a:spcPct val="80000"/>
+              </a:lnSpc>
+              <a:spcBef>
+                <a:spcPts val="200"/>
+              </a:spcBef>
+              <a:defRPr sz="839"/>
+            </a:pPr>
+            <a:r>
+              <a:t>I tried to work along with Jacob when possible. I’d say we spent at least 4 work days on this project</a:t>
+            </a:r>
+          </a:p>
+          <a:p>
+            <a:pPr marL="144017" indent="-144017" defTabSz="384047">
+              <a:lnSpc>
+                <a:spcPct val="80000"/>
+              </a:lnSpc>
+              <a:spcBef>
+                <a:spcPts val="200"/>
+              </a:spcBef>
+              <a:buChar char="•"/>
+              <a:defRPr sz="839"/>
+            </a:pPr>
+            <a:r>
               <a:t>The things, knowledge… you learning</a:t>
             </a:r>
           </a:p>
           <a:p>
-            <a:pPr lvl="1">
+            <a:pPr lvl="1" marL="329183" indent="-137159" defTabSz="384047">
+              <a:lnSpc>
+                <a:spcPct val="80000"/>
+              </a:lnSpc>
+              <a:spcBef>
+                <a:spcPts val="200"/>
+              </a:spcBef>
               <a:buChar char="•"/>
+              <a:defRPr sz="839"/>
             </a:pPr>
             <a:r>
-              <a:rPr lang="en-US" dirty="0"/>
               <a:t>Jacob</a:t>
             </a:r>
           </a:p>
           <a:p>
-            <a:pPr lvl="2"/>
-            <a:r>
-              <a:rPr lang="en-US" dirty="0"/>
+            <a:pPr lvl="2" marL="512063" indent="-128015" defTabSz="384047">
+              <a:lnSpc>
+                <a:spcPct val="80000"/>
+              </a:lnSpc>
+              <a:spcBef>
+                <a:spcPts val="200"/>
+              </a:spcBef>
+              <a:defRPr sz="839"/>
+            </a:pPr>
+            <a:r>
               <a:t>Using null layouts</a:t>
             </a:r>
           </a:p>
           <a:p>
-            <a:pPr lvl="2"/>
-            <a:r>
-              <a:rPr lang="en-US" dirty="0"/>
+            <a:pPr lvl="2" marL="512063" indent="-128015" defTabSz="384047">
+              <a:lnSpc>
+                <a:spcPct val="80000"/>
+              </a:lnSpc>
+              <a:spcBef>
+                <a:spcPts val="200"/>
+              </a:spcBef>
+              <a:defRPr sz="839"/>
+            </a:pPr>
+            <a:r>
               <a:t>Git and project collaboration</a:t>
             </a:r>
-            <a:endParaRPr dirty="0"/>
-          </a:p>
-          <a:p>
-            <a:pPr>
+          </a:p>
+          <a:p>
+            <a:pPr lvl="1" marL="320039" indent="-128015" defTabSz="384047">
+              <a:lnSpc>
+                <a:spcPct val="80000"/>
+              </a:lnSpc>
+              <a:spcBef>
+                <a:spcPts val="200"/>
+              </a:spcBef>
               <a:buChar char="•"/>
+              <a:defRPr sz="839"/>
             </a:pPr>
             <a:r>
-              <a:rPr lang="en-US" dirty="0"/>
+              <a:t>Cameron</a:t>
+            </a:r>
+          </a:p>
+          <a:p>
+            <a:pPr lvl="2" marL="512063" indent="-128015" defTabSz="384047">
+              <a:lnSpc>
+                <a:spcPct val="80000"/>
+              </a:lnSpc>
+              <a:spcBef>
+                <a:spcPts val="200"/>
+              </a:spcBef>
+              <a:defRPr sz="839"/>
+            </a:pPr>
+            <a:r>
+              <a:t>Game logic and state management</a:t>
+            </a:r>
+          </a:p>
+          <a:p>
+            <a:pPr lvl="2" marL="512063" indent="-128015" defTabSz="384047">
+              <a:lnSpc>
+                <a:spcPct val="80000"/>
+              </a:lnSpc>
+              <a:spcBef>
+                <a:spcPts val="200"/>
+              </a:spcBef>
+              <a:defRPr sz="839"/>
+            </a:pPr>
+            <a:r>
+              <a:t>Source control with multiple people</a:t>
+            </a:r>
+          </a:p>
+          <a:p>
+            <a:pPr lvl="2" marL="512063" indent="-128015" defTabSz="384047">
+              <a:lnSpc>
+                <a:spcPct val="80000"/>
+              </a:lnSpc>
+              <a:spcBef>
+                <a:spcPts val="200"/>
+              </a:spcBef>
+              <a:defRPr sz="839"/>
+            </a:pPr>
+            <a:r>
+              <a:t>Detecting key presses and responding to them</a:t>
+            </a:r>
+          </a:p>
+          <a:p>
+            <a:pPr lvl="2" marL="512063" indent="-128015" defTabSz="384047">
+              <a:lnSpc>
+                <a:spcPct val="80000"/>
+              </a:lnSpc>
+              <a:spcBef>
+                <a:spcPts val="200"/>
+              </a:spcBef>
+              <a:defRPr sz="839"/>
+            </a:pPr>
+            <a:r>
+              <a:t>Using HTML and SWING</a:t>
+            </a:r>
+          </a:p>
+          <a:p>
+            <a:pPr marL="144017" indent="-144017" defTabSz="384047">
+              <a:lnSpc>
+                <a:spcPct val="80000"/>
+              </a:lnSpc>
+              <a:spcBef>
+                <a:spcPts val="200"/>
+              </a:spcBef>
+              <a:buChar char="•"/>
+              <a:defRPr sz="839"/>
+            </a:pPr>
+            <a:r>
               <a:t>What went well and what went wrong</a:t>
             </a:r>
           </a:p>
           <a:p>
-            <a:pPr lvl="1">
+            <a:pPr lvl="1" marL="329183" indent="-137159" defTabSz="384047">
+              <a:lnSpc>
+                <a:spcPct val="80000"/>
+              </a:lnSpc>
+              <a:spcBef>
+                <a:spcPts val="200"/>
+              </a:spcBef>
               <a:buChar char="•"/>
+              <a:defRPr sz="839"/>
             </a:pPr>
             <a:r>
-              <a:rPr lang="en-US" dirty="0"/>
               <a:t>Jacob</a:t>
             </a:r>
           </a:p>
           <a:p>
-            <a:pPr lvl="2"/>
-            <a:r>
-              <a:rPr lang="en-US" dirty="0"/>
-              <a:t>Had trouble getting things to align correctly before I realized that I was aligning things within a nested </a:t>
-            </a:r>
-            <a:r>
-              <a:rPr lang="en-US" dirty="0" err="1"/>
-              <a:t>JPanel</a:t>
-            </a:r>
-            <a:r>
-              <a:rPr lang="en-US" dirty="0"/>
-              <a:t> instead of aligning the </a:t>
-            </a:r>
-            <a:r>
-              <a:rPr lang="en-US" dirty="0" err="1"/>
-              <a:t>JPanel</a:t>
-            </a:r>
-            <a:r>
-              <a:rPr lang="en-US" dirty="0"/>
-              <a:t> itself</a:t>
-            </a:r>
-          </a:p>
-          <a:p>
-            <a:pPr lvl="2"/>
-            <a:r>
-              <a:rPr lang="en-US" dirty="0"/>
+            <a:pPr lvl="2" marL="512063" indent="-128015" defTabSz="384047">
+              <a:lnSpc>
+                <a:spcPct val="80000"/>
+              </a:lnSpc>
+              <a:spcBef>
+                <a:spcPts val="200"/>
+              </a:spcBef>
+              <a:defRPr sz="839"/>
+            </a:pPr>
+            <a:r>
+              <a:t>Had trouble getting things to align correctly before I realized that I was aligning things within a nested JPanel instead of aligning the JPanel itself</a:t>
+            </a:r>
+          </a:p>
+          <a:p>
+            <a:pPr lvl="2" marL="512063" indent="-128015" defTabSz="384047">
+              <a:lnSpc>
+                <a:spcPct val="80000"/>
+              </a:lnSpc>
+              <a:spcBef>
+                <a:spcPts val="200"/>
+              </a:spcBef>
+              <a:defRPr sz="839"/>
+            </a:pPr>
+            <a:r>
               <a:t>Physics went well, as I had done a similar project a few years ago</a:t>
             </a:r>
           </a:p>
           <a:p>
-            <a:pPr lvl="2"/>
-            <a:r>
-              <a:rPr lang="en-US" dirty="0"/>
+            <a:pPr lvl="2" marL="512063" indent="-128015" defTabSz="384047">
+              <a:lnSpc>
+                <a:spcPct val="80000"/>
+              </a:lnSpc>
+              <a:spcBef>
+                <a:spcPts val="200"/>
+              </a:spcBef>
+              <a:defRPr sz="839"/>
+            </a:pPr>
+            <a:r>
               <a:t>Texture class was a modified version of something I developed earlier in this class so that was a breeze</a:t>
             </a:r>
-            <a:endParaRPr dirty="0"/>
-          </a:p>
-          <a:p>
-            <a:pPr>
+          </a:p>
+          <a:p>
+            <a:pPr lvl="1" marL="320039" indent="-128015" defTabSz="384047">
+              <a:lnSpc>
+                <a:spcPct val="80000"/>
+              </a:lnSpc>
+              <a:spcBef>
+                <a:spcPts val="200"/>
+              </a:spcBef>
               <a:buChar char="•"/>
+              <a:defRPr sz="839"/>
             </a:pPr>
             <a:r>
-              <a:rPr dirty="0"/>
-              <a:t>What will you do differently if you have a chance to this project </a:t>
-            </a:r>
-            <a:r>
-              <a:rPr dirty="0" err="1"/>
-              <a:t>agagin</a:t>
-            </a:r>
-            <a:r>
-              <a:rPr dirty="0"/>
-              <a:t>… </a:t>
-            </a:r>
-            <a:endParaRPr lang="en-US" dirty="0"/>
-          </a:p>
-          <a:p>
-            <a:pPr lvl="1">
+              <a:t>Cameron</a:t>
+            </a:r>
+          </a:p>
+          <a:p>
+            <a:pPr lvl="2" marL="512063" indent="-128015" defTabSz="384047">
+              <a:lnSpc>
+                <a:spcPct val="80000"/>
+              </a:lnSpc>
+              <a:spcBef>
+                <a:spcPts val="200"/>
+              </a:spcBef>
+              <a:defRPr sz="839"/>
+            </a:pPr>
+            <a:r>
+              <a:t>Easier:</a:t>
+            </a:r>
+          </a:p>
+          <a:p>
+            <a:pPr lvl="3" marL="704087" indent="-128015" defTabSz="384047">
+              <a:lnSpc>
+                <a:spcPct val="80000"/>
+              </a:lnSpc>
+              <a:spcBef>
+                <a:spcPts val="200"/>
+              </a:spcBef>
               <a:buChar char="•"/>
+              <a:defRPr sz="839"/>
             </a:pPr>
             <a:r>
-              <a:rPr lang="en-US" dirty="0"/>
+              <a:t>Presenting and styling text using HTML and JLabel</a:t>
+            </a:r>
+          </a:p>
+          <a:p>
+            <a:pPr lvl="3" marL="704087" indent="-128015" defTabSz="384047">
+              <a:lnSpc>
+                <a:spcPct val="80000"/>
+              </a:lnSpc>
+              <a:spcBef>
+                <a:spcPts val="200"/>
+              </a:spcBef>
+              <a:buChar char="•"/>
+              <a:defRPr sz="839"/>
+            </a:pPr>
+            <a:r>
+              <a:t>We worked together very well and figured out how to use git together quickly</a:t>
+            </a:r>
+          </a:p>
+          <a:p>
+            <a:pPr lvl="2" marL="512063" indent="-128015" defTabSz="384047">
+              <a:lnSpc>
+                <a:spcPct val="80000"/>
+              </a:lnSpc>
+              <a:spcBef>
+                <a:spcPts val="200"/>
+              </a:spcBef>
+              <a:defRPr sz="839"/>
+            </a:pPr>
+            <a:r>
+              <a:t>Difficult:</a:t>
+            </a:r>
+          </a:p>
+          <a:p>
+            <a:pPr lvl="3" marL="704087" indent="-128015" defTabSz="384047">
+              <a:lnSpc>
+                <a:spcPct val="80000"/>
+              </a:lnSpc>
+              <a:spcBef>
+                <a:spcPts val="200"/>
+              </a:spcBef>
+              <a:buChar char="•"/>
+              <a:defRPr sz="839"/>
+            </a:pPr>
+            <a:r>
+              <a:t>Getting views to layer the way we wanted them to</a:t>
+            </a:r>
+          </a:p>
+          <a:p>
+            <a:pPr lvl="3" marL="704087" indent="-128015" defTabSz="384047">
+              <a:lnSpc>
+                <a:spcPct val="80000"/>
+              </a:lnSpc>
+              <a:spcBef>
+                <a:spcPts val="200"/>
+              </a:spcBef>
+              <a:buChar char="•"/>
+              <a:defRPr sz="839"/>
+            </a:pPr>
+            <a:r>
+              <a:t>Making views updatable and causing them to appear appropriately</a:t>
+            </a:r>
+          </a:p>
+          <a:p>
+            <a:pPr lvl="3" marL="704087" indent="-128015" defTabSz="384047">
+              <a:lnSpc>
+                <a:spcPct val="80000"/>
+              </a:lnSpc>
+              <a:spcBef>
+                <a:spcPts val="200"/>
+              </a:spcBef>
+              <a:buChar char="•"/>
+              <a:defRPr sz="839"/>
+            </a:pPr>
+            <a:r>
+              <a:t>Making the UI more user-friendly and fun</a:t>
+            </a:r>
+          </a:p>
+          <a:p>
+            <a:pPr marL="144017" indent="-144017" defTabSz="384047">
+              <a:lnSpc>
+                <a:spcPct val="80000"/>
+              </a:lnSpc>
+              <a:spcBef>
+                <a:spcPts val="200"/>
+              </a:spcBef>
+              <a:buChar char="•"/>
+              <a:defRPr sz="839"/>
+            </a:pPr>
+            <a:r>
+              <a:t>What will you do differently if you have a chance to this project agagin… </a:t>
+            </a:r>
+          </a:p>
+          <a:p>
+            <a:pPr lvl="1" marL="329183" indent="-137159" defTabSz="384047">
+              <a:lnSpc>
+                <a:spcPct val="80000"/>
+              </a:lnSpc>
+              <a:spcBef>
+                <a:spcPts val="200"/>
+              </a:spcBef>
+              <a:buChar char="•"/>
+              <a:defRPr sz="839"/>
+            </a:pPr>
+            <a:r>
               <a:t>Jacob</a:t>
             </a:r>
           </a:p>
           <a:p>
-            <a:pPr lvl="2"/>
-            <a:r>
-              <a:rPr lang="en-US" dirty="0"/>
+            <a:pPr lvl="2" marL="512063" indent="-128015" defTabSz="384047">
+              <a:lnSpc>
+                <a:spcPct val="80000"/>
+              </a:lnSpc>
+              <a:spcBef>
+                <a:spcPts val="200"/>
+              </a:spcBef>
+              <a:defRPr sz="839"/>
+            </a:pPr>
+            <a:r>
               <a:t>Not use Java for a game?  It makes it fast and easy but always feels limiting</a:t>
             </a:r>
-            <a:endParaRPr dirty="0"/>
+          </a:p>
+          <a:p>
+            <a:pPr lvl="1" marL="320039" indent="-128015" defTabSz="384047">
+              <a:lnSpc>
+                <a:spcPct val="80000"/>
+              </a:lnSpc>
+              <a:spcBef>
+                <a:spcPts val="200"/>
+              </a:spcBef>
+              <a:buChar char="•"/>
+              <a:defRPr sz="839"/>
+            </a:pPr>
+            <a:r>
+              <a:t>Cameron</a:t>
+            </a:r>
+          </a:p>
+          <a:p>
+            <a:pPr lvl="2" marL="512063" indent="-128015" defTabSz="384047">
+              <a:lnSpc>
+                <a:spcPct val="80000"/>
+              </a:lnSpc>
+              <a:spcBef>
+                <a:spcPts val="200"/>
+              </a:spcBef>
+              <a:defRPr sz="839"/>
+            </a:pPr>
+            <a:r>
+              <a:t>I would try to figure out how to draw characters using Graphics2D</a:t>
+            </a:r>
           </a:p>
         </p:txBody>
       </p:sp>
@@ -3895,12 +4680,12 @@
   <p:clrMapOvr>
     <a:masterClrMapping/>
   </p:clrMapOvr>
-  <p:transition spd="med"/>
+  <p:transition xmlns:p14="http://schemas.microsoft.com/office/powerpoint/2010/main" spd="med" advClick="1"/>
 </p:sld>
 </file>
 
 <file path=ppt/slides/slide8.xml><?xml version="1.0" encoding="utf-8"?>
-<p:sld xmlns:a="http://schemas.openxmlformats.org/drawingml/2006/main" xmlns:r="http://schemas.openxmlformats.org/officeDocument/2006/relationships" xmlns:p="http://schemas.openxmlformats.org/presentationml/2006/main">
+<p:sld xmlns:a="http://schemas.openxmlformats.org/drawingml/2006/main" xmlns:r="http://schemas.openxmlformats.org/officeDocument/2006/relationships" xmlns:p="http://schemas.openxmlformats.org/presentationml/2006/main" xmlns:m="http://schemas.openxmlformats.org/officeDocument/2006/math" xmlns:a14="http://schemas.microsoft.com/office/drawing/2010/main" showMasterSp="1" showMasterPhAnim="1">
   <p:cSld>
     <p:spTree>
       <p:nvGrpSpPr>
@@ -3918,18 +4703,16 @@
       </p:grpSpPr>
       <p:sp>
         <p:nvSpPr>
-          <p:cNvPr id="70" name="Additional Screen Captures"/>
-          <p:cNvSpPr txBox="1">
-            <a:spLocks noGrp="1"/>
-          </p:cNvSpPr>
+          <p:cNvPr id="84" name="Additional Screen Captures"/>
+          <p:cNvSpPr txBox="1"/>
           <p:nvPr>
             <p:ph type="title" idx="4294967295"/>
           </p:nvPr>
         </p:nvSpPr>
         <p:spPr>
           <a:xfrm>
-            <a:off x="685800" y="609599"/>
-            <a:ext cx="7772400" cy="1143002"/>
+            <a:off x="685800" y="609598"/>
+            <a:ext cx="7772400" cy="1143003"/>
           </a:xfrm>
           <a:prstGeom prst="rect">
             <a:avLst/>
@@ -3937,7 +4720,7 @@
         </p:spPr>
         <p:txBody>
           <a:bodyPr>
-            <a:normAutofit/>
+            <a:normAutofit fontScale="100000" lnSpcReduction="0"/>
           </a:bodyPr>
           <a:lstStyle>
             <a:lvl1pPr>
@@ -3945,6 +4728,7 @@
             </a:lvl1pPr>
           </a:lstStyle>
           <a:p>
+            <a:pPr/>
             <a:r>
               <a:t>Additional Screen Captures</a:t>
             </a:r>
@@ -3953,10 +4737,8 @@
       </p:sp>
       <p:sp>
         <p:nvSpPr>
-          <p:cNvPr id="71" name="Include at least one additional screen capture. If you have more than one, please use additional pages."/>
-          <p:cNvSpPr txBox="1">
-            <a:spLocks noGrp="1"/>
-          </p:cNvSpPr>
+          <p:cNvPr id="85" name="Include at least one additional screen capture. If you have more than one, please use additional pages."/>
+          <p:cNvSpPr txBox="1"/>
           <p:nvPr>
             <p:ph type="body" idx="4294967295"/>
           </p:nvPr>
@@ -3972,7 +4754,7 @@
         </p:spPr>
         <p:txBody>
           <a:bodyPr>
-            <a:normAutofit/>
+            <a:normAutofit fontScale="100000" lnSpcReduction="0"/>
           </a:bodyPr>
           <a:lstStyle>
             <a:lvl1pPr>
@@ -3984,8 +4766,9 @@
             </a:lvl1pPr>
           </a:lstStyle>
           <a:p>
-            <a:r>
-              <a:t>Include at least one additional screen capture. If you have more than one, please use additional pages.</a:t>
+            <a:pPr/>
+            <a:r>
+              <a:t>Please see following slides:</a:t>
             </a:r>
           </a:p>
         </p:txBody>
@@ -3995,12 +4778,139 @@
   <p:clrMapOvr>
     <a:masterClrMapping/>
   </p:clrMapOvr>
-  <p:transition spd="med"/>
+  <p:transition xmlns:p14="http://schemas.microsoft.com/office/powerpoint/2010/main" spd="med" advClick="1"/>
+</p:sld>
+</file>
+
+<file path=ppt/slides/slide9.xml><?xml version="1.0" encoding="utf-8"?>
+<p:sld xmlns:a="http://schemas.openxmlformats.org/drawingml/2006/main" xmlns:r="http://schemas.openxmlformats.org/officeDocument/2006/relationships" xmlns:p="http://schemas.openxmlformats.org/presentationml/2006/main" xmlns:m="http://schemas.openxmlformats.org/officeDocument/2006/math" xmlns:a14="http://schemas.microsoft.com/office/drawing/2010/main" showMasterSp="1" showMasterPhAnim="1">
+  <p:cSld>
+    <p:spTree>
+      <p:nvGrpSpPr>
+        <p:cNvPr id="1" name=""/>
+        <p:cNvGrpSpPr/>
+        <p:nvPr/>
+      </p:nvGrpSpPr>
+      <p:grpSpPr>
+        <a:xfrm>
+          <a:off x="0" y="0"/>
+          <a:ext cx="0" cy="0"/>
+          <a:chOff x="0" y="0"/>
+          <a:chExt cx="0" cy="0"/>
+        </a:xfrm>
+      </p:grpSpPr>
+      <p:sp>
+        <p:nvSpPr>
+          <p:cNvPr id="87" name="Main Window Screen Capture"/>
+          <p:cNvSpPr txBox="1"/>
+          <p:nvPr>
+            <p:ph type="title" idx="4294967295"/>
+          </p:nvPr>
+        </p:nvSpPr>
+        <p:spPr>
+          <a:xfrm>
+            <a:off x="685800" y="362764"/>
+            <a:ext cx="7772400" cy="1143003"/>
+          </a:xfrm>
+          <a:prstGeom prst="rect">
+            <a:avLst/>
+          </a:prstGeom>
+        </p:spPr>
+        <p:txBody>
+          <a:bodyPr>
+            <a:normAutofit fontScale="100000" lnSpcReduction="0"/>
+          </a:bodyPr>
+          <a:lstStyle>
+            <a:lvl1pPr>
+              <a:defRPr sz="4000"/>
+            </a:lvl1pPr>
+          </a:lstStyle>
+          <a:p>
+            <a:pPr/>
+            <a:r>
+              <a:t>Game Over Screen</a:t>
+            </a:r>
+          </a:p>
+        </p:txBody>
+      </p:sp>
+      <p:sp>
+        <p:nvSpPr>
+          <p:cNvPr id="88" name="Rectangle"/>
+          <p:cNvSpPr/>
+          <p:nvPr/>
+        </p:nvSpPr>
+        <p:spPr>
+          <a:xfrm>
+            <a:off x="532217" y="1700615"/>
+            <a:ext cx="8079566" cy="4791011"/>
+          </a:xfrm>
+          <a:prstGeom prst="rect">
+            <a:avLst/>
+          </a:prstGeom>
+          <a:solidFill>
+            <a:srgbClr val="FFFFFF"/>
+          </a:solidFill>
+          <a:ln w="25400">
+            <a:solidFill>
+              <a:schemeClr val="accent1"/>
+            </a:solidFill>
+          </a:ln>
+        </p:spPr>
+        <p:txBody>
+          <a:bodyPr lIns="45718" tIns="45718" rIns="45718" bIns="45718"/>
+          <a:lstStyle/>
+          <a:p>
+            <a:pPr>
+              <a:defRPr>
+                <a:latin typeface="Times New Roman"/>
+                <a:ea typeface="Times New Roman"/>
+                <a:cs typeface="Times New Roman"/>
+                <a:sym typeface="Times New Roman"/>
+              </a:defRPr>
+            </a:pPr>
+          </a:p>
+        </p:txBody>
+      </p:sp>
+      <p:pic>
+        <p:nvPicPr>
+          <p:cNvPr id="89" name="Screen Shot 2019-05-24 at 10.09.38 PM.png" descr="Screen Shot 2019-05-24 at 10.09.38 PM.png"/>
+          <p:cNvPicPr>
+            <a:picLocks noChangeAspect="1"/>
+          </p:cNvPicPr>
+          <p:nvPr/>
+        </p:nvPicPr>
+        <p:blipFill>
+          <a:blip r:embed="rId2">
+            <a:extLst/>
+          </a:blip>
+          <a:stretch>
+            <a:fillRect/>
+          </a:stretch>
+        </p:blipFill>
+        <p:spPr>
+          <a:xfrm>
+            <a:off x="-1" y="1421261"/>
+            <a:ext cx="9144002" cy="5609897"/>
+          </a:xfrm>
+          <a:prstGeom prst="rect">
+            <a:avLst/>
+          </a:prstGeom>
+          <a:ln w="12700">
+            <a:miter lim="400000"/>
+          </a:ln>
+        </p:spPr>
+      </p:pic>
+    </p:spTree>
+  </p:cSld>
+  <p:clrMapOvr>
+    <a:masterClrMapping/>
+  </p:clrMapOvr>
+  <p:transition xmlns:p14="http://schemas.microsoft.com/office/powerpoint/2010/main" spd="med" advClick="1"/>
 </p:sld>
 </file>
 
 <file path=ppt/theme/theme1.xml><?xml version="1.0" encoding="utf-8"?>
-<a:theme xmlns:a="http://schemas.openxmlformats.org/drawingml/2006/main" name="Default Design">
+<a:theme xmlns:a="http://schemas.openxmlformats.org/drawingml/2006/main" xmlns:r="http://schemas.openxmlformats.org/officeDocument/2006/relationships" name="Default Design">
   <a:themeElements>
     <a:clrScheme name="Default Design">
       <a:dk1>
@@ -4131,13 +5041,7 @@
           <a:effectLst/>
         </a:effectStyle>
         <a:effectStyle>
-          <a:effectLst>
-            <a:outerShdw blurRad="38100" dist="20000" dir="5400000" rotWithShape="0">
-              <a:srgbClr val="000000">
-                <a:alpha val="38000"/>
-              </a:srgbClr>
-            </a:outerShdw>
-          </a:effectLst>
+          <a:effectLst/>
         </a:effectStyle>
       </a:effectStyleLst>
       <a:bgFillStyleLst>
@@ -4208,7 +5112,7 @@
         <a:effectLst/>
         <a:sp3d/>
       </a:spPr>
-      <a:bodyPr rot="0" spcFirstLastPara="1" vertOverflow="overflow" horzOverflow="overflow" vert="horz" wrap="square" lIns="45719" tIns="45719" rIns="45719" bIns="45719" numCol="1" spcCol="38100" rtlCol="0" anchor="t">
+      <a:bodyPr rot="0" spcFirstLastPara="1" vertOverflow="overflow" horzOverflow="overflow" vert="horz" wrap="square" lIns="45718" tIns="45718" rIns="45718" bIns="45718" numCol="1" spcCol="38100" rtlCol="0" anchor="t" upright="0">
         <a:spAutoFit/>
       </a:bodyPr>
       <a:lstStyle>
@@ -4227,7 +5131,7 @@
           <a:buFontTx/>
           <a:buNone/>
           <a:tabLst/>
-          <a:defRPr kumimoji="0" sz="2400" b="0" i="0" u="none" strike="noStrike" cap="none" spc="0" normalizeH="0" baseline="0">
+          <a:defRPr b="0" baseline="0" cap="none" i="0" spc="0" strike="noStrike" sz="2400" u="none" kumimoji="0" normalizeH="0">
             <a:ln>
               <a:noFill/>
             </a:ln>
@@ -4236,10 +5140,10 @@
             </a:solidFill>
             <a:effectLst/>
             <a:uFillTx/>
-            <a:latin typeface="Times New Roman"/>
-            <a:ea typeface="Times New Roman"/>
-            <a:cs typeface="Times New Roman"/>
-            <a:sym typeface="Times New Roman"/>
+            <a:latin typeface="+mn-lt"/>
+            <a:ea typeface="+mn-ea"/>
+            <a:cs typeface="+mn-cs"/>
+            <a:sym typeface="Helvetica Neue"/>
           </a:defRPr>
         </a:defPPr>
         <a:lvl1pPr marL="0" marR="0" indent="0" algn="l" defTabSz="914400" rtl="0" fontAlgn="auto" latinLnBrk="1" hangingPunct="0">
@@ -4257,7 +5161,7 @@
           <a:buFontTx/>
           <a:buNone/>
           <a:tabLst/>
-          <a:defRPr kumimoji="0" sz="1800" b="0" i="0" u="none" strike="noStrike" cap="none" spc="0" normalizeH="0" baseline="0">
+          <a:defRPr b="0" baseline="0" cap="none" i="0" spc="0" strike="noStrike" sz="1800" u="none" kumimoji="0" normalizeH="0">
             <a:ln>
               <a:noFill/>
             </a:ln>
@@ -4283,7 +5187,7 @@
           <a:buFontTx/>
           <a:buNone/>
           <a:tabLst/>
-          <a:defRPr kumimoji="0" sz="1800" b="0" i="0" u="none" strike="noStrike" cap="none" spc="0" normalizeH="0" baseline="0">
+          <a:defRPr b="0" baseline="0" cap="none" i="0" spc="0" strike="noStrike" sz="1800" u="none" kumimoji="0" normalizeH="0">
             <a:ln>
               <a:noFill/>
             </a:ln>
@@ -4309,7 +5213,7 @@
           <a:buFontTx/>
           <a:buNone/>
           <a:tabLst/>
-          <a:defRPr kumimoji="0" sz="1800" b="0" i="0" u="none" strike="noStrike" cap="none" spc="0" normalizeH="0" baseline="0">
+          <a:defRPr b="0" baseline="0" cap="none" i="0" spc="0" strike="noStrike" sz="1800" u="none" kumimoji="0" normalizeH="0">
             <a:ln>
               <a:noFill/>
             </a:ln>
@@ -4335,7 +5239,7 @@
           <a:buFontTx/>
           <a:buNone/>
           <a:tabLst/>
-          <a:defRPr kumimoji="0" sz="1800" b="0" i="0" u="none" strike="noStrike" cap="none" spc="0" normalizeH="0" baseline="0">
+          <a:defRPr b="0" baseline="0" cap="none" i="0" spc="0" strike="noStrike" sz="1800" u="none" kumimoji="0" normalizeH="0">
             <a:ln>
               <a:noFill/>
             </a:ln>
@@ -4361,7 +5265,7 @@
           <a:buFontTx/>
           <a:buNone/>
           <a:tabLst/>
-          <a:defRPr kumimoji="0" sz="1800" b="0" i="0" u="none" strike="noStrike" cap="none" spc="0" normalizeH="0" baseline="0">
+          <a:defRPr b="0" baseline="0" cap="none" i="0" spc="0" strike="noStrike" sz="1800" u="none" kumimoji="0" normalizeH="0">
             <a:ln>
               <a:noFill/>
             </a:ln>
@@ -4387,7 +5291,7 @@
           <a:buFontTx/>
           <a:buNone/>
           <a:tabLst/>
-          <a:defRPr kumimoji="0" sz="1800" b="0" i="0" u="none" strike="noStrike" cap="none" spc="0" normalizeH="0" baseline="0">
+          <a:defRPr b="0" baseline="0" cap="none" i="0" spc="0" strike="noStrike" sz="1800" u="none" kumimoji="0" normalizeH="0">
             <a:ln>
               <a:noFill/>
             </a:ln>
@@ -4413,7 +5317,7 @@
           <a:buFontTx/>
           <a:buNone/>
           <a:tabLst/>
-          <a:defRPr kumimoji="0" sz="1800" b="0" i="0" u="none" strike="noStrike" cap="none" spc="0" normalizeH="0" baseline="0">
+          <a:defRPr b="0" baseline="0" cap="none" i="0" spc="0" strike="noStrike" sz="1800" u="none" kumimoji="0" normalizeH="0">
             <a:ln>
               <a:noFill/>
             </a:ln>
@@ -4439,7 +5343,7 @@
           <a:buFontTx/>
           <a:buNone/>
           <a:tabLst/>
-          <a:defRPr kumimoji="0" sz="1800" b="0" i="0" u="none" strike="noStrike" cap="none" spc="0" normalizeH="0" baseline="0">
+          <a:defRPr b="0" baseline="0" cap="none" i="0" spc="0" strike="noStrike" sz="1800" u="none" kumimoji="0" normalizeH="0">
             <a:ln>
               <a:noFill/>
             </a:ln>
@@ -4465,7 +5369,7 @@
           <a:buFontTx/>
           <a:buNone/>
           <a:tabLst/>
-          <a:defRPr kumimoji="0" sz="1800" b="0" i="0" u="none" strike="noStrike" cap="none" spc="0" normalizeH="0" baseline="0">
+          <a:defRPr b="0" baseline="0" cap="none" i="0" spc="0" strike="noStrike" sz="1800" u="none" kumimoji="0" normalizeH="0">
             <a:ln>
               <a:noFill/>
             </a:ln>
@@ -4478,15 +5382,9 @@
         </a:lvl9pPr>
       </a:lstStyle>
       <a:style>
-        <a:lnRef idx="0">
-          <a:scrgbClr r="0" g="0" b="0"/>
-        </a:lnRef>
-        <a:fillRef idx="0">
-          <a:scrgbClr r="0" g="0" b="0"/>
-        </a:fillRef>
-        <a:effectRef idx="0">
-          <a:scrgbClr r="0" g="0" b="0"/>
-        </a:effectRef>
+        <a:lnRef idx="0"/>
+        <a:fillRef idx="0"/>
+        <a:effectRef idx="0"/>
         <a:fontRef idx="none"/>
       </a:style>
     </a:spDef>
@@ -4500,16 +5398,10 @@
           <a:prstDash val="solid"/>
           <a:round/>
         </a:ln>
-        <a:effectLst>
-          <a:outerShdw blurRad="38100" dist="20000" dir="5400000" rotWithShape="0">
-            <a:srgbClr val="000000">
-              <a:alpha val="38000"/>
-            </a:srgbClr>
-          </a:outerShdw>
-        </a:effectLst>
+        <a:effectLst/>
         <a:sp3d/>
       </a:spPr>
-      <a:bodyPr rot="0" spcFirstLastPara="1" vertOverflow="overflow" horzOverflow="overflow" vert="horz" wrap="square" lIns="91439" tIns="45719" rIns="91439" bIns="45719" numCol="1" spcCol="38100" rtlCol="0" anchor="t">
+      <a:bodyPr rot="0" spcFirstLastPara="1" vertOverflow="overflow" horzOverflow="overflow" vert="horz" wrap="square" lIns="91439" tIns="45719" rIns="91439" bIns="45719" numCol="1" spcCol="38100" rtlCol="0" anchor="t" upright="0">
         <a:noAutofit/>
       </a:bodyPr>
       <a:lstStyle>
@@ -4528,7 +5420,7 @@
           <a:buFontTx/>
           <a:buNone/>
           <a:tabLst/>
-          <a:defRPr kumimoji="0" sz="1800" b="0" i="0" u="none" strike="noStrike" cap="none" spc="0" normalizeH="0" baseline="0">
+          <a:defRPr b="0" baseline="0" cap="none" i="0" spc="0" strike="noStrike" sz="1800" u="none" kumimoji="0" normalizeH="0">
             <a:ln>
               <a:noFill/>
             </a:ln>
@@ -4554,7 +5446,7 @@
           <a:buFontTx/>
           <a:buNone/>
           <a:tabLst/>
-          <a:defRPr kumimoji="0" sz="1800" b="0" i="0" u="none" strike="noStrike" cap="none" spc="0" normalizeH="0" baseline="0">
+          <a:defRPr b="0" baseline="0" cap="none" i="0" spc="0" strike="noStrike" sz="1800" u="none" kumimoji="0" normalizeH="0">
             <a:ln>
               <a:noFill/>
             </a:ln>
@@ -4580,7 +5472,7 @@
           <a:buFontTx/>
           <a:buNone/>
           <a:tabLst/>
-          <a:defRPr kumimoji="0" sz="1800" b="0" i="0" u="none" strike="noStrike" cap="none" spc="0" normalizeH="0" baseline="0">
+          <a:defRPr b="0" baseline="0" cap="none" i="0" spc="0" strike="noStrike" sz="1800" u="none" kumimoji="0" normalizeH="0">
             <a:ln>
               <a:noFill/>
             </a:ln>
@@ -4606,7 +5498,7 @@
           <a:buFontTx/>
           <a:buNone/>
           <a:tabLst/>
-          <a:defRPr kumimoji="0" sz="1800" b="0" i="0" u="none" strike="noStrike" cap="none" spc="0" normalizeH="0" baseline="0">
+          <a:defRPr b="0" baseline="0" cap="none" i="0" spc="0" strike="noStrike" sz="1800" u="none" kumimoji="0" normalizeH="0">
             <a:ln>
               <a:noFill/>
             </a:ln>
@@ -4632,7 +5524,7 @@
           <a:buFontTx/>
           <a:buNone/>
           <a:tabLst/>
-          <a:defRPr kumimoji="0" sz="1800" b="0" i="0" u="none" strike="noStrike" cap="none" spc="0" normalizeH="0" baseline="0">
+          <a:defRPr b="0" baseline="0" cap="none" i="0" spc="0" strike="noStrike" sz="1800" u="none" kumimoji="0" normalizeH="0">
             <a:ln>
               <a:noFill/>
             </a:ln>
@@ -4658,7 +5550,7 @@
           <a:buFontTx/>
           <a:buNone/>
           <a:tabLst/>
-          <a:defRPr kumimoji="0" sz="1800" b="0" i="0" u="none" strike="noStrike" cap="none" spc="0" normalizeH="0" baseline="0">
+          <a:defRPr b="0" baseline="0" cap="none" i="0" spc="0" strike="noStrike" sz="1800" u="none" kumimoji="0" normalizeH="0">
             <a:ln>
               <a:noFill/>
             </a:ln>
@@ -4684,7 +5576,7 @@
           <a:buFontTx/>
           <a:buNone/>
           <a:tabLst/>
-          <a:defRPr kumimoji="0" sz="1800" b="0" i="0" u="none" strike="noStrike" cap="none" spc="0" normalizeH="0" baseline="0">
+          <a:defRPr b="0" baseline="0" cap="none" i="0" spc="0" strike="noStrike" sz="1800" u="none" kumimoji="0" normalizeH="0">
             <a:ln>
               <a:noFill/>
             </a:ln>
@@ -4710,7 +5602,7 @@
           <a:buFontTx/>
           <a:buNone/>
           <a:tabLst/>
-          <a:defRPr kumimoji="0" sz="1800" b="0" i="0" u="none" strike="noStrike" cap="none" spc="0" normalizeH="0" baseline="0">
+          <a:defRPr b="0" baseline="0" cap="none" i="0" spc="0" strike="noStrike" sz="1800" u="none" kumimoji="0" normalizeH="0">
             <a:ln>
               <a:noFill/>
             </a:ln>
@@ -4736,7 +5628,7 @@
           <a:buFontTx/>
           <a:buNone/>
           <a:tabLst/>
-          <a:defRPr kumimoji="0" sz="1800" b="0" i="0" u="none" strike="noStrike" cap="none" spc="0" normalizeH="0" baseline="0">
+          <a:defRPr b="0" baseline="0" cap="none" i="0" spc="0" strike="noStrike" sz="1800" u="none" kumimoji="0" normalizeH="0">
             <a:ln>
               <a:noFill/>
             </a:ln>
@@ -4762,7 +5654,7 @@
           <a:buFontTx/>
           <a:buNone/>
           <a:tabLst/>
-          <a:defRPr kumimoji="0" sz="1800" b="0" i="0" u="none" strike="noStrike" cap="none" spc="0" normalizeH="0" baseline="0">
+          <a:defRPr b="0" baseline="0" cap="none" i="0" spc="0" strike="noStrike" sz="1800" u="none" kumimoji="0" normalizeH="0">
             <a:ln>
               <a:noFill/>
             </a:ln>
@@ -4775,15 +5667,9 @@
         </a:lvl9pPr>
       </a:lstStyle>
       <a:style>
-        <a:lnRef idx="0">
-          <a:scrgbClr r="0" g="0" b="0"/>
-        </a:lnRef>
-        <a:fillRef idx="0">
-          <a:scrgbClr r="0" g="0" b="0"/>
-        </a:fillRef>
-        <a:effectRef idx="0">
-          <a:scrgbClr r="0" g="0" b="0"/>
-        </a:effectRef>
+        <a:lnRef idx="0"/>
+        <a:fillRef idx="0"/>
+        <a:effectRef idx="0"/>
         <a:fontRef idx="none"/>
       </a:style>
     </a:lnDef>
@@ -4797,7 +5683,7 @@
         <a:effectLst/>
         <a:sp3d/>
       </a:spPr>
-      <a:bodyPr rot="0" spcFirstLastPara="1" vertOverflow="overflow" horzOverflow="overflow" vert="horz" wrap="square" lIns="45719" tIns="45719" rIns="45719" bIns="45719" numCol="1" spcCol="38100" rtlCol="0" anchor="t">
+      <a:bodyPr rot="0" spcFirstLastPara="1" vertOverflow="overflow" horzOverflow="overflow" vert="horz" wrap="square" lIns="45718" tIns="45718" rIns="45718" bIns="45718" numCol="1" spcCol="38100" rtlCol="0" anchor="t" upright="0">
         <a:spAutoFit/>
       </a:bodyPr>
       <a:lstStyle>
@@ -4816,7 +5702,7 @@
           <a:buFontTx/>
           <a:buNone/>
           <a:tabLst/>
-          <a:defRPr kumimoji="0" sz="2400" b="0" i="0" u="none" strike="noStrike" cap="none" spc="0" normalizeH="0" baseline="0">
+          <a:defRPr b="0" baseline="0" cap="none" i="0" spc="0" strike="noStrike" sz="2400" u="none" kumimoji="0" normalizeH="0">
             <a:ln>
               <a:noFill/>
             </a:ln>
@@ -4825,10 +5711,10 @@
             </a:solidFill>
             <a:effectLst/>
             <a:uFillTx/>
-            <a:latin typeface="Times New Roman"/>
-            <a:ea typeface="Times New Roman"/>
-            <a:cs typeface="Times New Roman"/>
-            <a:sym typeface="Times New Roman"/>
+            <a:latin typeface="+mn-lt"/>
+            <a:ea typeface="+mn-ea"/>
+            <a:cs typeface="+mn-cs"/>
+            <a:sym typeface="Helvetica Neue"/>
           </a:defRPr>
         </a:defPPr>
         <a:lvl1pPr marL="0" marR="0" indent="0" algn="l" defTabSz="914400" rtl="0" fontAlgn="auto" latinLnBrk="1" hangingPunct="0">
@@ -4846,7 +5732,7 @@
           <a:buFontTx/>
           <a:buNone/>
           <a:tabLst/>
-          <a:defRPr kumimoji="0" sz="1800" b="0" i="0" u="none" strike="noStrike" cap="none" spc="0" normalizeH="0" baseline="0">
+          <a:defRPr b="0" baseline="0" cap="none" i="0" spc="0" strike="noStrike" sz="1800" u="none" kumimoji="0" normalizeH="0">
             <a:ln>
               <a:noFill/>
             </a:ln>
@@ -4872,7 +5758,7 @@
           <a:buFontTx/>
           <a:buNone/>
           <a:tabLst/>
-          <a:defRPr kumimoji="0" sz="1800" b="0" i="0" u="none" strike="noStrike" cap="none" spc="0" normalizeH="0" baseline="0">
+          <a:defRPr b="0" baseline="0" cap="none" i="0" spc="0" strike="noStrike" sz="1800" u="none" kumimoji="0" normalizeH="0">
             <a:ln>
               <a:noFill/>
             </a:ln>
@@ -4898,7 +5784,7 @@
           <a:buFontTx/>
           <a:buNone/>
           <a:tabLst/>
-          <a:defRPr kumimoji="0" sz="1800" b="0" i="0" u="none" strike="noStrike" cap="none" spc="0" normalizeH="0" baseline="0">
+          <a:defRPr b="0" baseline="0" cap="none" i="0" spc="0" strike="noStrike" sz="1800" u="none" kumimoji="0" normalizeH="0">
             <a:ln>
               <a:noFill/>
             </a:ln>
@@ -4924,7 +5810,7 @@
           <a:buFontTx/>
           <a:buNone/>
           <a:tabLst/>
-          <a:defRPr kumimoji="0" sz="1800" b="0" i="0" u="none" strike="noStrike" cap="none" spc="0" normalizeH="0" baseline="0">
+          <a:defRPr b="0" baseline="0" cap="none" i="0" spc="0" strike="noStrike" sz="1800" u="none" kumimoji="0" normalizeH="0">
             <a:ln>
               <a:noFill/>
             </a:ln>
@@ -4950,7 +5836,7 @@
           <a:buFontTx/>
           <a:buNone/>
           <a:tabLst/>
-          <a:defRPr kumimoji="0" sz="1800" b="0" i="0" u="none" strike="noStrike" cap="none" spc="0" normalizeH="0" baseline="0">
+          <a:defRPr b="0" baseline="0" cap="none" i="0" spc="0" strike="noStrike" sz="1800" u="none" kumimoji="0" normalizeH="0">
             <a:ln>
               <a:noFill/>
             </a:ln>
@@ -4976,7 +5862,7 @@
           <a:buFontTx/>
           <a:buNone/>
           <a:tabLst/>
-          <a:defRPr kumimoji="0" sz="1800" b="0" i="0" u="none" strike="noStrike" cap="none" spc="0" normalizeH="0" baseline="0">
+          <a:defRPr b="0" baseline="0" cap="none" i="0" spc="0" strike="noStrike" sz="1800" u="none" kumimoji="0" normalizeH="0">
             <a:ln>
               <a:noFill/>
             </a:ln>
@@ -5002,7 +5888,7 @@
           <a:buFontTx/>
           <a:buNone/>
           <a:tabLst/>
-          <a:defRPr kumimoji="0" sz="1800" b="0" i="0" u="none" strike="noStrike" cap="none" spc="0" normalizeH="0" baseline="0">
+          <a:defRPr b="0" baseline="0" cap="none" i="0" spc="0" strike="noStrike" sz="1800" u="none" kumimoji="0" normalizeH="0">
             <a:ln>
               <a:noFill/>
             </a:ln>
@@ -5028,7 +5914,7 @@
           <a:buFontTx/>
           <a:buNone/>
           <a:tabLst/>
-          <a:defRPr kumimoji="0" sz="1800" b="0" i="0" u="none" strike="noStrike" cap="none" spc="0" normalizeH="0" baseline="0">
+          <a:defRPr b="0" baseline="0" cap="none" i="0" spc="0" strike="noStrike" sz="1800" u="none" kumimoji="0" normalizeH="0">
             <a:ln>
               <a:noFill/>
             </a:ln>
@@ -5054,7 +5940,7 @@
           <a:buFontTx/>
           <a:buNone/>
           <a:tabLst/>
-          <a:defRPr kumimoji="0" sz="1800" b="0" i="0" u="none" strike="noStrike" cap="none" spc="0" normalizeH="0" baseline="0">
+          <a:defRPr b="0" baseline="0" cap="none" i="0" spc="0" strike="noStrike" sz="1800" u="none" kumimoji="0" normalizeH="0">
             <a:ln>
               <a:noFill/>
             </a:ln>
@@ -5067,25 +5953,18 @@
         </a:lvl9pPr>
       </a:lstStyle>
       <a:style>
-        <a:lnRef idx="0">
-          <a:scrgbClr r="0" g="0" b="0"/>
-        </a:lnRef>
-        <a:fillRef idx="0">
-          <a:scrgbClr r="0" g="0" b="0"/>
-        </a:fillRef>
-        <a:effectRef idx="0">
-          <a:scrgbClr r="0" g="0" b="0"/>
-        </a:effectRef>
+        <a:lnRef idx="0"/>
+        <a:fillRef idx="0"/>
+        <a:effectRef idx="0"/>
         <a:fontRef idx="none"/>
       </a:style>
     </a:txDef>
   </a:objectDefaults>
-  <a:extraClrSchemeLst/>
 </a:theme>
 </file>
 
 <file path=ppt/theme/theme2.xml><?xml version="1.0" encoding="utf-8"?>
-<a:theme xmlns:a="http://schemas.openxmlformats.org/drawingml/2006/main" name="Default Design">
+<a:theme xmlns:a="http://schemas.openxmlformats.org/drawingml/2006/main" xmlns:r="http://schemas.openxmlformats.org/officeDocument/2006/relationships" name="Default Design">
   <a:themeElements>
     <a:clrScheme name="Default Design">
       <a:dk1>
@@ -5216,13 +6095,7 @@
           <a:effectLst/>
         </a:effectStyle>
         <a:effectStyle>
-          <a:effectLst>
-            <a:outerShdw blurRad="38100" dist="20000" dir="5400000" rotWithShape="0">
-              <a:srgbClr val="000000">
-                <a:alpha val="38000"/>
-              </a:srgbClr>
-            </a:outerShdw>
-          </a:effectLst>
+          <a:effectLst/>
         </a:effectStyle>
       </a:effectStyleLst>
       <a:bgFillStyleLst>
@@ -5293,7 +6166,7 @@
         <a:effectLst/>
         <a:sp3d/>
       </a:spPr>
-      <a:bodyPr rot="0" spcFirstLastPara="1" vertOverflow="overflow" horzOverflow="overflow" vert="horz" wrap="square" lIns="45719" tIns="45719" rIns="45719" bIns="45719" numCol="1" spcCol="38100" rtlCol="0" anchor="t">
+      <a:bodyPr rot="0" spcFirstLastPara="1" vertOverflow="overflow" horzOverflow="overflow" vert="horz" wrap="square" lIns="45718" tIns="45718" rIns="45718" bIns="45718" numCol="1" spcCol="38100" rtlCol="0" anchor="t" upright="0">
         <a:spAutoFit/>
       </a:bodyPr>
       <a:lstStyle>
@@ -5312,7 +6185,7 @@
           <a:buFontTx/>
           <a:buNone/>
           <a:tabLst/>
-          <a:defRPr kumimoji="0" sz="2400" b="0" i="0" u="none" strike="noStrike" cap="none" spc="0" normalizeH="0" baseline="0">
+          <a:defRPr b="0" baseline="0" cap="none" i="0" spc="0" strike="noStrike" sz="2400" u="none" kumimoji="0" normalizeH="0">
             <a:ln>
               <a:noFill/>
             </a:ln>
@@ -5321,10 +6194,10 @@
             </a:solidFill>
             <a:effectLst/>
             <a:uFillTx/>
-            <a:latin typeface="Times New Roman"/>
-            <a:ea typeface="Times New Roman"/>
-            <a:cs typeface="Times New Roman"/>
-            <a:sym typeface="Times New Roman"/>
+            <a:latin typeface="+mn-lt"/>
+            <a:ea typeface="+mn-ea"/>
+            <a:cs typeface="+mn-cs"/>
+            <a:sym typeface="Helvetica Neue"/>
           </a:defRPr>
         </a:defPPr>
         <a:lvl1pPr marL="0" marR="0" indent="0" algn="l" defTabSz="914400" rtl="0" fontAlgn="auto" latinLnBrk="1" hangingPunct="0">
@@ -5342,7 +6215,7 @@
           <a:buFontTx/>
           <a:buNone/>
           <a:tabLst/>
-          <a:defRPr kumimoji="0" sz="1800" b="0" i="0" u="none" strike="noStrike" cap="none" spc="0" normalizeH="0" baseline="0">
+          <a:defRPr b="0" baseline="0" cap="none" i="0" spc="0" strike="noStrike" sz="1800" u="none" kumimoji="0" normalizeH="0">
             <a:ln>
               <a:noFill/>
             </a:ln>
@@ -5368,7 +6241,7 @@
           <a:buFontTx/>
           <a:buNone/>
           <a:tabLst/>
-          <a:defRPr kumimoji="0" sz="1800" b="0" i="0" u="none" strike="noStrike" cap="none" spc="0" normalizeH="0" baseline="0">
+          <a:defRPr b="0" baseline="0" cap="none" i="0" spc="0" strike="noStrike" sz="1800" u="none" kumimoji="0" normalizeH="0">
             <a:ln>
               <a:noFill/>
             </a:ln>
@@ -5394,7 +6267,7 @@
           <a:buFontTx/>
           <a:buNone/>
           <a:tabLst/>
-          <a:defRPr kumimoji="0" sz="1800" b="0" i="0" u="none" strike="noStrike" cap="none" spc="0" normalizeH="0" baseline="0">
+          <a:defRPr b="0" baseline="0" cap="none" i="0" spc="0" strike="noStrike" sz="1800" u="none" kumimoji="0" normalizeH="0">
             <a:ln>
               <a:noFill/>
             </a:ln>
@@ -5420,7 +6293,7 @@
           <a:buFontTx/>
           <a:buNone/>
           <a:tabLst/>
-          <a:defRPr kumimoji="0" sz="1800" b="0" i="0" u="none" strike="noStrike" cap="none" spc="0" normalizeH="0" baseline="0">
+          <a:defRPr b="0" baseline="0" cap="none" i="0" spc="0" strike="noStrike" sz="1800" u="none" kumimoji="0" normalizeH="0">
             <a:ln>
               <a:noFill/>
             </a:ln>
@@ -5446,7 +6319,7 @@
           <a:buFontTx/>
           <a:buNone/>
           <a:tabLst/>
-          <a:defRPr kumimoji="0" sz="1800" b="0" i="0" u="none" strike="noStrike" cap="none" spc="0" normalizeH="0" baseline="0">
+          <a:defRPr b="0" baseline="0" cap="none" i="0" spc="0" strike="noStrike" sz="1800" u="none" kumimoji="0" normalizeH="0">
             <a:ln>
               <a:noFill/>
             </a:ln>
@@ -5472,7 +6345,7 @@
           <a:buFontTx/>
           <a:buNone/>
           <a:tabLst/>
-          <a:defRPr kumimoji="0" sz="1800" b="0" i="0" u="none" strike="noStrike" cap="none" spc="0" normalizeH="0" baseline="0">
+          <a:defRPr b="0" baseline="0" cap="none" i="0" spc="0" strike="noStrike" sz="1800" u="none" kumimoji="0" normalizeH="0">
             <a:ln>
               <a:noFill/>
             </a:ln>
@@ -5498,7 +6371,7 @@
           <a:buFontTx/>
           <a:buNone/>
           <a:tabLst/>
-          <a:defRPr kumimoji="0" sz="1800" b="0" i="0" u="none" strike="noStrike" cap="none" spc="0" normalizeH="0" baseline="0">
+          <a:defRPr b="0" baseline="0" cap="none" i="0" spc="0" strike="noStrike" sz="1800" u="none" kumimoji="0" normalizeH="0">
             <a:ln>
               <a:noFill/>
             </a:ln>
@@ -5524,7 +6397,7 @@
           <a:buFontTx/>
           <a:buNone/>
           <a:tabLst/>
-          <a:defRPr kumimoji="0" sz="1800" b="0" i="0" u="none" strike="noStrike" cap="none" spc="0" normalizeH="0" baseline="0">
+          <a:defRPr b="0" baseline="0" cap="none" i="0" spc="0" strike="noStrike" sz="1800" u="none" kumimoji="0" normalizeH="0">
             <a:ln>
               <a:noFill/>
             </a:ln>
@@ -5550,7 +6423,7 @@
           <a:buFontTx/>
           <a:buNone/>
           <a:tabLst/>
-          <a:defRPr kumimoji="0" sz="1800" b="0" i="0" u="none" strike="noStrike" cap="none" spc="0" normalizeH="0" baseline="0">
+          <a:defRPr b="0" baseline="0" cap="none" i="0" spc="0" strike="noStrike" sz="1800" u="none" kumimoji="0" normalizeH="0">
             <a:ln>
               <a:noFill/>
             </a:ln>
@@ -5563,15 +6436,9 @@
         </a:lvl9pPr>
       </a:lstStyle>
       <a:style>
-        <a:lnRef idx="0">
-          <a:scrgbClr r="0" g="0" b="0"/>
-        </a:lnRef>
-        <a:fillRef idx="0">
-          <a:scrgbClr r="0" g="0" b="0"/>
-        </a:fillRef>
-        <a:effectRef idx="0">
-          <a:scrgbClr r="0" g="0" b="0"/>
-        </a:effectRef>
+        <a:lnRef idx="0"/>
+        <a:fillRef idx="0"/>
+        <a:effectRef idx="0"/>
         <a:fontRef idx="none"/>
       </a:style>
     </a:spDef>
@@ -5585,16 +6452,10 @@
           <a:prstDash val="solid"/>
           <a:round/>
         </a:ln>
-        <a:effectLst>
-          <a:outerShdw blurRad="38100" dist="20000" dir="5400000" rotWithShape="0">
-            <a:srgbClr val="000000">
-              <a:alpha val="38000"/>
-            </a:srgbClr>
-          </a:outerShdw>
-        </a:effectLst>
+        <a:effectLst/>
         <a:sp3d/>
       </a:spPr>
-      <a:bodyPr rot="0" spcFirstLastPara="1" vertOverflow="overflow" horzOverflow="overflow" vert="horz" wrap="square" lIns="91439" tIns="45719" rIns="91439" bIns="45719" numCol="1" spcCol="38100" rtlCol="0" anchor="t">
+      <a:bodyPr rot="0" spcFirstLastPara="1" vertOverflow="overflow" horzOverflow="overflow" vert="horz" wrap="square" lIns="91439" tIns="45719" rIns="91439" bIns="45719" numCol="1" spcCol="38100" rtlCol="0" anchor="t" upright="0">
         <a:noAutofit/>
       </a:bodyPr>
       <a:lstStyle>
@@ -5613,7 +6474,7 @@
           <a:buFontTx/>
           <a:buNone/>
           <a:tabLst/>
-          <a:defRPr kumimoji="0" sz="1800" b="0" i="0" u="none" strike="noStrike" cap="none" spc="0" normalizeH="0" baseline="0">
+          <a:defRPr b="0" baseline="0" cap="none" i="0" spc="0" strike="noStrike" sz="1800" u="none" kumimoji="0" normalizeH="0">
             <a:ln>
               <a:noFill/>
             </a:ln>
@@ -5639,7 +6500,7 @@
           <a:buFontTx/>
           <a:buNone/>
           <a:tabLst/>
-          <a:defRPr kumimoji="0" sz="1800" b="0" i="0" u="none" strike="noStrike" cap="none" spc="0" normalizeH="0" baseline="0">
+          <a:defRPr b="0" baseline="0" cap="none" i="0" spc="0" strike="noStrike" sz="1800" u="none" kumimoji="0" normalizeH="0">
             <a:ln>
               <a:noFill/>
             </a:ln>
@@ -5665,7 +6526,7 @@
           <a:buFontTx/>
           <a:buNone/>
           <a:tabLst/>
-          <a:defRPr kumimoji="0" sz="1800" b="0" i="0" u="none" strike="noStrike" cap="none" spc="0" normalizeH="0" baseline="0">
+          <a:defRPr b="0" baseline="0" cap="none" i="0" spc="0" strike="noStrike" sz="1800" u="none" kumimoji="0" normalizeH="0">
             <a:ln>
               <a:noFill/>
             </a:ln>
@@ -5691,7 +6552,7 @@
           <a:buFontTx/>
           <a:buNone/>
           <a:tabLst/>
-          <a:defRPr kumimoji="0" sz="1800" b="0" i="0" u="none" strike="noStrike" cap="none" spc="0" normalizeH="0" baseline="0">
+          <a:defRPr b="0" baseline="0" cap="none" i="0" spc="0" strike="noStrike" sz="1800" u="none" kumimoji="0" normalizeH="0">
             <a:ln>
               <a:noFill/>
             </a:ln>
@@ -5717,7 +6578,7 @@
           <a:buFontTx/>
           <a:buNone/>
           <a:tabLst/>
-          <a:defRPr kumimoji="0" sz="1800" b="0" i="0" u="none" strike="noStrike" cap="none" spc="0" normalizeH="0" baseline="0">
+          <a:defRPr b="0" baseline="0" cap="none" i="0" spc="0" strike="noStrike" sz="1800" u="none" kumimoji="0" normalizeH="0">
             <a:ln>
               <a:noFill/>
             </a:ln>
@@ -5743,7 +6604,7 @@
           <a:buFontTx/>
           <a:buNone/>
           <a:tabLst/>
-          <a:defRPr kumimoji="0" sz="1800" b="0" i="0" u="none" strike="noStrike" cap="none" spc="0" normalizeH="0" baseline="0">
+          <a:defRPr b="0" baseline="0" cap="none" i="0" spc="0" strike="noStrike" sz="1800" u="none" kumimoji="0" normalizeH="0">
             <a:ln>
               <a:noFill/>
             </a:ln>
@@ -5769,7 +6630,7 @@
           <a:buFontTx/>
           <a:buNone/>
           <a:tabLst/>
-          <a:defRPr kumimoji="0" sz="1800" b="0" i="0" u="none" strike="noStrike" cap="none" spc="0" normalizeH="0" baseline="0">
+          <a:defRPr b="0" baseline="0" cap="none" i="0" spc="0" strike="noStrike" sz="1800" u="none" kumimoji="0" normalizeH="0">
             <a:ln>
               <a:noFill/>
             </a:ln>
@@ -5795,7 +6656,7 @@
           <a:buFontTx/>
           <a:buNone/>
           <a:tabLst/>
-          <a:defRPr kumimoji="0" sz="1800" b="0" i="0" u="none" strike="noStrike" cap="none" spc="0" normalizeH="0" baseline="0">
+          <a:defRPr b="0" baseline="0" cap="none" i="0" spc="0" strike="noStrike" sz="1800" u="none" kumimoji="0" normalizeH="0">
             <a:ln>
               <a:noFill/>
             </a:ln>
@@ -5821,7 +6682,7 @@
           <a:buFontTx/>
           <a:buNone/>
           <a:tabLst/>
-          <a:defRPr kumimoji="0" sz="1800" b="0" i="0" u="none" strike="noStrike" cap="none" spc="0" normalizeH="0" baseline="0">
+          <a:defRPr b="0" baseline="0" cap="none" i="0" spc="0" strike="noStrike" sz="1800" u="none" kumimoji="0" normalizeH="0">
             <a:ln>
               <a:noFill/>
             </a:ln>
@@ -5847,7 +6708,7 @@
           <a:buFontTx/>
           <a:buNone/>
           <a:tabLst/>
-          <a:defRPr kumimoji="0" sz="1800" b="0" i="0" u="none" strike="noStrike" cap="none" spc="0" normalizeH="0" baseline="0">
+          <a:defRPr b="0" baseline="0" cap="none" i="0" spc="0" strike="noStrike" sz="1800" u="none" kumimoji="0" normalizeH="0">
             <a:ln>
               <a:noFill/>
             </a:ln>
@@ -5860,15 +6721,9 @@
         </a:lvl9pPr>
       </a:lstStyle>
       <a:style>
-        <a:lnRef idx="0">
-          <a:scrgbClr r="0" g="0" b="0"/>
-        </a:lnRef>
-        <a:fillRef idx="0">
-          <a:scrgbClr r="0" g="0" b="0"/>
-        </a:fillRef>
-        <a:effectRef idx="0">
-          <a:scrgbClr r="0" g="0" b="0"/>
-        </a:effectRef>
+        <a:lnRef idx="0"/>
+        <a:fillRef idx="0"/>
+        <a:effectRef idx="0"/>
         <a:fontRef idx="none"/>
       </a:style>
     </a:lnDef>
@@ -5882,7 +6737,7 @@
         <a:effectLst/>
         <a:sp3d/>
       </a:spPr>
-      <a:bodyPr rot="0" spcFirstLastPara="1" vertOverflow="overflow" horzOverflow="overflow" vert="horz" wrap="square" lIns="45719" tIns="45719" rIns="45719" bIns="45719" numCol="1" spcCol="38100" rtlCol="0" anchor="t">
+      <a:bodyPr rot="0" spcFirstLastPara="1" vertOverflow="overflow" horzOverflow="overflow" vert="horz" wrap="square" lIns="45718" tIns="45718" rIns="45718" bIns="45718" numCol="1" spcCol="38100" rtlCol="0" anchor="t" upright="0">
         <a:spAutoFit/>
       </a:bodyPr>
       <a:lstStyle>
@@ -5901,7 +6756,7 @@
           <a:buFontTx/>
           <a:buNone/>
           <a:tabLst/>
-          <a:defRPr kumimoji="0" sz="2400" b="0" i="0" u="none" strike="noStrike" cap="none" spc="0" normalizeH="0" baseline="0">
+          <a:defRPr b="0" baseline="0" cap="none" i="0" spc="0" strike="noStrike" sz="2400" u="none" kumimoji="0" normalizeH="0">
             <a:ln>
               <a:noFill/>
             </a:ln>
@@ -5910,10 +6765,10 @@
             </a:solidFill>
             <a:effectLst/>
             <a:uFillTx/>
-            <a:latin typeface="Times New Roman"/>
-            <a:ea typeface="Times New Roman"/>
-            <a:cs typeface="Times New Roman"/>
-            <a:sym typeface="Times New Roman"/>
+            <a:latin typeface="+mn-lt"/>
+            <a:ea typeface="+mn-ea"/>
+            <a:cs typeface="+mn-cs"/>
+            <a:sym typeface="Helvetica Neue"/>
           </a:defRPr>
         </a:defPPr>
         <a:lvl1pPr marL="0" marR="0" indent="0" algn="l" defTabSz="914400" rtl="0" fontAlgn="auto" latinLnBrk="1" hangingPunct="0">
@@ -5931,7 +6786,7 @@
           <a:buFontTx/>
           <a:buNone/>
           <a:tabLst/>
-          <a:defRPr kumimoji="0" sz="1800" b="0" i="0" u="none" strike="noStrike" cap="none" spc="0" normalizeH="0" baseline="0">
+          <a:defRPr b="0" baseline="0" cap="none" i="0" spc="0" strike="noStrike" sz="1800" u="none" kumimoji="0" normalizeH="0">
             <a:ln>
               <a:noFill/>
             </a:ln>
@@ -5957,7 +6812,7 @@
           <a:buFontTx/>
           <a:buNone/>
           <a:tabLst/>
-          <a:defRPr kumimoji="0" sz="1800" b="0" i="0" u="none" strike="noStrike" cap="none" spc="0" normalizeH="0" baseline="0">
+          <a:defRPr b="0" baseline="0" cap="none" i="0" spc="0" strike="noStrike" sz="1800" u="none" kumimoji="0" normalizeH="0">
             <a:ln>
               <a:noFill/>
             </a:ln>
@@ -5983,7 +6838,7 @@
           <a:buFontTx/>
           <a:buNone/>
           <a:tabLst/>
-          <a:defRPr kumimoji="0" sz="1800" b="0" i="0" u="none" strike="noStrike" cap="none" spc="0" normalizeH="0" baseline="0">
+          <a:defRPr b="0" baseline="0" cap="none" i="0" spc="0" strike="noStrike" sz="1800" u="none" kumimoji="0" normalizeH="0">
             <a:ln>
               <a:noFill/>
             </a:ln>
@@ -6009,7 +6864,7 @@
           <a:buFontTx/>
           <a:buNone/>
           <a:tabLst/>
-          <a:defRPr kumimoji="0" sz="1800" b="0" i="0" u="none" strike="noStrike" cap="none" spc="0" normalizeH="0" baseline="0">
+          <a:defRPr b="0" baseline="0" cap="none" i="0" spc="0" strike="noStrike" sz="1800" u="none" kumimoji="0" normalizeH="0">
             <a:ln>
               <a:noFill/>
             </a:ln>
@@ -6035,7 +6890,7 @@
           <a:buFontTx/>
           <a:buNone/>
           <a:tabLst/>
-          <a:defRPr kumimoji="0" sz="1800" b="0" i="0" u="none" strike="noStrike" cap="none" spc="0" normalizeH="0" baseline="0">
+          <a:defRPr b="0" baseline="0" cap="none" i="0" spc="0" strike="noStrike" sz="1800" u="none" kumimoji="0" normalizeH="0">
             <a:ln>
               <a:noFill/>
             </a:ln>
@@ -6061,7 +6916,7 @@
           <a:buFontTx/>
           <a:buNone/>
           <a:tabLst/>
-          <a:defRPr kumimoji="0" sz="1800" b="0" i="0" u="none" strike="noStrike" cap="none" spc="0" normalizeH="0" baseline="0">
+          <a:defRPr b="0" baseline="0" cap="none" i="0" spc="0" strike="noStrike" sz="1800" u="none" kumimoji="0" normalizeH="0">
             <a:ln>
               <a:noFill/>
             </a:ln>
@@ -6087,7 +6942,7 @@
           <a:buFontTx/>
           <a:buNone/>
           <a:tabLst/>
-          <a:defRPr kumimoji="0" sz="1800" b="0" i="0" u="none" strike="noStrike" cap="none" spc="0" normalizeH="0" baseline="0">
+          <a:defRPr b="0" baseline="0" cap="none" i="0" spc="0" strike="noStrike" sz="1800" u="none" kumimoji="0" normalizeH="0">
             <a:ln>
               <a:noFill/>
             </a:ln>
@@ -6113,7 +6968,7 @@
           <a:buFontTx/>
           <a:buNone/>
           <a:tabLst/>
-          <a:defRPr kumimoji="0" sz="1800" b="0" i="0" u="none" strike="noStrike" cap="none" spc="0" normalizeH="0" baseline="0">
+          <a:defRPr b="0" baseline="0" cap="none" i="0" spc="0" strike="noStrike" sz="1800" u="none" kumimoji="0" normalizeH="0">
             <a:ln>
               <a:noFill/>
             </a:ln>
@@ -6139,7 +6994,7 @@
           <a:buFontTx/>
           <a:buNone/>
           <a:tabLst/>
-          <a:defRPr kumimoji="0" sz="1800" b="0" i="0" u="none" strike="noStrike" cap="none" spc="0" normalizeH="0" baseline="0">
+          <a:defRPr b="0" baseline="0" cap="none" i="0" spc="0" strike="noStrike" sz="1800" u="none" kumimoji="0" normalizeH="0">
             <a:ln>
               <a:noFill/>
             </a:ln>
@@ -6152,19 +7007,12 @@
         </a:lvl9pPr>
       </a:lstStyle>
       <a:style>
-        <a:lnRef idx="0">
-          <a:scrgbClr r="0" g="0" b="0"/>
-        </a:lnRef>
-        <a:fillRef idx="0">
-          <a:scrgbClr r="0" g="0" b="0"/>
-        </a:fillRef>
-        <a:effectRef idx="0">
-          <a:scrgbClr r="0" g="0" b="0"/>
-        </a:effectRef>
+        <a:lnRef idx="0"/>
+        <a:fillRef idx="0"/>
+        <a:effectRef idx="0"/>
         <a:fontRef idx="none"/>
       </a:style>
     </a:txDef>
   </a:objectDefaults>
-  <a:extraClrSchemeLst/>
 </a:theme>
 </file>